--- a/FakeNewsProjectPresentation.pptx
+++ b/FakeNewsProjectPresentation.pptx
@@ -9,16 +9,14 @@
     <p:sldId id="259" r:id="rId3"/>
     <p:sldId id="266" r:id="rId4"/>
     <p:sldId id="272" r:id="rId5"/>
-    <p:sldId id="270" r:id="rId6"/>
+    <p:sldId id="276" r:id="rId6"/>
     <p:sldId id="268" r:id="rId7"/>
-    <p:sldId id="271" r:id="rId8"/>
+    <p:sldId id="277" r:id="rId8"/>
     <p:sldId id="263" r:id="rId9"/>
     <p:sldId id="264" r:id="rId10"/>
     <p:sldId id="269" r:id="rId11"/>
     <p:sldId id="275" r:id="rId12"/>
     <p:sldId id="274" r:id="rId13"/>
-    <p:sldId id="261" r:id="rId14"/>
-    <p:sldId id="273" r:id="rId15"/>
   </p:sldIdLst>
   <p:sldSz cx="12192000" cy="6858000"/>
   <p:notesSz cx="6858000" cy="9144000"/>
@@ -3807,7 +3805,7 @@
         <p:spPr>
           <a:xfrm>
             <a:off x="0" y="89284"/>
-            <a:ext cx="12192000" cy="923330"/>
+            <a:ext cx="12192000" cy="830997"/>
           </a:xfrm>
           <a:prstGeom prst="rect">
             <a:avLst/>
@@ -3822,7 +3820,7 @@
           <a:p>
             <a:pPr algn="ctr"/>
             <a:r>
-              <a:rPr lang="en-US" sz="5400" dirty="0">
+              <a:rPr lang="en-US" sz="4800" dirty="0">
                 <a:solidFill>
                   <a:srgbClr val="FF0000"/>
                 </a:solidFill>
@@ -3925,7 +3923,7 @@
         <p:spPr>
           <a:xfrm>
             <a:off x="0" y="89284"/>
-            <a:ext cx="12192000" cy="923330"/>
+            <a:ext cx="12192000" cy="830997"/>
           </a:xfrm>
           <a:prstGeom prst="rect">
             <a:avLst/>
@@ -3940,7 +3938,7 @@
           <a:p>
             <a:pPr algn="ctr"/>
             <a:r>
-              <a:rPr lang="en-US" sz="5400" dirty="0">
+              <a:rPr lang="en-US" sz="4800" dirty="0">
                 <a:solidFill>
                   <a:srgbClr val="FF0000"/>
                 </a:solidFill>
@@ -4119,7 +4117,7 @@
         <p:spPr>
           <a:xfrm>
             <a:off x="257174" y="927122"/>
-            <a:ext cx="5629273" cy="2677656"/>
+            <a:ext cx="5629273" cy="2492990"/>
           </a:xfrm>
           <a:prstGeom prst="rect">
             <a:avLst/>
@@ -4133,16 +4131,22 @@
           <a:lstStyle/>
           <a:p>
             <a:r>
-              <a:rPr lang="en-US" sz="1400" dirty="0"/>
+              <a:rPr lang="en-US" sz="1200" dirty="0">
+                <a:latin typeface="GNUTypewriter" panose="02000503000000000000" pitchFamily="2" charset="-52"/>
+              </a:rPr>
               <a:t>Label documents by Author Type: Author Known, Author Maybe Known,  Author Unknown. Author Type was derived from NLTK Entity Tagging routine, based on document author provided.</a:t>
             </a:r>
           </a:p>
           <a:p>
-            <a:endParaRPr lang="en-US" sz="1400" dirty="0"/>
-          </a:p>
-          <a:p>
-            <a:r>
-              <a:rPr lang="en-US" sz="1400" dirty="0"/>
+            <a:endParaRPr lang="en-US" sz="1200" dirty="0">
+              <a:latin typeface="GNUTypewriter" panose="02000503000000000000" pitchFamily="2" charset="-52"/>
+            </a:endParaRPr>
+          </a:p>
+          <a:p>
+            <a:r>
+              <a:rPr lang="en-US" sz="1200" dirty="0">
+                <a:latin typeface="GNUTypewriter" panose="02000503000000000000" pitchFamily="2" charset="-52"/>
+              </a:rPr>
               <a:t>11 Rules-based iterations of the Vectorizer process were run using the input documents as described. 3 prediction models were run using the vectorized set</a:t>
             </a:r>
           </a:p>
@@ -4152,7 +4156,9 @@
               <a:buChar char="-"/>
             </a:pPr>
             <a:r>
-              <a:rPr lang="en-US" sz="1400" dirty="0"/>
+              <a:rPr lang="en-US" sz="1200" dirty="0">
+                <a:latin typeface="GNUTypewriter" panose="02000503000000000000" pitchFamily="2" charset="-52"/>
+              </a:rPr>
               <a:t>Multinomial NB</a:t>
             </a:r>
           </a:p>
@@ -4162,7 +4168,9 @@
               <a:buChar char="-"/>
             </a:pPr>
             <a:r>
-              <a:rPr lang="en-US" sz="1400" dirty="0"/>
+              <a:rPr lang="en-US" sz="1200" dirty="0">
+                <a:latin typeface="GNUTypewriter" panose="02000503000000000000" pitchFamily="2" charset="-52"/>
+              </a:rPr>
               <a:t>Linear SVC</a:t>
             </a:r>
           </a:p>
@@ -4172,16 +4180,22 @@
               <a:buChar char="-"/>
             </a:pPr>
             <a:r>
-              <a:rPr lang="en-US" sz="1400" dirty="0"/>
+              <a:rPr lang="en-US" sz="1200" dirty="0">
+                <a:latin typeface="GNUTypewriter" panose="02000503000000000000" pitchFamily="2" charset="-52"/>
+              </a:rPr>
               <a:t>Random Forest</a:t>
             </a:r>
           </a:p>
           <a:p>
-            <a:endParaRPr lang="en-US" sz="1400" dirty="0"/>
-          </a:p>
-          <a:p>
-            <a:r>
-              <a:rPr lang="en-US" sz="1400" dirty="0"/>
+            <a:endParaRPr lang="en-US" sz="1200" dirty="0">
+              <a:latin typeface="GNUTypewriter" panose="02000503000000000000" pitchFamily="2" charset="-52"/>
+            </a:endParaRPr>
+          </a:p>
+          <a:p>
+            <a:r>
+              <a:rPr lang="en-US" sz="1200" dirty="0">
+                <a:latin typeface="GNUTypewriter" panose="02000503000000000000" pitchFamily="2" charset="-52"/>
+              </a:rPr>
               <a:t>Model chosen is the one is iteration 9 RF.</a:t>
             </a:r>
           </a:p>
@@ -4217,12 +4231,84 @@
           </a:prstGeom>
         </p:spPr>
       </p:pic>
+      <p:sp>
+        <p:nvSpPr>
+          <p:cNvPr id="11" name="TextBox 10">
+            <a:extLst>
+              <a:ext uri="{FF2B5EF4-FFF2-40B4-BE49-F238E27FC236}">
+                <a16:creationId xmlns:a16="http://schemas.microsoft.com/office/drawing/2014/main" id="{B126DD79-C931-4875-A41A-FC7E60EAB911}"/>
+              </a:ext>
+            </a:extLst>
+          </p:cNvPr>
+          <p:cNvSpPr txBox="1"/>
+          <p:nvPr/>
+        </p:nvSpPr>
+        <p:spPr>
+          <a:xfrm>
+            <a:off x="7386638" y="3975040"/>
+            <a:ext cx="3238500" cy="307777"/>
+          </a:xfrm>
+          <a:prstGeom prst="rect">
+            <a:avLst/>
+          </a:prstGeom>
+          <a:noFill/>
+        </p:spPr>
+        <p:txBody>
+          <a:bodyPr wrap="square" rtlCol="0">
+            <a:spAutoFit/>
+          </a:bodyPr>
+          <a:lstStyle/>
+          <a:p>
+            <a:pPr algn="ctr"/>
+            <a:r>
+              <a:rPr lang="en-US" sz="1400" b="1" u="sng" dirty="0"/>
+              <a:t>Confusion Matrix and Classification</a:t>
+            </a:r>
+          </a:p>
+        </p:txBody>
+      </p:sp>
+      <p:sp>
+        <p:nvSpPr>
+          <p:cNvPr id="14" name="TextBox 13">
+            <a:extLst>
+              <a:ext uri="{FF2B5EF4-FFF2-40B4-BE49-F238E27FC236}">
+                <a16:creationId xmlns:a16="http://schemas.microsoft.com/office/drawing/2014/main" id="{8AC6D448-C345-4D35-AB67-77245772E4D0}"/>
+              </a:ext>
+            </a:extLst>
+          </p:cNvPr>
+          <p:cNvSpPr txBox="1"/>
+          <p:nvPr/>
+        </p:nvSpPr>
+        <p:spPr>
+          <a:xfrm>
+            <a:off x="-272192" y="6660951"/>
+            <a:ext cx="1457658" cy="215444"/>
+          </a:xfrm>
+          <a:prstGeom prst="rect">
+            <a:avLst/>
+          </a:prstGeom>
+          <a:noFill/>
+        </p:spPr>
+        <p:txBody>
+          <a:bodyPr wrap="square" rtlCol="0">
+            <a:spAutoFit/>
+          </a:bodyPr>
+          <a:lstStyle/>
+          <a:p>
+            <a:pPr algn="ctr"/>
+            <a:r>
+              <a:rPr lang="en-US" sz="800" b="1" u="sng" dirty="0"/>
+              <a:t>20191203 21:00:54</a:t>
+            </a:r>
+          </a:p>
+        </p:txBody>
+      </p:sp>
       <p:pic>
         <p:nvPicPr>
-          <p:cNvPr id="5" name="Picture 4">
-            <a:extLst>
-              <a:ext uri="{FF2B5EF4-FFF2-40B4-BE49-F238E27FC236}">
-                <a16:creationId xmlns:a16="http://schemas.microsoft.com/office/drawing/2014/main" id="{615389AB-C3E0-4959-A49C-435761AC0027}"/>
+          <p:cNvPr id="9" name="Picture 8">
+            <a:extLst>
+              <a:ext uri="{FF2B5EF4-FFF2-40B4-BE49-F238E27FC236}">
+                <a16:creationId xmlns:a16="http://schemas.microsoft.com/office/drawing/2014/main" id="{983FDF13-3265-40D2-898C-9EE2141BB27B}"/>
               </a:ext>
             </a:extLst>
           </p:cNvPr>
@@ -4239,169 +4325,14 @@
         </p:blipFill>
         <p:spPr>
           <a:xfrm>
-            <a:off x="7854429" y="4488165"/>
-            <a:ext cx="2076900" cy="636900"/>
+            <a:off x="7005019" y="4398300"/>
+            <a:ext cx="4652539" cy="2344939"/>
           </a:xfrm>
           <a:prstGeom prst="rect">
             <a:avLst/>
           </a:prstGeom>
         </p:spPr>
       </p:pic>
-      <p:sp>
-        <p:nvSpPr>
-          <p:cNvPr id="11" name="TextBox 10">
-            <a:extLst>
-              <a:ext uri="{FF2B5EF4-FFF2-40B4-BE49-F238E27FC236}">
-                <a16:creationId xmlns:a16="http://schemas.microsoft.com/office/drawing/2014/main" id="{B126DD79-C931-4875-A41A-FC7E60EAB911}"/>
-              </a:ext>
-            </a:extLst>
-          </p:cNvPr>
-          <p:cNvSpPr txBox="1"/>
-          <p:nvPr/>
-        </p:nvSpPr>
-        <p:spPr>
-          <a:xfrm>
-            <a:off x="7386638" y="3966162"/>
-            <a:ext cx="3238500" cy="307777"/>
-          </a:xfrm>
-          <a:prstGeom prst="rect">
-            <a:avLst/>
-          </a:prstGeom>
-          <a:noFill/>
-        </p:spPr>
-        <p:txBody>
-          <a:bodyPr wrap="square" rtlCol="0">
-            <a:spAutoFit/>
-          </a:bodyPr>
-          <a:lstStyle/>
-          <a:p>
-            <a:pPr algn="ctr"/>
-            <a:r>
-              <a:rPr lang="en-US" sz="1400" b="1" u="sng" dirty="0"/>
-              <a:t>Confusion Matrix and Classification</a:t>
-            </a:r>
-          </a:p>
-        </p:txBody>
-      </p:sp>
-      <p:sp>
-        <p:nvSpPr>
-          <p:cNvPr id="12" name="TextBox 11">
-            <a:extLst>
-              <a:ext uri="{FF2B5EF4-FFF2-40B4-BE49-F238E27FC236}">
-                <a16:creationId xmlns:a16="http://schemas.microsoft.com/office/drawing/2014/main" id="{8B56F6C3-DAA3-4082-9BC3-8EBE4F1C4DDB}"/>
-              </a:ext>
-            </a:extLst>
-          </p:cNvPr>
-          <p:cNvSpPr txBox="1"/>
-          <p:nvPr/>
-        </p:nvSpPr>
-        <p:spPr>
-          <a:xfrm>
-            <a:off x="7273629" y="5185402"/>
-            <a:ext cx="3238500" cy="307777"/>
-          </a:xfrm>
-          <a:prstGeom prst="rect">
-            <a:avLst/>
-          </a:prstGeom>
-          <a:noFill/>
-        </p:spPr>
-        <p:txBody>
-          <a:bodyPr wrap="square" rtlCol="0">
-            <a:spAutoFit/>
-          </a:bodyPr>
-          <a:lstStyle/>
-          <a:p>
-            <a:pPr algn="ctr"/>
-            <a:r>
-              <a:rPr lang="en-US" sz="1400" b="1" u="sng" dirty="0"/>
-              <a:t>Accuracy 74.367%</a:t>
-            </a:r>
-          </a:p>
-        </p:txBody>
-      </p:sp>
-      <p:sp>
-        <p:nvSpPr>
-          <p:cNvPr id="7" name="Rectangle 6">
-            <a:extLst>
-              <a:ext uri="{FF2B5EF4-FFF2-40B4-BE49-F238E27FC236}">
-                <a16:creationId xmlns:a16="http://schemas.microsoft.com/office/drawing/2014/main" id="{EB0539B4-8CE6-4311-979F-E1316B6133E7}"/>
-              </a:ext>
-            </a:extLst>
-          </p:cNvPr>
-          <p:cNvSpPr/>
-          <p:nvPr/>
-        </p:nvSpPr>
-        <p:spPr>
-          <a:xfrm>
-            <a:off x="10622222" y="6209596"/>
-            <a:ext cx="1457660" cy="533643"/>
-          </a:xfrm>
-          <a:prstGeom prst="rect">
-            <a:avLst/>
-          </a:prstGeom>
-        </p:spPr>
-        <p:style>
-          <a:lnRef idx="1">
-            <a:schemeClr val="accent4"/>
-          </a:lnRef>
-          <a:fillRef idx="2">
-            <a:schemeClr val="accent4"/>
-          </a:fillRef>
-          <a:effectRef idx="1">
-            <a:schemeClr val="accent4"/>
-          </a:effectRef>
-          <a:fontRef idx="minor">
-            <a:schemeClr val="dk1"/>
-          </a:fontRef>
-        </p:style>
-        <p:txBody>
-          <a:bodyPr rtlCol="0" anchor="ctr"/>
-          <a:lstStyle/>
-          <a:p>
-            <a:pPr algn="ctr"/>
-            <a:r>
-              <a:rPr lang="en-US" dirty="0"/>
-              <a:t>Rich draft</a:t>
-            </a:r>
-          </a:p>
-        </p:txBody>
-      </p:sp>
-      <p:sp>
-        <p:nvSpPr>
-          <p:cNvPr id="14" name="TextBox 13">
-            <a:extLst>
-              <a:ext uri="{FF2B5EF4-FFF2-40B4-BE49-F238E27FC236}">
-                <a16:creationId xmlns:a16="http://schemas.microsoft.com/office/drawing/2014/main" id="{8AC6D448-C345-4D35-AB67-77245772E4D0}"/>
-              </a:ext>
-            </a:extLst>
-          </p:cNvPr>
-          <p:cNvSpPr txBox="1"/>
-          <p:nvPr/>
-        </p:nvSpPr>
-        <p:spPr>
-          <a:xfrm>
-            <a:off x="-272192" y="6660951"/>
-            <a:ext cx="1457658" cy="215444"/>
-          </a:xfrm>
-          <a:prstGeom prst="rect">
-            <a:avLst/>
-          </a:prstGeom>
-          <a:noFill/>
-        </p:spPr>
-        <p:txBody>
-          <a:bodyPr wrap="square" rtlCol="0">
-            <a:spAutoFit/>
-          </a:bodyPr>
-          <a:lstStyle/>
-          <a:p>
-            <a:pPr algn="ctr"/>
-            <a:r>
-              <a:rPr lang="en-US" sz="800" b="1" u="sng" dirty="0"/>
-              <a:t>20191203 21:00:54</a:t>
-            </a:r>
-          </a:p>
-        </p:txBody>
-      </p:sp>
       <p:pic>
         <p:nvPicPr>
           <p:cNvPr id="15" name="Picture 14">
@@ -4432,53 +4363,6 @@
           </a:prstGeom>
         </p:spPr>
       </p:pic>
-      <p:sp>
-        <p:nvSpPr>
-          <p:cNvPr id="16" name="Rectangle 15">
-            <a:extLst>
-              <a:ext uri="{FF2B5EF4-FFF2-40B4-BE49-F238E27FC236}">
-                <a16:creationId xmlns:a16="http://schemas.microsoft.com/office/drawing/2014/main" id="{88024498-6358-4C78-825A-53F1A28BA990}"/>
-              </a:ext>
-            </a:extLst>
-          </p:cNvPr>
-          <p:cNvSpPr/>
-          <p:nvPr/>
-        </p:nvSpPr>
-        <p:spPr>
-          <a:xfrm>
-            <a:off x="276226" y="2792886"/>
-            <a:ext cx="11639548" cy="533643"/>
-          </a:xfrm>
-          <a:prstGeom prst="rect">
-            <a:avLst/>
-          </a:prstGeom>
-        </p:spPr>
-        <p:style>
-          <a:lnRef idx="1">
-            <a:schemeClr val="accent4"/>
-          </a:lnRef>
-          <a:fillRef idx="2">
-            <a:schemeClr val="accent4"/>
-          </a:fillRef>
-          <a:effectRef idx="1">
-            <a:schemeClr val="accent4"/>
-          </a:effectRef>
-          <a:fontRef idx="minor">
-            <a:schemeClr val="dk1"/>
-          </a:fontRef>
-        </p:style>
-        <p:txBody>
-          <a:bodyPr rtlCol="0" anchor="ctr"/>
-          <a:lstStyle/>
-          <a:p>
-            <a:pPr algn="ctr"/>
-            <a:r>
-              <a:rPr lang="en-US" dirty="0"/>
-              <a:t>Talking points are : multiple models run for classification</a:t>
-            </a:r>
-          </a:p>
-        </p:txBody>
-      </p:sp>
     </p:spTree>
     <p:extLst>
       <p:ext uri="{BB962C8B-B14F-4D97-AF65-F5344CB8AC3E}">
@@ -4511,6 +4395,36 @@
       </p:grpSpPr>
       <p:pic>
         <p:nvPicPr>
+          <p:cNvPr id="7" name="Picture 6">
+            <a:extLst>
+              <a:ext uri="{FF2B5EF4-FFF2-40B4-BE49-F238E27FC236}">
+                <a16:creationId xmlns:a16="http://schemas.microsoft.com/office/drawing/2014/main" id="{5DF5CE45-D9F6-4AE7-8A88-5CF5F56B43D3}"/>
+              </a:ext>
+            </a:extLst>
+          </p:cNvPr>
+          <p:cNvPicPr>
+            <a:picLocks noChangeAspect="1"/>
+          </p:cNvPicPr>
+          <p:nvPr/>
+        </p:nvPicPr>
+        <p:blipFill>
+          <a:blip r:embed="rId2"/>
+          <a:stretch>
+            <a:fillRect/>
+          </a:stretch>
+        </p:blipFill>
+        <p:spPr>
+          <a:xfrm>
+            <a:off x="-1" y="452764"/>
+            <a:ext cx="12150697" cy="6409678"/>
+          </a:xfrm>
+          <a:prstGeom prst="rect">
+            <a:avLst/>
+          </a:prstGeom>
+        </p:spPr>
+      </p:pic>
+      <p:pic>
+        <p:nvPicPr>
           <p:cNvPr id="23" name="Picture 4" descr="Image result for logo for fake news">
             <a:extLst>
               <a:ext uri="{FF2B5EF4-FFF2-40B4-BE49-F238E27FC236}">
@@ -4524,7 +4438,7 @@
           <p:nvPr/>
         </p:nvPicPr>
         <p:blipFill>
-          <a:blip r:embed="rId2">
+          <a:blip r:embed="rId3">
             <a:extLst>
               <a:ext uri="{28A0092B-C50C-407E-A947-70E740481C1C}">
                 <a14:useLocalDpi xmlns:a14="http://schemas.microsoft.com/office/drawing/2010/main" val="0"/>
@@ -4556,47 +4470,6 @@
           </a:extLst>
         </p:spPr>
       </p:pic>
-      <p:sp>
-        <p:nvSpPr>
-          <p:cNvPr id="6" name="TextBox 5">
-            <a:extLst>
-              <a:ext uri="{FF2B5EF4-FFF2-40B4-BE49-F238E27FC236}">
-                <a16:creationId xmlns:a16="http://schemas.microsoft.com/office/drawing/2014/main" id="{2DEF5A25-43AC-4E4F-B060-29EB4C23EA85}"/>
-              </a:ext>
-            </a:extLst>
-          </p:cNvPr>
-          <p:cNvSpPr txBox="1"/>
-          <p:nvPr/>
-        </p:nvSpPr>
-        <p:spPr>
-          <a:xfrm>
-            <a:off x="0" y="89284"/>
-            <a:ext cx="12192000" cy="923330"/>
-          </a:xfrm>
-          <a:prstGeom prst="rect">
-            <a:avLst/>
-          </a:prstGeom>
-          <a:noFill/>
-        </p:spPr>
-        <p:txBody>
-          <a:bodyPr wrap="square" rtlCol="0">
-            <a:spAutoFit/>
-          </a:bodyPr>
-          <a:lstStyle/>
-          <a:p>
-            <a:pPr algn="ctr"/>
-            <a:r>
-              <a:rPr lang="en-US" sz="5400" dirty="0">
-                <a:solidFill>
-                  <a:srgbClr val="FF0000"/>
-                </a:solidFill>
-                <a:latin typeface="GNUTypewriter" panose="02000503000000000000" pitchFamily="2" charset="-52"/>
-              </a:rPr>
-              <a:t>Topic</a:t>
-            </a:r>
-          </a:p>
-        </p:txBody>
-      </p:sp>
       <p:pic>
         <p:nvPicPr>
           <p:cNvPr id="10" name="Picture 6" descr="Image result for logo for fake news">
@@ -4612,7 +4485,7 @@
           <p:nvPr/>
         </p:nvPicPr>
         <p:blipFill>
-          <a:blip r:embed="rId3">
+          <a:blip r:embed="rId4">
             <a:extLst>
               <a:ext uri="{28A0092B-C50C-407E-A947-70E740481C1C}">
                 <a14:useLocalDpi xmlns:a14="http://schemas.microsoft.com/office/drawing/2010/main" val="0"/>
@@ -4646,22 +4519,22 @@
       </p:pic>
       <p:cxnSp>
         <p:nvCxnSpPr>
-          <p:cNvPr id="4" name="Straight Connector 3">
-            <a:extLst>
-              <a:ext uri="{FF2B5EF4-FFF2-40B4-BE49-F238E27FC236}">
-                <a16:creationId xmlns:a16="http://schemas.microsoft.com/office/drawing/2014/main" id="{030E2A0F-2602-4537-9254-A2C94E3E457A}"/>
+          <p:cNvPr id="13" name="Straight Connector 12">
+            <a:extLst>
+              <a:ext uri="{FF2B5EF4-FFF2-40B4-BE49-F238E27FC236}">
+                <a16:creationId xmlns:a16="http://schemas.microsoft.com/office/drawing/2014/main" id="{AA8F7DC2-0689-4FDE-B552-A032F6115781}"/>
               </a:ext>
             </a:extLst>
           </p:cNvPr>
           <p:cNvCxnSpPr>
-            <a:stCxn id="6" idx="0"/>
+            <a:cxnSpLocks/>
           </p:cNvCxnSpPr>
           <p:nvPr/>
         </p:nvCxnSpPr>
         <p:spPr>
           <a:xfrm>
-            <a:off x="6096000" y="89284"/>
-            <a:ext cx="0" cy="6679432"/>
+            <a:off x="-1" y="3436291"/>
+            <a:ext cx="12150697" cy="0"/>
           </a:xfrm>
           <a:prstGeom prst="line">
             <a:avLst/>
@@ -4682,134 +4555,250 @@
           </a:fontRef>
         </p:style>
       </p:cxnSp>
-      <p:cxnSp>
-        <p:nvCxnSpPr>
-          <p:cNvPr id="13" name="Straight Connector 12">
-            <a:extLst>
-              <a:ext uri="{FF2B5EF4-FFF2-40B4-BE49-F238E27FC236}">
-                <a16:creationId xmlns:a16="http://schemas.microsoft.com/office/drawing/2014/main" id="{AA8F7DC2-0689-4FDE-B552-A032F6115781}"/>
-              </a:ext>
-            </a:extLst>
-          </p:cNvPr>
-          <p:cNvCxnSpPr>
-            <a:cxnSpLocks/>
-          </p:cNvCxnSpPr>
-          <p:nvPr/>
-        </p:nvCxnSpPr>
-        <p:spPr>
-          <a:xfrm>
-            <a:off x="257175" y="3862414"/>
-            <a:ext cx="11658600" cy="0"/>
-          </a:xfrm>
-          <a:prstGeom prst="line">
+      <p:pic>
+        <p:nvPicPr>
+          <p:cNvPr id="2" name="Picture 1">
+            <a:extLst>
+              <a:ext uri="{FF2B5EF4-FFF2-40B4-BE49-F238E27FC236}">
+                <a16:creationId xmlns:a16="http://schemas.microsoft.com/office/drawing/2014/main" id="{66982625-86FC-407E-85EE-587A4B002267}"/>
+              </a:ext>
+            </a:extLst>
+          </p:cNvPr>
+          <p:cNvPicPr>
+            <a:picLocks noChangeAspect="1"/>
+          </p:cNvPicPr>
+          <p:nvPr/>
+        </p:nvPicPr>
+        <p:blipFill>
+          <a:blip r:embed="rId5"/>
+          <a:stretch>
+            <a:fillRect/>
+          </a:stretch>
+        </p:blipFill>
+        <p:spPr>
+          <a:xfrm>
+            <a:off x="6585042" y="3448772"/>
+            <a:ext cx="4394070" cy="3249431"/>
+          </a:xfrm>
+          <a:prstGeom prst="rect">
+            <a:avLst/>
+          </a:prstGeom>
+        </p:spPr>
+      </p:pic>
+      <p:pic>
+        <p:nvPicPr>
+          <p:cNvPr id="3" name="Picture 2">
+            <a:extLst>
+              <a:ext uri="{FF2B5EF4-FFF2-40B4-BE49-F238E27FC236}">
+                <a16:creationId xmlns:a16="http://schemas.microsoft.com/office/drawing/2014/main" id="{06DA182B-62AE-4F6D-9F44-5F7AB05D4590}"/>
+              </a:ext>
+            </a:extLst>
+          </p:cNvPr>
+          <p:cNvPicPr>
+            <a:picLocks noChangeAspect="1"/>
+          </p:cNvPicPr>
+          <p:nvPr/>
+        </p:nvPicPr>
+        <p:blipFill>
+          <a:blip r:embed="rId6"/>
+          <a:stretch>
+            <a:fillRect/>
+          </a:stretch>
+        </p:blipFill>
+        <p:spPr>
+          <a:xfrm>
+            <a:off x="798662" y="3457644"/>
+            <a:ext cx="4855282" cy="3249433"/>
+          </a:xfrm>
+          <a:prstGeom prst="rect">
+            <a:avLst/>
+          </a:prstGeom>
+        </p:spPr>
+      </p:pic>
+      <p:pic>
+        <p:nvPicPr>
+          <p:cNvPr id="9" name="Picture 8">
+            <a:extLst>
+              <a:ext uri="{FF2B5EF4-FFF2-40B4-BE49-F238E27FC236}">
+                <a16:creationId xmlns:a16="http://schemas.microsoft.com/office/drawing/2014/main" id="{049416D2-AC9B-4B5E-9B74-43F357ADAFFC}"/>
+              </a:ext>
+            </a:extLst>
+          </p:cNvPr>
+          <p:cNvPicPr>
+            <a:picLocks noChangeAspect="1"/>
+          </p:cNvPicPr>
+          <p:nvPr/>
+        </p:nvPicPr>
+        <p:blipFill>
+          <a:blip r:embed="rId7"/>
+          <a:stretch>
+            <a:fillRect/>
+          </a:stretch>
+        </p:blipFill>
+        <p:spPr>
+          <a:xfrm>
+            <a:off x="6585042" y="106536"/>
+            <a:ext cx="4336719" cy="3040601"/>
+          </a:xfrm>
+          <a:prstGeom prst="rect">
+            <a:avLst/>
+          </a:prstGeom>
+        </p:spPr>
+      </p:pic>
+      <p:sp>
+        <p:nvSpPr>
+          <p:cNvPr id="6" name="TextBox 5">
+            <a:extLst>
+              <a:ext uri="{FF2B5EF4-FFF2-40B4-BE49-F238E27FC236}">
+                <a16:creationId xmlns:a16="http://schemas.microsoft.com/office/drawing/2014/main" id="{2DEF5A25-43AC-4E4F-B060-29EB4C23EA85}"/>
+              </a:ext>
+            </a:extLst>
+          </p:cNvPr>
+          <p:cNvSpPr txBox="1"/>
+          <p:nvPr/>
+        </p:nvSpPr>
+        <p:spPr>
+          <a:xfrm>
+            <a:off x="0" y="89284"/>
+            <a:ext cx="12192000" cy="830997"/>
+          </a:xfrm>
+          <a:prstGeom prst="rect">
+            <a:avLst/>
+          </a:prstGeom>
+          <a:noFill/>
+        </p:spPr>
+        <p:txBody>
+          <a:bodyPr wrap="square" rtlCol="0">
+            <a:spAutoFit/>
+          </a:bodyPr>
+          <a:lstStyle/>
+          <a:p>
+            <a:pPr algn="ctr"/>
+            <a:r>
+              <a:rPr lang="en-US" sz="4800" dirty="0">
+                <a:solidFill>
+                  <a:srgbClr val="FF0000"/>
+                </a:solidFill>
+                <a:latin typeface="GNUTypewriter" panose="02000503000000000000" pitchFamily="2" charset="-52"/>
+              </a:rPr>
+              <a:t>Topic Model</a:t>
+            </a:r>
+          </a:p>
+        </p:txBody>
+      </p:sp>
+      <p:sp>
+        <p:nvSpPr>
+          <p:cNvPr id="15" name="Rectangle 14">
+            <a:extLst>
+              <a:ext uri="{FF2B5EF4-FFF2-40B4-BE49-F238E27FC236}">
+                <a16:creationId xmlns:a16="http://schemas.microsoft.com/office/drawing/2014/main" id="{38E3A015-11DE-4131-B2F3-1873B030AD36}"/>
+              </a:ext>
+            </a:extLst>
+          </p:cNvPr>
+          <p:cNvSpPr/>
+          <p:nvPr/>
+        </p:nvSpPr>
+        <p:spPr>
+          <a:xfrm>
+            <a:off x="807540" y="923278"/>
+            <a:ext cx="5673159" cy="2032949"/>
+          </a:xfrm>
+          <a:prstGeom prst="rect">
             <a:avLst/>
           </a:prstGeom>
         </p:spPr>
         <p:style>
-          <a:lnRef idx="1">
-            <a:schemeClr val="accent1"/>
+          <a:lnRef idx="2">
+            <a:schemeClr val="accent1">
+              <a:shade val="50000"/>
+            </a:schemeClr>
           </a:lnRef>
-          <a:fillRef idx="0">
+          <a:fillRef idx="1">
             <a:schemeClr val="accent1"/>
           </a:fillRef>
           <a:effectRef idx="0">
             <a:schemeClr val="accent1"/>
           </a:effectRef>
           <a:fontRef idx="minor">
-            <a:schemeClr val="tx1"/>
+            <a:schemeClr val="lt1"/>
           </a:fontRef>
         </p:style>
-      </p:cxnSp>
-      <p:sp>
-        <p:nvSpPr>
-          <p:cNvPr id="12" name="Rectangle 11">
-            <a:extLst>
-              <a:ext uri="{FF2B5EF4-FFF2-40B4-BE49-F238E27FC236}">
-                <a16:creationId xmlns:a16="http://schemas.microsoft.com/office/drawing/2014/main" id="{5A9D69AD-60DB-4C76-96BB-A763073A6EA3}"/>
-              </a:ext>
-            </a:extLst>
-          </p:cNvPr>
-          <p:cNvSpPr/>
-          <p:nvPr/>
-        </p:nvSpPr>
-        <p:spPr>
-          <a:xfrm>
-            <a:off x="9930582" y="6209596"/>
-            <a:ext cx="2149300" cy="533643"/>
-          </a:xfrm>
-          <a:prstGeom prst="rect">
-            <a:avLst/>
-          </a:prstGeom>
-        </p:spPr>
-        <p:style>
-          <a:lnRef idx="1">
-            <a:schemeClr val="accent4"/>
-          </a:lnRef>
-          <a:fillRef idx="2">
-            <a:schemeClr val="accent4"/>
-          </a:fillRef>
-          <a:effectRef idx="1">
-            <a:schemeClr val="accent4"/>
-          </a:effectRef>
-          <a:fontRef idx="minor">
-            <a:schemeClr val="dk1"/>
-          </a:fontRef>
-        </p:style>
         <p:txBody>
           <a:bodyPr rtlCol="0" anchor="ctr"/>
           <a:lstStyle/>
           <a:p>
             <a:pPr algn="ctr"/>
-            <a:r>
-              <a:rPr lang="en-US" dirty="0"/>
-              <a:t>??? draft</a:t>
-            </a:r>
-          </a:p>
-        </p:txBody>
-      </p:sp>
-      <p:sp>
-        <p:nvSpPr>
-          <p:cNvPr id="14" name="Rectangle 13">
-            <a:extLst>
-              <a:ext uri="{FF2B5EF4-FFF2-40B4-BE49-F238E27FC236}">
-                <a16:creationId xmlns:a16="http://schemas.microsoft.com/office/drawing/2014/main" id="{309F4017-EE3F-4AF3-9099-DD9C3B7A4C62}"/>
-              </a:ext>
-            </a:extLst>
-          </p:cNvPr>
-          <p:cNvSpPr/>
-          <p:nvPr/>
-        </p:nvSpPr>
-        <p:spPr>
-          <a:xfrm>
-            <a:off x="276225" y="3595592"/>
-            <a:ext cx="11639548" cy="533643"/>
+            <a:endParaRPr lang="en-US"/>
+          </a:p>
+        </p:txBody>
+      </p:sp>
+      <p:pic>
+        <p:nvPicPr>
+          <p:cNvPr id="11" name="Picture 10">
+            <a:extLst>
+              <a:ext uri="{FF2B5EF4-FFF2-40B4-BE49-F238E27FC236}">
+                <a16:creationId xmlns:a16="http://schemas.microsoft.com/office/drawing/2014/main" id="{9C4BE8C3-ED63-4E3A-870D-E052A45E7F41}"/>
+              </a:ext>
+            </a:extLst>
+          </p:cNvPr>
+          <p:cNvPicPr>
+            <a:picLocks noChangeAspect="1"/>
+          </p:cNvPicPr>
+          <p:nvPr/>
+        </p:nvPicPr>
+        <p:blipFill>
+          <a:blip r:embed="rId8"/>
+          <a:stretch>
+            <a:fillRect/>
+          </a:stretch>
+        </p:blipFill>
+        <p:spPr>
+          <a:xfrm>
+            <a:off x="921345" y="1012614"/>
+            <a:ext cx="5492667" cy="1838140"/>
           </a:xfrm>
           <a:prstGeom prst="rect">
             <a:avLst/>
           </a:prstGeom>
         </p:spPr>
-        <p:style>
-          <a:lnRef idx="1">
-            <a:schemeClr val="accent4"/>
-          </a:lnRef>
-          <a:fillRef idx="2">
-            <a:schemeClr val="accent4"/>
-          </a:fillRef>
-          <a:effectRef idx="1">
-            <a:schemeClr val="accent4"/>
-          </a:effectRef>
-          <a:fontRef idx="minor">
-            <a:schemeClr val="dk1"/>
-          </a:fontRef>
-        </p:style>
-        <p:txBody>
-          <a:bodyPr rtlCol="0" anchor="ctr"/>
+      </p:pic>
+      <p:sp>
+        <p:nvSpPr>
+          <p:cNvPr id="17" name="TextBox 16">
+            <a:extLst>
+              <a:ext uri="{FF2B5EF4-FFF2-40B4-BE49-F238E27FC236}">
+                <a16:creationId xmlns:a16="http://schemas.microsoft.com/office/drawing/2014/main" id="{D84696FF-F358-4B10-9B86-1E916EA30CEF}"/>
+              </a:ext>
+            </a:extLst>
+          </p:cNvPr>
+          <p:cNvSpPr txBox="1"/>
+          <p:nvPr/>
+        </p:nvSpPr>
+        <p:spPr>
+          <a:xfrm>
+            <a:off x="2415342" y="2264023"/>
+            <a:ext cx="3998670" cy="523220"/>
+          </a:xfrm>
+          <a:prstGeom prst="rect">
+            <a:avLst/>
+          </a:prstGeom>
+          <a:noFill/>
+        </p:spPr>
+        <p:txBody>
+          <a:bodyPr wrap="square" rtlCol="0">
+            <a:spAutoFit/>
+          </a:bodyPr>
           <a:lstStyle/>
           <a:p>
             <a:pPr algn="ctr"/>
             <a:r>
-              <a:rPr lang="en-US" dirty="0"/>
-              <a:t>Rich P (I have Mallet on Liar) or Michael (If you did LDA)…</a:t>
+              <a:rPr lang="en-US" sz="1400" b="1" u="sng" dirty="0">
+                <a:solidFill>
+                  <a:srgbClr val="FF0000"/>
+                </a:solidFill>
+                <a:latin typeface="GNUTypewriter" panose="02000503000000000000" pitchFamily="2" charset="-52"/>
+              </a:rPr>
+              <a:t>Sample of Mallet Topic Modeling Output</a:t>
             </a:r>
           </a:p>
         </p:txBody>
@@ -4906,7 +4895,7 @@
         <p:spPr>
           <a:xfrm>
             <a:off x="0" y="89284"/>
-            <a:ext cx="12192000" cy="923330"/>
+            <a:ext cx="12192000" cy="830997"/>
           </a:xfrm>
           <a:prstGeom prst="rect">
             <a:avLst/>
@@ -4921,7 +4910,7 @@
           <a:p>
             <a:pPr algn="ctr"/>
             <a:r>
-              <a:rPr lang="en-US" sz="5400" dirty="0">
+              <a:rPr lang="en-US" sz="4800" dirty="0">
                 <a:solidFill>
                   <a:srgbClr val="FF0000"/>
                 </a:solidFill>
@@ -4979,129 +4968,6 @@
           </a:extLst>
         </p:spPr>
       </p:pic>
-      <p:cxnSp>
-        <p:nvCxnSpPr>
-          <p:cNvPr id="4" name="Straight Connector 3">
-            <a:extLst>
-              <a:ext uri="{FF2B5EF4-FFF2-40B4-BE49-F238E27FC236}">
-                <a16:creationId xmlns:a16="http://schemas.microsoft.com/office/drawing/2014/main" id="{030E2A0F-2602-4537-9254-A2C94E3E457A}"/>
-              </a:ext>
-            </a:extLst>
-          </p:cNvPr>
-          <p:cNvCxnSpPr>
-            <a:stCxn id="6" idx="0"/>
-          </p:cNvCxnSpPr>
-          <p:nvPr/>
-        </p:nvCxnSpPr>
-        <p:spPr>
-          <a:xfrm>
-            <a:off x="6096000" y="89284"/>
-            <a:ext cx="0" cy="6679432"/>
-          </a:xfrm>
-          <a:prstGeom prst="line">
-            <a:avLst/>
-          </a:prstGeom>
-        </p:spPr>
-        <p:style>
-          <a:lnRef idx="1">
-            <a:schemeClr val="accent1"/>
-          </a:lnRef>
-          <a:fillRef idx="0">
-            <a:schemeClr val="accent1"/>
-          </a:fillRef>
-          <a:effectRef idx="0">
-            <a:schemeClr val="accent1"/>
-          </a:effectRef>
-          <a:fontRef idx="minor">
-            <a:schemeClr val="tx1"/>
-          </a:fontRef>
-        </p:style>
-      </p:cxnSp>
-      <p:cxnSp>
-        <p:nvCxnSpPr>
-          <p:cNvPr id="13" name="Straight Connector 12">
-            <a:extLst>
-              <a:ext uri="{FF2B5EF4-FFF2-40B4-BE49-F238E27FC236}">
-                <a16:creationId xmlns:a16="http://schemas.microsoft.com/office/drawing/2014/main" id="{AA8F7DC2-0689-4FDE-B552-A032F6115781}"/>
-              </a:ext>
-            </a:extLst>
-          </p:cNvPr>
-          <p:cNvCxnSpPr>
-            <a:cxnSpLocks/>
-          </p:cNvCxnSpPr>
-          <p:nvPr/>
-        </p:nvCxnSpPr>
-        <p:spPr>
-          <a:xfrm>
-            <a:off x="257175" y="3862414"/>
-            <a:ext cx="11658600" cy="0"/>
-          </a:xfrm>
-          <a:prstGeom prst="line">
-            <a:avLst/>
-          </a:prstGeom>
-        </p:spPr>
-        <p:style>
-          <a:lnRef idx="1">
-            <a:schemeClr val="accent1"/>
-          </a:lnRef>
-          <a:fillRef idx="0">
-            <a:schemeClr val="accent1"/>
-          </a:fillRef>
-          <a:effectRef idx="0">
-            <a:schemeClr val="accent1"/>
-          </a:effectRef>
-          <a:fontRef idx="minor">
-            <a:schemeClr val="tx1"/>
-          </a:fontRef>
-        </p:style>
-      </p:cxnSp>
-      <p:sp>
-        <p:nvSpPr>
-          <p:cNvPr id="14" name="Rectangle 13">
-            <a:extLst>
-              <a:ext uri="{FF2B5EF4-FFF2-40B4-BE49-F238E27FC236}">
-                <a16:creationId xmlns:a16="http://schemas.microsoft.com/office/drawing/2014/main" id="{309F4017-EE3F-4AF3-9099-DD9C3B7A4C62}"/>
-              </a:ext>
-            </a:extLst>
-          </p:cNvPr>
-          <p:cNvSpPr/>
-          <p:nvPr/>
-        </p:nvSpPr>
-        <p:spPr>
-          <a:xfrm>
-            <a:off x="276225" y="3595592"/>
-            <a:ext cx="11639548" cy="533643"/>
-          </a:xfrm>
-          <a:prstGeom prst="rect">
-            <a:avLst/>
-          </a:prstGeom>
-        </p:spPr>
-        <p:style>
-          <a:lnRef idx="1">
-            <a:schemeClr val="accent4"/>
-          </a:lnRef>
-          <a:fillRef idx="2">
-            <a:schemeClr val="accent4"/>
-          </a:fillRef>
-          <a:effectRef idx="1">
-            <a:schemeClr val="accent4"/>
-          </a:effectRef>
-          <a:fontRef idx="minor">
-            <a:schemeClr val="dk1"/>
-          </a:fontRef>
-        </p:style>
-        <p:txBody>
-          <a:bodyPr rtlCol="0" anchor="ctr"/>
-          <a:lstStyle/>
-          <a:p>
-            <a:pPr algn="ctr"/>
-            <a:r>
-              <a:rPr lang="en-US" dirty="0"/>
-              <a:t>Talking points are: Things to do AND Close…</a:t>
-            </a:r>
-          </a:p>
-        </p:txBody>
-      </p:sp>
       <p:sp>
         <p:nvSpPr>
           <p:cNvPr id="9" name="TextBox 8">
@@ -5158,7 +5024,7 @@
                 </a:solidFill>
                 <a:latin typeface="GNUTypewriter" panose="02000503000000000000" pitchFamily="2" charset="-52"/>
               </a:rPr>
-              <a:t>Improve Scoring Mechanism</a:t>
+              <a:t>Improve Composite Model Mechanism</a:t>
             </a:r>
           </a:p>
           <a:p>
@@ -5225,546 +5091,6 @@
     <p:extLst>
       <p:ext uri="{BB962C8B-B14F-4D97-AF65-F5344CB8AC3E}">
         <p14:creationId xmlns:p14="http://schemas.microsoft.com/office/powerpoint/2010/main" val="90911368"/>
-      </p:ext>
-    </p:extLst>
-  </p:cSld>
-  <p:clrMapOvr>
-    <a:masterClrMapping/>
-  </p:clrMapOvr>
-</p:sld>
-</file>
-
-<file path=ppt/slides/slide13.xml><?xml version="1.0" encoding="utf-8"?>
-<p:sld xmlns:a="http://schemas.openxmlformats.org/drawingml/2006/main" xmlns:r="http://schemas.openxmlformats.org/officeDocument/2006/relationships" xmlns:p="http://schemas.openxmlformats.org/presentationml/2006/main">
-  <p:cSld>
-    <p:spTree>
-      <p:nvGrpSpPr>
-        <p:cNvPr id="1" name=""/>
-        <p:cNvGrpSpPr/>
-        <p:nvPr/>
-      </p:nvGrpSpPr>
-      <p:grpSpPr>
-        <a:xfrm>
-          <a:off x="0" y="0"/>
-          <a:ext cx="0" cy="0"/>
-          <a:chOff x="0" y="0"/>
-          <a:chExt cx="0" cy="0"/>
-        </a:xfrm>
-      </p:grpSpPr>
-      <p:sp>
-        <p:nvSpPr>
-          <p:cNvPr id="6" name="TextBox 5">
-            <a:extLst>
-              <a:ext uri="{FF2B5EF4-FFF2-40B4-BE49-F238E27FC236}">
-                <a16:creationId xmlns:a16="http://schemas.microsoft.com/office/drawing/2014/main" id="{2DEF5A25-43AC-4E4F-B060-29EB4C23EA85}"/>
-              </a:ext>
-            </a:extLst>
-          </p:cNvPr>
-          <p:cNvSpPr txBox="1"/>
-          <p:nvPr/>
-        </p:nvSpPr>
-        <p:spPr>
-          <a:xfrm>
-            <a:off x="0" y="89284"/>
-            <a:ext cx="12192000" cy="923330"/>
-          </a:xfrm>
-          <a:prstGeom prst="rect">
-            <a:avLst/>
-          </a:prstGeom>
-          <a:noFill/>
-        </p:spPr>
-        <p:txBody>
-          <a:bodyPr wrap="square" rtlCol="0">
-            <a:spAutoFit/>
-          </a:bodyPr>
-          <a:lstStyle/>
-          <a:p>
-            <a:pPr algn="ctr"/>
-            <a:r>
-              <a:rPr lang="en-US" sz="5400" dirty="0">
-                <a:solidFill>
-                  <a:srgbClr val="FF0000"/>
-                </a:solidFill>
-                <a:latin typeface="GNUTypewriter" panose="02000503000000000000" pitchFamily="2" charset="-52"/>
-              </a:rPr>
-              <a:t>Appendix</a:t>
-            </a:r>
-          </a:p>
-        </p:txBody>
-      </p:sp>
-    </p:spTree>
-    <p:extLst>
-      <p:ext uri="{BB962C8B-B14F-4D97-AF65-F5344CB8AC3E}">
-        <p14:creationId xmlns:p14="http://schemas.microsoft.com/office/powerpoint/2010/main" val="2379177236"/>
-      </p:ext>
-    </p:extLst>
-  </p:cSld>
-  <p:clrMapOvr>
-    <a:masterClrMapping/>
-  </p:clrMapOvr>
-</p:sld>
-</file>
-
-<file path=ppt/slides/slide14.xml><?xml version="1.0" encoding="utf-8"?>
-<p:sld xmlns:a="http://schemas.openxmlformats.org/drawingml/2006/main" xmlns:r="http://schemas.openxmlformats.org/officeDocument/2006/relationships" xmlns:p="http://schemas.openxmlformats.org/presentationml/2006/main">
-  <p:cSld>
-    <p:spTree>
-      <p:nvGrpSpPr>
-        <p:cNvPr id="1" name=""/>
-        <p:cNvGrpSpPr/>
-        <p:nvPr/>
-      </p:nvGrpSpPr>
-      <p:grpSpPr>
-        <a:xfrm>
-          <a:off x="0" y="0"/>
-          <a:ext cx="0" cy="0"/>
-          <a:chOff x="0" y="0"/>
-          <a:chExt cx="0" cy="0"/>
-        </a:xfrm>
-      </p:grpSpPr>
-      <p:sp>
-        <p:nvSpPr>
-          <p:cNvPr id="6" name="TextBox 5">
-            <a:extLst>
-              <a:ext uri="{FF2B5EF4-FFF2-40B4-BE49-F238E27FC236}">
-                <a16:creationId xmlns:a16="http://schemas.microsoft.com/office/drawing/2014/main" id="{2DEF5A25-43AC-4E4F-B060-29EB4C23EA85}"/>
-              </a:ext>
-            </a:extLst>
-          </p:cNvPr>
-          <p:cNvSpPr txBox="1"/>
-          <p:nvPr/>
-        </p:nvSpPr>
-        <p:spPr>
-          <a:xfrm>
-            <a:off x="0" y="89284"/>
-            <a:ext cx="12192000" cy="923330"/>
-          </a:xfrm>
-          <a:prstGeom prst="rect">
-            <a:avLst/>
-          </a:prstGeom>
-          <a:noFill/>
-        </p:spPr>
-        <p:txBody>
-          <a:bodyPr wrap="square" rtlCol="0">
-            <a:spAutoFit/>
-          </a:bodyPr>
-          <a:lstStyle/>
-          <a:p>
-            <a:pPr algn="ctr"/>
-            <a:r>
-              <a:rPr lang="en-US" sz="5400" dirty="0">
-                <a:solidFill>
-                  <a:srgbClr val="FF0000"/>
-                </a:solidFill>
-                <a:latin typeface="GNUTypewriter" panose="02000503000000000000" pitchFamily="2" charset="-52"/>
-              </a:rPr>
-              <a:t>Questions we hope to answer</a:t>
-            </a:r>
-          </a:p>
-        </p:txBody>
-      </p:sp>
-      <p:sp>
-        <p:nvSpPr>
-          <p:cNvPr id="20" name="Rectangle: Rounded Corners 19">
-            <a:extLst>
-              <a:ext uri="{FF2B5EF4-FFF2-40B4-BE49-F238E27FC236}">
-                <a16:creationId xmlns:a16="http://schemas.microsoft.com/office/drawing/2014/main" id="{92AA9000-DD7C-45CD-A54C-CD1A7642C28E}"/>
-              </a:ext>
-            </a:extLst>
-          </p:cNvPr>
-          <p:cNvSpPr/>
-          <p:nvPr/>
-        </p:nvSpPr>
-        <p:spPr>
-          <a:xfrm>
-            <a:off x="0" y="923278"/>
-            <a:ext cx="12192000" cy="5486400"/>
-          </a:xfrm>
-          <a:prstGeom prst="roundRect">
-            <a:avLst/>
-          </a:prstGeom>
-          <a:ln>
-            <a:noFill/>
-          </a:ln>
-        </p:spPr>
-        <p:style>
-          <a:lnRef idx="2">
-            <a:schemeClr val="accent6"/>
-          </a:lnRef>
-          <a:fillRef idx="1">
-            <a:schemeClr val="lt1"/>
-          </a:fillRef>
-          <a:effectRef idx="0">
-            <a:schemeClr val="accent6"/>
-          </a:effectRef>
-          <a:fontRef idx="minor">
-            <a:schemeClr val="dk1"/>
-          </a:fontRef>
-        </p:style>
-        <p:txBody>
-          <a:bodyPr rtlCol="0" anchor="t"/>
-          <a:lstStyle/>
-          <a:p>
-            <a:pPr algn="ctr"/>
-            <a:r>
-              <a:rPr lang="en-US" dirty="0">
-                <a:latin typeface="GNUTypewriter" panose="02000503000000000000" pitchFamily="2" charset="-52"/>
-              </a:rPr>
-              <a:t>For training, how do we know an article is fake vs real?</a:t>
-            </a:r>
-          </a:p>
-          <a:p>
-            <a:pPr algn="ctr"/>
-            <a:r>
-              <a:rPr lang="en-US" sz="1400" dirty="0">
-                <a:latin typeface="GNUTypewriter" panose="02000503000000000000" pitchFamily="2" charset="-52"/>
-              </a:rPr>
-              <a:t>/training articles must be really, really fake/</a:t>
-            </a:r>
-          </a:p>
-          <a:p>
-            <a:pPr algn="ctr"/>
-            <a:endParaRPr lang="en-US" dirty="0">
-              <a:latin typeface="GNUTypewriter" panose="02000503000000000000" pitchFamily="2" charset="-52"/>
-            </a:endParaRPr>
-          </a:p>
-          <a:p>
-            <a:pPr algn="ctr"/>
-            <a:r>
-              <a:rPr lang="en-US" dirty="0">
-                <a:latin typeface="GNUTypewriter" panose="02000503000000000000" pitchFamily="2" charset="-52"/>
-              </a:rPr>
-              <a:t>Can we confirm that bias does not misguide the training set?</a:t>
-            </a:r>
-          </a:p>
-          <a:p>
-            <a:pPr algn="ctr"/>
-            <a:r>
-              <a:rPr lang="en-US" sz="1400" dirty="0">
-                <a:latin typeface="GNUTypewriter" panose="02000503000000000000" pitchFamily="2" charset="-52"/>
-              </a:rPr>
-              <a:t>/training articles must be inclusive of different political polarities/</a:t>
-            </a:r>
-          </a:p>
-          <a:p>
-            <a:pPr algn="ctr"/>
-            <a:endParaRPr lang="en-US" dirty="0">
-              <a:latin typeface="GNUTypewriter" panose="02000503000000000000" pitchFamily="2" charset="-52"/>
-            </a:endParaRPr>
-          </a:p>
-          <a:p>
-            <a:pPr algn="ctr"/>
-            <a:r>
-              <a:rPr lang="en-US" dirty="0">
-                <a:latin typeface="GNUTypewriter" panose="02000503000000000000" pitchFamily="2" charset="-52"/>
-              </a:rPr>
-              <a:t>Can we tell whether an article is intended to deceive?</a:t>
-            </a:r>
-          </a:p>
-          <a:p>
-            <a:pPr algn="ctr"/>
-            <a:endParaRPr lang="en-US" dirty="0">
-              <a:latin typeface="GNUTypewriter" panose="02000503000000000000" pitchFamily="2" charset="-52"/>
-            </a:endParaRPr>
-          </a:p>
-          <a:p>
-            <a:pPr algn="ctr"/>
-            <a:r>
-              <a:rPr lang="en-US" dirty="0">
-                <a:latin typeface="GNUTypewriter" panose="02000503000000000000" pitchFamily="2" charset="-52"/>
-              </a:rPr>
-              <a:t>Can we tell if an article was written by human or by machine?</a:t>
-            </a:r>
-          </a:p>
-          <a:p>
-            <a:pPr algn="ctr"/>
-            <a:endParaRPr lang="en-US" dirty="0">
-              <a:latin typeface="GNUTypewriter" panose="02000503000000000000" pitchFamily="2" charset="-52"/>
-            </a:endParaRPr>
-          </a:p>
-          <a:p>
-            <a:pPr algn="ctr"/>
-            <a:r>
-              <a:rPr lang="en-US" dirty="0">
-                <a:latin typeface="GNUTypewriter" panose="02000503000000000000" pitchFamily="2" charset="-52"/>
-              </a:rPr>
-              <a:t>Can we build a Real News likelihood score?</a:t>
-            </a:r>
-          </a:p>
-          <a:p>
-            <a:pPr algn="ctr"/>
-            <a:r>
-              <a:rPr lang="en-US" sz="1400" dirty="0">
-                <a:latin typeface="GNUTypewriter" panose="02000503000000000000" pitchFamily="2" charset="-52"/>
-              </a:rPr>
-              <a:t>(base this on fit to model, sentiment, human author, category/</a:t>
-            </a:r>
-          </a:p>
-          <a:p>
-            <a:pPr algn="ctr"/>
-            <a:endParaRPr lang="en-US" dirty="0">
-              <a:latin typeface="GNUTypewriter" panose="02000503000000000000" pitchFamily="2" charset="-52"/>
-            </a:endParaRPr>
-          </a:p>
-          <a:p>
-            <a:pPr algn="ctr"/>
-            <a:endParaRPr lang="en-US" dirty="0">
-              <a:latin typeface="GNUTypewriter" panose="02000503000000000000" pitchFamily="2" charset="-52"/>
-            </a:endParaRPr>
-          </a:p>
-          <a:p>
-            <a:pPr algn="ctr"/>
-            <a:endParaRPr lang="en-US" dirty="0">
-              <a:latin typeface="GNUTypewriter" panose="02000503000000000000" pitchFamily="2" charset="-52"/>
-            </a:endParaRPr>
-          </a:p>
-          <a:p>
-            <a:pPr algn="ctr"/>
-            <a:endParaRPr lang="en-US" dirty="0">
-              <a:latin typeface="GNUTypewriter" panose="02000503000000000000" pitchFamily="2" charset="-52"/>
-            </a:endParaRPr>
-          </a:p>
-        </p:txBody>
-      </p:sp>
-      <p:pic>
-        <p:nvPicPr>
-          <p:cNvPr id="1028" name="Picture 4" descr="Image result for new york times front page">
-            <a:extLst>
-              <a:ext uri="{FF2B5EF4-FFF2-40B4-BE49-F238E27FC236}">
-                <a16:creationId xmlns:a16="http://schemas.microsoft.com/office/drawing/2014/main" id="{B2668A99-D556-461E-947B-D10510851D50}"/>
-              </a:ext>
-            </a:extLst>
-          </p:cNvPr>
-          <p:cNvPicPr>
-            <a:picLocks noChangeAspect="1" noChangeArrowheads="1"/>
-          </p:cNvPicPr>
-          <p:nvPr/>
-        </p:nvPicPr>
-        <p:blipFill>
-          <a:blip r:embed="rId2">
-            <a:extLst>
-              <a:ext uri="{28A0092B-C50C-407E-A947-70E740481C1C}">
-                <a14:useLocalDpi xmlns:a14="http://schemas.microsoft.com/office/drawing/2010/main" val="0"/>
-              </a:ext>
-            </a:extLst>
-          </a:blip>
-          <a:srcRect/>
-          <a:stretch>
-            <a:fillRect/>
-          </a:stretch>
-        </p:blipFill>
-        <p:spPr bwMode="auto">
-          <a:xfrm>
-            <a:off x="349689" y="4240311"/>
-            <a:ext cx="1297179" cy="2397815"/>
-          </a:xfrm>
-          <a:prstGeom prst="rect">
-            <a:avLst/>
-          </a:prstGeom>
-          <a:noFill/>
-          <a:extLst>
-            <a:ext uri="{909E8E84-426E-40DD-AFC4-6F175D3DCCD1}">
-              <a14:hiddenFill xmlns:a14="http://schemas.microsoft.com/office/drawing/2010/main">
-                <a:solidFill>
-                  <a:srgbClr val="FFFFFF"/>
-                </a:solidFill>
-              </a14:hiddenFill>
-            </a:ext>
-          </a:extLst>
-        </p:spPr>
-      </p:pic>
-      <p:pic>
-        <p:nvPicPr>
-          <p:cNvPr id="1030" name="Picture 6" descr="Image result for washington post front page image">
-            <a:extLst>
-              <a:ext uri="{FF2B5EF4-FFF2-40B4-BE49-F238E27FC236}">
-                <a16:creationId xmlns:a16="http://schemas.microsoft.com/office/drawing/2014/main" id="{81AAB423-8B9D-47EE-B6C6-F884D20A1F1E}"/>
-              </a:ext>
-            </a:extLst>
-          </p:cNvPr>
-          <p:cNvPicPr>
-            <a:picLocks noChangeAspect="1" noChangeArrowheads="1"/>
-          </p:cNvPicPr>
-          <p:nvPr/>
-        </p:nvPicPr>
-        <p:blipFill>
-          <a:blip r:embed="rId3">
-            <a:extLst>
-              <a:ext uri="{28A0092B-C50C-407E-A947-70E740481C1C}">
-                <a14:useLocalDpi xmlns:a14="http://schemas.microsoft.com/office/drawing/2010/main" val="0"/>
-              </a:ext>
-            </a:extLst>
-          </a:blip>
-          <a:srcRect/>
-          <a:stretch>
-            <a:fillRect/>
-          </a:stretch>
-        </p:blipFill>
-        <p:spPr bwMode="auto">
-          <a:xfrm>
-            <a:off x="8778614" y="4677218"/>
-            <a:ext cx="2990850" cy="1524000"/>
-          </a:xfrm>
-          <a:prstGeom prst="rect">
-            <a:avLst/>
-          </a:prstGeom>
-          <a:noFill/>
-          <a:extLst>
-            <a:ext uri="{909E8E84-426E-40DD-AFC4-6F175D3DCCD1}">
-              <a14:hiddenFill xmlns:a14="http://schemas.microsoft.com/office/drawing/2010/main">
-                <a:solidFill>
-                  <a:srgbClr val="FFFFFF"/>
-                </a:solidFill>
-              </a14:hiddenFill>
-            </a:ext>
-          </a:extLst>
-        </p:spPr>
-      </p:pic>
-      <p:pic>
-        <p:nvPicPr>
-          <p:cNvPr id="1032" name="Picture 8" descr="Image result for wsj front page image">
-            <a:extLst>
-              <a:ext uri="{FF2B5EF4-FFF2-40B4-BE49-F238E27FC236}">
-                <a16:creationId xmlns:a16="http://schemas.microsoft.com/office/drawing/2014/main" id="{D44EF232-EE9C-4E04-9B0A-E10AE15B99C1}"/>
-              </a:ext>
-            </a:extLst>
-          </p:cNvPr>
-          <p:cNvPicPr>
-            <a:picLocks noChangeAspect="1" noChangeArrowheads="1"/>
-          </p:cNvPicPr>
-          <p:nvPr/>
-        </p:nvPicPr>
-        <p:blipFill>
-          <a:blip r:embed="rId4">
-            <a:extLst>
-              <a:ext uri="{28A0092B-C50C-407E-A947-70E740481C1C}">
-                <a14:useLocalDpi xmlns:a14="http://schemas.microsoft.com/office/drawing/2010/main" val="0"/>
-              </a:ext>
-            </a:extLst>
-          </a:blip>
-          <a:srcRect/>
-          <a:stretch>
-            <a:fillRect/>
-          </a:stretch>
-        </p:blipFill>
-        <p:spPr bwMode="auto">
-          <a:xfrm>
-            <a:off x="3903053" y="4603457"/>
-            <a:ext cx="2619375" cy="1743075"/>
-          </a:xfrm>
-          <a:prstGeom prst="rect">
-            <a:avLst/>
-          </a:prstGeom>
-          <a:noFill/>
-          <a:extLst>
-            <a:ext uri="{909E8E84-426E-40DD-AFC4-6F175D3DCCD1}">
-              <a14:hiddenFill xmlns:a14="http://schemas.microsoft.com/office/drawing/2010/main">
-                <a:solidFill>
-                  <a:srgbClr val="FFFFFF"/>
-                </a:solidFill>
-              </a14:hiddenFill>
-            </a:ext>
-          </a:extLst>
-        </p:spPr>
-      </p:pic>
-      <p:pic>
-        <p:nvPicPr>
-          <p:cNvPr id="28" name="Picture 6" descr="Image result for logo for fake news">
-            <a:extLst>
-              <a:ext uri="{FF2B5EF4-FFF2-40B4-BE49-F238E27FC236}">
-                <a16:creationId xmlns:a16="http://schemas.microsoft.com/office/drawing/2014/main" id="{FF098583-A967-49A2-9132-E66556752C6A}"/>
-              </a:ext>
-            </a:extLst>
-          </p:cNvPr>
-          <p:cNvPicPr>
-            <a:picLocks noChangeAspect="1" noChangeArrowheads="1"/>
-          </p:cNvPicPr>
-          <p:nvPr/>
-        </p:nvPicPr>
-        <p:blipFill>
-          <a:blip r:embed="rId5">
-            <a:extLst>
-              <a:ext uri="{28A0092B-C50C-407E-A947-70E740481C1C}">
-                <a14:useLocalDpi xmlns:a14="http://schemas.microsoft.com/office/drawing/2010/main" val="0"/>
-              </a:ext>
-            </a:extLst>
-          </a:blip>
-          <a:srcRect/>
-          <a:stretch>
-            <a:fillRect/>
-          </a:stretch>
-        </p:blipFill>
-        <p:spPr bwMode="auto">
-          <a:xfrm rot="2821213">
-            <a:off x="7002561" y="4995823"/>
-            <a:ext cx="1295921" cy="991741"/>
-          </a:xfrm>
-          <a:prstGeom prst="rect">
-            <a:avLst/>
-          </a:prstGeom>
-          <a:noFill/>
-          <a:extLst>
-            <a:ext uri="{909E8E84-426E-40DD-AFC4-6F175D3DCCD1}">
-              <a14:hiddenFill xmlns:a14="http://schemas.microsoft.com/office/drawing/2010/main">
-                <a:solidFill>
-                  <a:srgbClr val="FFFFFF"/>
-                </a:solidFill>
-              </a14:hiddenFill>
-            </a:ext>
-          </a:extLst>
-        </p:spPr>
-      </p:pic>
-      <p:pic>
-        <p:nvPicPr>
-          <p:cNvPr id="29" name="Picture 6" descr="Image result for logo for fake news">
-            <a:extLst>
-              <a:ext uri="{FF2B5EF4-FFF2-40B4-BE49-F238E27FC236}">
-                <a16:creationId xmlns:a16="http://schemas.microsoft.com/office/drawing/2014/main" id="{1579987A-D402-486C-9A9C-87A7A065D3DC}"/>
-              </a:ext>
-            </a:extLst>
-          </p:cNvPr>
-          <p:cNvPicPr>
-            <a:picLocks noChangeAspect="1" noChangeArrowheads="1"/>
-          </p:cNvPicPr>
-          <p:nvPr/>
-        </p:nvPicPr>
-        <p:blipFill>
-          <a:blip r:embed="rId5">
-            <a:extLst>
-              <a:ext uri="{28A0092B-C50C-407E-A947-70E740481C1C}">
-                <a14:useLocalDpi xmlns:a14="http://schemas.microsoft.com/office/drawing/2010/main" val="0"/>
-              </a:ext>
-            </a:extLst>
-          </a:blip>
-          <a:srcRect/>
-          <a:stretch>
-            <a:fillRect/>
-          </a:stretch>
-        </p:blipFill>
-        <p:spPr bwMode="auto">
-          <a:xfrm rot="20747979">
-            <a:off x="2126999" y="5038562"/>
-            <a:ext cx="1295921" cy="991741"/>
-          </a:xfrm>
-          <a:prstGeom prst="rect">
-            <a:avLst/>
-          </a:prstGeom>
-          <a:noFill/>
-          <a:extLst>
-            <a:ext uri="{909E8E84-426E-40DD-AFC4-6F175D3DCCD1}">
-              <a14:hiddenFill xmlns:a14="http://schemas.microsoft.com/office/drawing/2010/main">
-                <a:solidFill>
-                  <a:srgbClr val="FFFFFF"/>
-                </a:solidFill>
-              </a14:hiddenFill>
-            </a:ext>
-          </a:extLst>
-        </p:spPr>
-      </p:pic>
-    </p:spTree>
-    <p:extLst>
-      <p:ext uri="{BB962C8B-B14F-4D97-AF65-F5344CB8AC3E}">
-        <p14:creationId xmlns:p14="http://schemas.microsoft.com/office/powerpoint/2010/main" val="2974498600"/>
       </p:ext>
     </p:extLst>
   </p:cSld>
@@ -5806,7 +5132,7 @@
         <p:spPr>
           <a:xfrm>
             <a:off x="0" y="89284"/>
-            <a:ext cx="12192000" cy="923330"/>
+            <a:ext cx="12192000" cy="830997"/>
           </a:xfrm>
           <a:prstGeom prst="rect">
             <a:avLst/>
@@ -5821,7 +5147,7 @@
           <a:p>
             <a:pPr algn="ctr"/>
             <a:r>
-              <a:rPr lang="en-US" sz="5400" dirty="0">
+              <a:rPr lang="en-US" sz="4800" dirty="0">
                 <a:solidFill>
                   <a:srgbClr val="FF0000"/>
                 </a:solidFill>
@@ -6815,53 +6141,6 @@
           </a:extLst>
         </p:spPr>
       </p:pic>
-      <p:sp>
-        <p:nvSpPr>
-          <p:cNvPr id="25" name="Rectangle 24">
-            <a:extLst>
-              <a:ext uri="{FF2B5EF4-FFF2-40B4-BE49-F238E27FC236}">
-                <a16:creationId xmlns:a16="http://schemas.microsoft.com/office/drawing/2014/main" id="{4D1DADD3-75D5-4C68-A685-FC1702C0BD35}"/>
-              </a:ext>
-            </a:extLst>
-          </p:cNvPr>
-          <p:cNvSpPr/>
-          <p:nvPr/>
-        </p:nvSpPr>
-        <p:spPr>
-          <a:xfrm>
-            <a:off x="276226" y="2792886"/>
-            <a:ext cx="11639548" cy="533643"/>
-          </a:xfrm>
-          <a:prstGeom prst="rect">
-            <a:avLst/>
-          </a:prstGeom>
-        </p:spPr>
-        <p:style>
-          <a:lnRef idx="1">
-            <a:schemeClr val="accent4"/>
-          </a:lnRef>
-          <a:fillRef idx="2">
-            <a:schemeClr val="accent4"/>
-          </a:fillRef>
-          <a:effectRef idx="1">
-            <a:schemeClr val="accent4"/>
-          </a:effectRef>
-          <a:fontRef idx="minor">
-            <a:schemeClr val="dk1"/>
-          </a:fontRef>
-        </p:style>
-        <p:txBody>
-          <a:bodyPr rtlCol="0" anchor="ctr"/>
-          <a:lstStyle/>
-          <a:p>
-            <a:pPr algn="ctr"/>
-            <a:r>
-              <a:rPr lang="en-US" dirty="0"/>
-              <a:t>Talking points are : Where we started with this project and what we are looking to do</a:t>
-            </a:r>
-          </a:p>
-        </p:txBody>
-      </p:sp>
     </p:spTree>
     <p:extLst>
       <p:ext uri="{BB962C8B-B14F-4D97-AF65-F5344CB8AC3E}">
@@ -6954,7 +6233,7 @@
         <p:spPr>
           <a:xfrm>
             <a:off x="0" y="89284"/>
-            <a:ext cx="12192000" cy="923330"/>
+            <a:ext cx="12192000" cy="830997"/>
           </a:xfrm>
           <a:prstGeom prst="rect">
             <a:avLst/>
@@ -6969,13 +6248,13 @@
           <a:p>
             <a:pPr algn="ctr"/>
             <a:r>
-              <a:rPr lang="en-US" sz="5400" dirty="0">
+              <a:rPr lang="en-US" sz="4800" dirty="0">
                 <a:solidFill>
                   <a:srgbClr val="FF0000"/>
                 </a:solidFill>
                 <a:latin typeface="GNUTypewriter" panose="02000503000000000000" pitchFamily="2" charset="-52"/>
               </a:rPr>
-              <a:t>“Is It Real News”? Score</a:t>
+              <a:t>“Is It Real News”?</a:t>
             </a:r>
           </a:p>
         </p:txBody>
@@ -7042,13 +6321,13 @@
           <p:nvPr>
             <p:extLst>
               <p:ext uri="{D42A27DB-BD31-4B8C-83A1-F6EECF244321}">
-                <p14:modId xmlns:p14="http://schemas.microsoft.com/office/powerpoint/2010/main" val="3589705352"/>
+                <p14:modId xmlns:p14="http://schemas.microsoft.com/office/powerpoint/2010/main" val="2713882900"/>
               </p:ext>
             </p:extLst>
           </p:nvPr>
         </p:nvGraphicFramePr>
         <p:xfrm>
-          <a:off x="1133475" y="2423933"/>
+          <a:off x="1133475" y="2814554"/>
           <a:ext cx="9944103" cy="3550614"/>
         </p:xfrm>
         <a:graphic>
@@ -7278,7 +6557,7 @@
                         <a:rPr lang="en-US" sz="1400" dirty="0">
                           <a:latin typeface="GNUTypewriter" panose="02000503000000000000" pitchFamily="2" charset="-52"/>
                         </a:rPr>
-                        <a:t>Prediction</a:t>
+                        <a:t>Classification</a:t>
                       </a:r>
                     </a:p>
                   </a:txBody>
@@ -7294,7 +6573,7 @@
                         <a:rPr lang="en-US" sz="1400" dirty="0">
                           <a:latin typeface="GNUTypewriter" panose="02000503000000000000" pitchFamily="2" charset="-52"/>
                         </a:rPr>
-                        <a:t>Maybe False</a:t>
+                        <a:t>True</a:t>
                       </a:r>
                     </a:p>
                   </a:txBody>
@@ -7310,7 +6589,7 @@
                         <a:rPr lang="en-US" sz="1400" dirty="0">
                           <a:latin typeface="GNUTypewriter" panose="02000503000000000000" pitchFamily="2" charset="-52"/>
                         </a:rPr>
-                        <a:t>.85</a:t>
+                        <a:t>.8908</a:t>
                       </a:r>
                     </a:p>
                   </a:txBody>
@@ -7322,9 +6601,12 @@
                     <a:lstStyle/>
                     <a:p>
                       <a:pPr algn="ctr"/>
-                      <a:endParaRPr lang="en-US" sz="1400" dirty="0">
-                        <a:latin typeface="GNUTypewriter" panose="02000503000000000000" pitchFamily="2" charset="-52"/>
-                      </a:endParaRPr>
+                      <a:r>
+                        <a:rPr lang="en-US" sz="1400" dirty="0">
+                          <a:latin typeface="GNUTypewriter" panose="02000503000000000000" pitchFamily="2" charset="-52"/>
+                        </a:rPr>
+                        <a:t>.87</a:t>
+                      </a:r>
                     </a:p>
                   </a:txBody>
                   <a:tcPr anchor="ctr"/>
@@ -7335,9 +6617,12 @@
                     <a:lstStyle/>
                     <a:p>
                       <a:pPr algn="ctr"/>
-                      <a:endParaRPr lang="en-US" sz="1400" dirty="0">
-                        <a:latin typeface="GNUTypewriter" panose="02000503000000000000" pitchFamily="2" charset="-52"/>
-                      </a:endParaRPr>
+                      <a:r>
+                        <a:rPr lang="en-US" sz="1400" dirty="0">
+                          <a:latin typeface="GNUTypewriter" panose="02000503000000000000" pitchFamily="2" charset="-52"/>
+                        </a:rPr>
+                        <a:t>.79</a:t>
+                      </a:r>
                     </a:p>
                   </a:txBody>
                   <a:tcPr anchor="ctr"/>
@@ -7348,9 +6633,12 @@
                     <a:lstStyle/>
                     <a:p>
                       <a:pPr algn="ctr"/>
-                      <a:endParaRPr lang="en-US" sz="1400" dirty="0">
-                        <a:latin typeface="GNUTypewriter" panose="02000503000000000000" pitchFamily="2" charset="-52"/>
-                      </a:endParaRPr>
+                      <a:r>
+                        <a:rPr lang="en-US" sz="1400" dirty="0">
+                          <a:latin typeface="GNUTypewriter" panose="02000503000000000000" pitchFamily="2" charset="-52"/>
+                        </a:rPr>
+                        <a:t>.83</a:t>
+                      </a:r>
                     </a:p>
                   </a:txBody>
                   <a:tcPr anchor="ctr">
@@ -7375,7 +6663,7 @@
                         <a:rPr lang="en-US" sz="1400" dirty="0">
                           <a:latin typeface="GNUTypewriter" panose="02000503000000000000" pitchFamily="2" charset="-52"/>
                         </a:rPr>
-                        <a:t>.27</a:t>
+                        <a:t>.508165</a:t>
                       </a:r>
                     </a:p>
                   </a:txBody>
@@ -7416,7 +6704,7 @@
                         <a:rPr lang="en-US" sz="1400" dirty="0">
                           <a:latin typeface="GNUTypewriter" panose="02000503000000000000" pitchFamily="2" charset="-52"/>
                         </a:rPr>
-                        <a:t>Classification</a:t>
+                        <a:t>Prediction</a:t>
                       </a:r>
                     </a:p>
                   </a:txBody>
@@ -7432,7 +6720,7 @@
                         <a:rPr lang="en-US" sz="1400" dirty="0">
                           <a:latin typeface="GNUTypewriter" panose="02000503000000000000" pitchFamily="2" charset="-52"/>
                         </a:rPr>
-                        <a:t>True</a:t>
+                        <a:t>Mostly False</a:t>
                       </a:r>
                     </a:p>
                   </a:txBody>
@@ -7448,7 +6736,7 @@
                         <a:rPr lang="en-US" sz="1400" dirty="0">
                           <a:latin typeface="GNUTypewriter" panose="02000503000000000000" pitchFamily="2" charset="-52"/>
                         </a:rPr>
-                        <a:t>.9169</a:t>
+                        <a:t>.9168</a:t>
                       </a:r>
                     </a:p>
                   </a:txBody>
@@ -7518,9 +6806,12 @@
                     <a:lstStyle/>
                     <a:p>
                       <a:pPr algn="ctr"/>
-                      <a:endParaRPr lang="en-US" sz="1400" dirty="0">
-                        <a:latin typeface="GNUTypewriter" panose="02000503000000000000" pitchFamily="2" charset="-52"/>
-                      </a:endParaRPr>
+                      <a:r>
+                        <a:rPr lang="en-US" sz="1400" dirty="0">
+                          <a:latin typeface="GNUTypewriter" panose="02000503000000000000" pitchFamily="2" charset="-52"/>
+                        </a:rPr>
+                        <a:t>.719974</a:t>
+                      </a:r>
                     </a:p>
                   </a:txBody>
                   <a:tcPr anchor="ctr">
@@ -7586,144 +6877,6 @@
                           <a:latin typeface="GNUTypewriter" panose="02000503000000000000" pitchFamily="2" charset="-52"/>
                         </a:rPr>
                         <a:t>True</a:t>
-                      </a:r>
-                    </a:p>
-                  </a:txBody>
-                  <a:tcPr anchor="ctr"/>
-                </a:tc>
-                <a:tc>
-                  <a:txBody>
-                    <a:bodyPr/>
-                    <a:lstStyle/>
-                    <a:p>
-                      <a:pPr algn="ctr"/>
-                      <a:r>
-                        <a:rPr lang="en-US" sz="1400" dirty="0">
-                          <a:latin typeface="GNUTypewriter" panose="02000503000000000000" pitchFamily="2" charset="-52"/>
-                        </a:rPr>
-                        <a:t>.76</a:t>
-                      </a:r>
-                    </a:p>
-                  </a:txBody>
-                  <a:tcPr anchor="ctr"/>
-                </a:tc>
-                <a:tc>
-                  <a:txBody>
-                    <a:bodyPr/>
-                    <a:lstStyle/>
-                    <a:p>
-                      <a:pPr algn="ctr"/>
-                      <a:endParaRPr lang="en-US" sz="1400" dirty="0">
-                        <a:latin typeface="GNUTypewriter" panose="02000503000000000000" pitchFamily="2" charset="-52"/>
-                      </a:endParaRPr>
-                    </a:p>
-                  </a:txBody>
-                  <a:tcPr anchor="ctr"/>
-                </a:tc>
-                <a:tc>
-                  <a:txBody>
-                    <a:bodyPr/>
-                    <a:lstStyle/>
-                    <a:p>
-                      <a:pPr algn="ctr"/>
-                      <a:endParaRPr lang="en-US" sz="1400" dirty="0">
-                        <a:latin typeface="GNUTypewriter" panose="02000503000000000000" pitchFamily="2" charset="-52"/>
-                      </a:endParaRPr>
-                    </a:p>
-                  </a:txBody>
-                  <a:tcPr anchor="ctr"/>
-                </a:tc>
-                <a:tc>
-                  <a:txBody>
-                    <a:bodyPr/>
-                    <a:lstStyle/>
-                    <a:p>
-                      <a:pPr algn="ctr"/>
-                      <a:endParaRPr lang="en-US" sz="1400" dirty="0">
-                        <a:latin typeface="GNUTypewriter" panose="02000503000000000000" pitchFamily="2" charset="-52"/>
-                      </a:endParaRPr>
-                    </a:p>
-                  </a:txBody>
-                  <a:tcPr anchor="ctr">
-                    <a:lnR w="12700" cap="flat" cmpd="sng" algn="ctr">
-                      <a:solidFill>
-                        <a:schemeClr val="tx1"/>
-                      </a:solidFill>
-                      <a:prstDash val="solid"/>
-                      <a:round/>
-                      <a:headEnd type="none" w="med" len="med"/>
-                      <a:tailEnd type="none" w="med" len="med"/>
-                    </a:lnR>
-                  </a:tcPr>
-                </a:tc>
-                <a:tc>
-                  <a:txBody>
-                    <a:bodyPr/>
-                    <a:lstStyle/>
-                    <a:p>
-                      <a:pPr algn="ctr"/>
-                      <a:r>
-                        <a:rPr lang="en-US" sz="1400" dirty="0">
-                          <a:latin typeface="GNUTypewriter" panose="02000503000000000000" pitchFamily="2" charset="-52"/>
-                        </a:rPr>
-                        <a:t>.45</a:t>
-                      </a:r>
-                    </a:p>
-                  </a:txBody>
-                  <a:tcPr anchor="ctr">
-                    <a:lnL w="12700" cap="flat" cmpd="sng" algn="ctr">
-                      <a:solidFill>
-                        <a:schemeClr val="tx1"/>
-                      </a:solidFill>
-                      <a:prstDash val="solid"/>
-                      <a:round/>
-                      <a:headEnd type="none" w="med" len="med"/>
-                      <a:tailEnd type="none" w="med" len="med"/>
-                    </a:lnL>
-                    <a:lnR w="12700" cap="flat" cmpd="sng" algn="ctr">
-                      <a:solidFill>
-                        <a:schemeClr val="tx1"/>
-                      </a:solidFill>
-                      <a:prstDash val="solid"/>
-                      <a:round/>
-                      <a:headEnd type="none" w="med" len="med"/>
-                      <a:tailEnd type="none" w="med" len="med"/>
-                    </a:lnR>
-                  </a:tcPr>
-                </a:tc>
-                <a:extLst>
-                  <a:ext uri="{0D108BD9-81ED-4DB2-BD59-A6C34878D82A}">
-                    <a16:rowId xmlns:a16="http://schemas.microsoft.com/office/drawing/2014/main" val="1857158310"/>
-                  </a:ext>
-                </a:extLst>
-              </a:tr>
-              <a:tr h="487875">
-                <a:tc>
-                  <a:txBody>
-                    <a:bodyPr/>
-                    <a:lstStyle/>
-                    <a:p>
-                      <a:r>
-                        <a:rPr lang="en-US" sz="1400" dirty="0">
-                          <a:latin typeface="GNUTypewriter" panose="02000503000000000000" pitchFamily="2" charset="-52"/>
-                        </a:rPr>
-                        <a:t>Author Type</a:t>
-                      </a:r>
-                    </a:p>
-                  </a:txBody>
-                  <a:tcPr anchor="ctr"/>
-                </a:tc>
-                <a:tc>
-                  <a:txBody>
-                    <a:bodyPr/>
-                    <a:lstStyle/>
-                    <a:p>
-                      <a:pPr algn="ctr"/>
-                      <a:r>
-                        <a:rPr lang="en-US" sz="1400" dirty="0">
-                          <a:latin typeface="GNUTypewriter" panose="02000503000000000000" pitchFamily="2" charset="-52"/>
-                        </a:rPr>
-                        <a:t>Maybe</a:t>
                       </a:r>
                     </a:p>
                   </a:txBody>
@@ -7825,6 +6978,153 @@
                 </a:tc>
                 <a:extLst>
                   <a:ext uri="{0D108BD9-81ED-4DB2-BD59-A6C34878D82A}">
+                    <a16:rowId xmlns:a16="http://schemas.microsoft.com/office/drawing/2014/main" val="1857158310"/>
+                  </a:ext>
+                </a:extLst>
+              </a:tr>
+              <a:tr h="487875">
+                <a:tc>
+                  <a:txBody>
+                    <a:bodyPr/>
+                    <a:lstStyle/>
+                    <a:p>
+                      <a:r>
+                        <a:rPr lang="en-US" sz="1400" dirty="0">
+                          <a:latin typeface="GNUTypewriter" panose="02000503000000000000" pitchFamily="2" charset="-52"/>
+                        </a:rPr>
+                        <a:t>Author Type</a:t>
+                      </a:r>
+                    </a:p>
+                  </a:txBody>
+                  <a:tcPr anchor="ctr"/>
+                </a:tc>
+                <a:tc>
+                  <a:txBody>
+                    <a:bodyPr/>
+                    <a:lstStyle/>
+                    <a:p>
+                      <a:pPr algn="ctr"/>
+                      <a:r>
+                        <a:rPr lang="en-US" sz="1400" dirty="0">
+                          <a:latin typeface="GNUTypewriter" panose="02000503000000000000" pitchFamily="2" charset="-52"/>
+                        </a:rPr>
+                        <a:t>Maybe</a:t>
+                      </a:r>
+                    </a:p>
+                  </a:txBody>
+                  <a:tcPr anchor="ctr"/>
+                </a:tc>
+                <a:tc>
+                  <a:txBody>
+                    <a:bodyPr/>
+                    <a:lstStyle/>
+                    <a:p>
+                      <a:pPr algn="ctr"/>
+                      <a:r>
+                        <a:rPr lang="en-US" sz="1400" dirty="0">
+                          <a:latin typeface="GNUTypewriter" panose="02000503000000000000" pitchFamily="2" charset="-52"/>
+                        </a:rPr>
+                        <a:t>.7455</a:t>
+                      </a:r>
+                    </a:p>
+                  </a:txBody>
+                  <a:tcPr anchor="ctr"/>
+                </a:tc>
+                <a:tc>
+                  <a:txBody>
+                    <a:bodyPr/>
+                    <a:lstStyle/>
+                    <a:p>
+                      <a:pPr algn="ctr"/>
+                      <a:r>
+                        <a:rPr lang="en-US" sz="1400" dirty="0">
+                          <a:latin typeface="GNUTypewriter" panose="02000503000000000000" pitchFamily="2" charset="-52"/>
+                        </a:rPr>
+                        <a:t>.67</a:t>
+                      </a:r>
+                    </a:p>
+                  </a:txBody>
+                  <a:tcPr anchor="ctr"/>
+                </a:tc>
+                <a:tc>
+                  <a:txBody>
+                    <a:bodyPr/>
+                    <a:lstStyle/>
+                    <a:p>
+                      <a:pPr algn="ctr"/>
+                      <a:r>
+                        <a:rPr lang="en-US" sz="1400" dirty="0">
+                          <a:latin typeface="GNUTypewriter" panose="02000503000000000000" pitchFamily="2" charset="-52"/>
+                        </a:rPr>
+                        <a:t>.92</a:t>
+                      </a:r>
+                    </a:p>
+                  </a:txBody>
+                  <a:tcPr anchor="ctr"/>
+                </a:tc>
+                <a:tc>
+                  <a:txBody>
+                    <a:bodyPr/>
+                    <a:lstStyle/>
+                    <a:p>
+                      <a:pPr algn="ctr"/>
+                      <a:r>
+                        <a:rPr lang="en-US" sz="1400" dirty="0">
+                          <a:latin typeface="GNUTypewriter" panose="02000503000000000000" pitchFamily="2" charset="-52"/>
+                        </a:rPr>
+                        <a:t>.78</a:t>
+                      </a:r>
+                    </a:p>
+                  </a:txBody>
+                  <a:tcPr anchor="ctr">
+                    <a:lnR w="12700" cap="flat" cmpd="sng" algn="ctr">
+                      <a:solidFill>
+                        <a:schemeClr val="tx1"/>
+                      </a:solidFill>
+                      <a:prstDash val="solid"/>
+                      <a:round/>
+                      <a:headEnd type="none" w="med" len="med"/>
+                      <a:tailEnd type="none" w="med" len="med"/>
+                    </a:lnR>
+                  </a:tcPr>
+                </a:tc>
+                <a:tc>
+                  <a:txBody>
+                    <a:bodyPr/>
+                    <a:lstStyle/>
+                    <a:p>
+                      <a:pPr algn="ctr"/>
+                      <a:r>
+                        <a:rPr lang="en-US" sz="1400" dirty="0">
+                          <a:latin typeface="GNUTypewriter" panose="02000503000000000000" pitchFamily="2" charset="-52"/>
+                        </a:rPr>
+                        <a:t>.358430</a:t>
+                      </a:r>
+                    </a:p>
+                  </a:txBody>
+                  <a:tcPr anchor="ctr">
+                    <a:lnL w="12700" cap="flat" cmpd="sng" algn="ctr">
+                      <a:solidFill>
+                        <a:schemeClr val="tx1"/>
+                      </a:solidFill>
+                      <a:prstDash val="solid"/>
+                      <a:round/>
+                      <a:headEnd type="none" w="med" len="med"/>
+                      <a:tailEnd type="none" w="med" len="med"/>
+                    </a:lnL>
+                    <a:lnR w="12700" cap="flat" cmpd="sng" algn="ctr">
+                      <a:solidFill>
+                        <a:schemeClr val="tx1"/>
+                      </a:solidFill>
+                      <a:prstDash val="solid"/>
+                      <a:round/>
+                      <a:headEnd type="none" w="med" len="med"/>
+                      <a:tailEnd type="none" w="med" len="med"/>
+                    </a:lnR>
+                  </a:tcPr>
+                </a:tc>
+                <a:extLst>
+                  <a:ext uri="{0D108BD9-81ED-4DB2-BD59-A6C34878D82A}">
                     <a16:rowId xmlns:a16="http://schemas.microsoft.com/office/drawing/2014/main" val="2510009564"/>
                   </a:ext>
                 </a:extLst>
@@ -7851,9 +7151,12 @@
                     <a:lstStyle/>
                     <a:p>
                       <a:pPr algn="ctr"/>
-                      <a:endParaRPr lang="en-US" sz="1400" dirty="0">
-                        <a:latin typeface="GNUTypewriter" panose="02000503000000000000" pitchFamily="2" charset="-52"/>
-                      </a:endParaRPr>
+                      <a:r>
+                        <a:rPr lang="en-US" sz="1400" dirty="0">
+                          <a:latin typeface="GNUTypewriter" panose="02000503000000000000" pitchFamily="2" charset="-52"/>
+                        </a:rPr>
+                        <a:t>--</a:t>
+                      </a:r>
                     </a:p>
                   </a:txBody>
                   <a:tcPr anchor="ctr"/>
@@ -7992,9 +7295,12 @@
                     <a:lstStyle/>
                     <a:p>
                       <a:pPr algn="ctr"/>
-                      <a:endParaRPr lang="en-US" sz="1400" dirty="0">
-                        <a:latin typeface="GNUTypewriter" panose="02000503000000000000" pitchFamily="2" charset="-52"/>
-                      </a:endParaRPr>
+                      <a:r>
+                        <a:rPr lang="en-US" sz="1400" dirty="0">
+                          <a:latin typeface="GNUTypewriter" panose="02000503000000000000" pitchFamily="2" charset="-52"/>
+                        </a:rPr>
+                        <a:t>--</a:t>
+                      </a:r>
                     </a:p>
                   </a:txBody>
                   <a:tcPr anchor="ctr"/>
@@ -8005,9 +7311,12 @@
                     <a:lstStyle/>
                     <a:p>
                       <a:pPr algn="ctr"/>
-                      <a:endParaRPr lang="en-US" sz="1400" dirty="0">
-                        <a:latin typeface="GNUTypewriter" panose="02000503000000000000" pitchFamily="2" charset="-52"/>
-                      </a:endParaRPr>
+                      <a:r>
+                        <a:rPr lang="en-US" sz="1400" dirty="0">
+                          <a:latin typeface="GNUTypewriter" panose="02000503000000000000" pitchFamily="2" charset="-52"/>
+                        </a:rPr>
+                        <a:t>--</a:t>
+                      </a:r>
                     </a:p>
                   </a:txBody>
                   <a:tcPr anchor="ctr"/>
@@ -8018,9 +7327,12 @@
                     <a:lstStyle/>
                     <a:p>
                       <a:pPr algn="ctr"/>
-                      <a:endParaRPr lang="en-US" sz="1400" dirty="0">
-                        <a:latin typeface="GNUTypewriter" panose="02000503000000000000" pitchFamily="2" charset="-52"/>
-                      </a:endParaRPr>
+                      <a:r>
+                        <a:rPr lang="en-US" sz="1400" dirty="0">
+                          <a:latin typeface="GNUTypewriter" panose="02000503000000000000" pitchFamily="2" charset="-52"/>
+                        </a:rPr>
+                        <a:t>--</a:t>
+                      </a:r>
                     </a:p>
                   </a:txBody>
                   <a:tcPr anchor="ctr"/>
@@ -8031,9 +7343,12 @@
                     <a:lstStyle/>
                     <a:p>
                       <a:pPr algn="ctr"/>
-                      <a:endParaRPr lang="en-US" sz="1400" dirty="0">
-                        <a:latin typeface="GNUTypewriter" panose="02000503000000000000" pitchFamily="2" charset="-52"/>
-                      </a:endParaRPr>
+                      <a:r>
+                        <a:rPr lang="en-US" sz="1400" dirty="0">
+                          <a:latin typeface="GNUTypewriter" panose="02000503000000000000" pitchFamily="2" charset="-52"/>
+                        </a:rPr>
+                        <a:t>--</a:t>
+                      </a:r>
                     </a:p>
                   </a:txBody>
                   <a:tcPr anchor="ctr"/>
@@ -8044,9 +7359,12 @@
                     <a:lstStyle/>
                     <a:p>
                       <a:pPr algn="ctr"/>
-                      <a:endParaRPr lang="en-US" sz="1400" dirty="0">
-                        <a:latin typeface="GNUTypewriter" panose="02000503000000000000" pitchFamily="2" charset="-52"/>
-                      </a:endParaRPr>
+                      <a:r>
+                        <a:rPr lang="en-US" sz="1400" dirty="0">
+                          <a:latin typeface="GNUTypewriter" panose="02000503000000000000" pitchFamily="2" charset="-52"/>
+                        </a:rPr>
+                        <a:t>--</a:t>
+                      </a:r>
                     </a:p>
                   </a:txBody>
                   <a:tcPr anchor="ctr">
@@ -8114,10 +7432,10 @@
       </p:graphicFrame>
       <p:sp>
         <p:nvSpPr>
-          <p:cNvPr id="7" name="TextBox 6">
-            <a:extLst>
-              <a:ext uri="{FF2B5EF4-FFF2-40B4-BE49-F238E27FC236}">
-                <a16:creationId xmlns:a16="http://schemas.microsoft.com/office/drawing/2014/main" id="{4C143F7B-D269-4781-8BA0-337656577E66}"/>
+          <p:cNvPr id="9" name="TextBox 8">
+            <a:extLst>
+              <a:ext uri="{FF2B5EF4-FFF2-40B4-BE49-F238E27FC236}">
+                <a16:creationId xmlns:a16="http://schemas.microsoft.com/office/drawing/2014/main" id="{AFCFAD34-011C-4229-B321-1AD496B667FF}"/>
               </a:ext>
             </a:extLst>
           </p:cNvPr>
@@ -8126,8 +7444,8 @@
         </p:nvSpPr>
         <p:spPr>
           <a:xfrm>
-            <a:off x="6862916" y="6108213"/>
-            <a:ext cx="2998839" cy="400110"/>
+            <a:off x="1114421" y="2166014"/>
+            <a:ext cx="9963157" cy="584775"/>
           </a:xfrm>
           <a:prstGeom prst="rect">
             <a:avLst/>
@@ -8140,25 +7458,21 @@
           </a:bodyPr>
           <a:lstStyle/>
           <a:p>
-            <a:pPr algn="r"/>
-            <a:r>
-              <a:rPr lang="en-US" sz="2000" dirty="0">
-                <a:solidFill>
-                  <a:srgbClr val="FF0000"/>
-                </a:solidFill>
+            <a:r>
+              <a:rPr lang="en-US" sz="1600" dirty="0">
                 <a:latin typeface="GNUTypewriter" panose="02000503000000000000" pitchFamily="2" charset="-52"/>
               </a:rPr>
-              <a:t> Overall Score</a:t>
-            </a:r>
-          </a:p>
-        </p:txBody>
-      </p:sp>
-      <p:sp>
-        <p:nvSpPr>
-          <p:cNvPr id="8" name="TextBox 7">
-            <a:extLst>
-              <a:ext uri="{FF2B5EF4-FFF2-40B4-BE49-F238E27FC236}">
-                <a16:creationId xmlns:a16="http://schemas.microsoft.com/office/drawing/2014/main" id="{B859FA6B-E63D-4456-83F7-E6A63EE4B03F}"/>
+              <a:t>As an example, we tested /Infowars Monday Quarterbacking Political Review containing 800 words, 3 paragraphs, author = unknown). Results are:</a:t>
+            </a:r>
+          </a:p>
+        </p:txBody>
+      </p:sp>
+      <p:sp>
+        <p:nvSpPr>
+          <p:cNvPr id="12" name="TextBox 11">
+            <a:extLst>
+              <a:ext uri="{FF2B5EF4-FFF2-40B4-BE49-F238E27FC236}">
+                <a16:creationId xmlns:a16="http://schemas.microsoft.com/office/drawing/2014/main" id="{163CE557-023F-4C2E-AF1E-8C10446146CB}"/>
               </a:ext>
             </a:extLst>
           </p:cNvPr>
@@ -8167,8 +7481,8 @@
         </p:nvSpPr>
         <p:spPr>
           <a:xfrm>
-            <a:off x="9861755" y="6108213"/>
-            <a:ext cx="1215823" cy="400110"/>
+            <a:off x="1114421" y="1054081"/>
+            <a:ext cx="10144129" cy="830997"/>
           </a:xfrm>
           <a:prstGeom prst="rect">
             <a:avLst/>
@@ -8181,203 +7495,11 @@
           </a:bodyPr>
           <a:lstStyle/>
           <a:p>
-            <a:pPr algn="ctr"/>
-            <a:r>
-              <a:rPr lang="en-US" sz="2000" dirty="0">
-                <a:solidFill>
-                  <a:srgbClr val="FF0000"/>
-                </a:solidFill>
-                <a:latin typeface="GNUTypewriter" panose="02000503000000000000" pitchFamily="2" charset="-52"/>
-              </a:rPr>
-              <a:t>57.54%</a:t>
-            </a:r>
-          </a:p>
-        </p:txBody>
-      </p:sp>
-      <p:sp>
-        <p:nvSpPr>
-          <p:cNvPr id="9" name="TextBox 8">
-            <a:extLst>
-              <a:ext uri="{FF2B5EF4-FFF2-40B4-BE49-F238E27FC236}">
-                <a16:creationId xmlns:a16="http://schemas.microsoft.com/office/drawing/2014/main" id="{AFCFAD34-011C-4229-B321-1AD496B667FF}"/>
-              </a:ext>
-            </a:extLst>
-          </p:cNvPr>
-          <p:cNvSpPr txBox="1"/>
-          <p:nvPr/>
-        </p:nvSpPr>
-        <p:spPr>
-          <a:xfrm>
-            <a:off x="1114421" y="1775393"/>
-            <a:ext cx="9963157" cy="584775"/>
-          </a:xfrm>
-          <a:prstGeom prst="rect">
-            <a:avLst/>
-          </a:prstGeom>
-          <a:noFill/>
-        </p:spPr>
-        <p:txBody>
-          <a:bodyPr wrap="square" rtlCol="0">
-            <a:spAutoFit/>
-          </a:bodyPr>
-          <a:lstStyle/>
-          <a:p>
             <a:r>
               <a:rPr lang="en-US" sz="1600" dirty="0">
                 <a:latin typeface="GNUTypewriter" panose="02000503000000000000" pitchFamily="2" charset="-52"/>
               </a:rPr>
-              <a:t>Document Name: Bob’s Monday </a:t>
-            </a:r>
-            <a:r>
-              <a:rPr lang="en-US" sz="1600" dirty="0" err="1">
-                <a:latin typeface="GNUTypewriter" panose="02000503000000000000" pitchFamily="2" charset="-52"/>
-              </a:rPr>
-              <a:t>Qback</a:t>
-            </a:r>
-            <a:r>
-              <a:rPr lang="en-US" sz="1600" dirty="0">
-                <a:latin typeface="GNUTypewriter" panose="02000503000000000000" pitchFamily="2" charset="-52"/>
-              </a:rPr>
-              <a:t> Political Review</a:t>
-            </a:r>
-          </a:p>
-          <a:p>
-            <a:r>
-              <a:rPr lang="en-US" sz="1600" dirty="0">
-                <a:latin typeface="GNUTypewriter" panose="02000503000000000000" pitchFamily="2" charset="-52"/>
-              </a:rPr>
-              <a:t>Document Characteristics: 800 words, 3 paragraphs, author = unknown</a:t>
-            </a:r>
-          </a:p>
-        </p:txBody>
-      </p:sp>
-      <p:sp>
-        <p:nvSpPr>
-          <p:cNvPr id="11" name="Rectangle 10">
-            <a:extLst>
-              <a:ext uri="{FF2B5EF4-FFF2-40B4-BE49-F238E27FC236}">
-                <a16:creationId xmlns:a16="http://schemas.microsoft.com/office/drawing/2014/main" id="{23F4C713-8003-4A57-AC47-6A7EB2D88777}"/>
-              </a:ext>
-            </a:extLst>
-          </p:cNvPr>
-          <p:cNvSpPr/>
-          <p:nvPr/>
-        </p:nvSpPr>
-        <p:spPr>
-          <a:xfrm>
-            <a:off x="10622222" y="6209596"/>
-            <a:ext cx="1457660" cy="533643"/>
-          </a:xfrm>
-          <a:prstGeom prst="rect">
-            <a:avLst/>
-          </a:prstGeom>
-        </p:spPr>
-        <p:style>
-          <a:lnRef idx="1">
-            <a:schemeClr val="accent4"/>
-          </a:lnRef>
-          <a:fillRef idx="2">
-            <a:schemeClr val="accent4"/>
-          </a:fillRef>
-          <a:effectRef idx="1">
-            <a:schemeClr val="accent4"/>
-          </a:effectRef>
-          <a:fontRef idx="minor">
-            <a:schemeClr val="dk1"/>
-          </a:fontRef>
-        </p:style>
-        <p:txBody>
-          <a:bodyPr rtlCol="0" anchor="ctr"/>
-          <a:lstStyle/>
-          <a:p>
-            <a:pPr algn="ctr"/>
-            <a:r>
-              <a:rPr lang="en-US" dirty="0"/>
-              <a:t>Rich draft</a:t>
-            </a:r>
-          </a:p>
-        </p:txBody>
-      </p:sp>
-      <p:sp>
-        <p:nvSpPr>
-          <p:cNvPr id="12" name="TextBox 11">
-            <a:extLst>
-              <a:ext uri="{FF2B5EF4-FFF2-40B4-BE49-F238E27FC236}">
-                <a16:creationId xmlns:a16="http://schemas.microsoft.com/office/drawing/2014/main" id="{163CE557-023F-4C2E-AF1E-8C10446146CB}"/>
-              </a:ext>
-            </a:extLst>
-          </p:cNvPr>
-          <p:cNvSpPr txBox="1"/>
-          <p:nvPr/>
-        </p:nvSpPr>
-        <p:spPr>
-          <a:xfrm>
-            <a:off x="1114421" y="1089593"/>
-            <a:ext cx="10144129" cy="584775"/>
-          </a:xfrm>
-          <a:prstGeom prst="rect">
-            <a:avLst/>
-          </a:prstGeom>
-          <a:noFill/>
-        </p:spPr>
-        <p:txBody>
-          <a:bodyPr wrap="square" rtlCol="0">
-            <a:spAutoFit/>
-          </a:bodyPr>
-          <a:lstStyle/>
-          <a:p>
-            <a:r>
-              <a:rPr lang="en-US" sz="1600" dirty="0">
-                <a:latin typeface="GNUTypewriter" panose="02000503000000000000" pitchFamily="2" charset="-52"/>
-              </a:rPr>
-              <a:t>Objective is to put a document through our Real News Engine (which consists of a number of trained models, and the Engine will give back a Real News Score.</a:t>
-            </a:r>
-          </a:p>
-        </p:txBody>
-      </p:sp>
-      <p:sp>
-        <p:nvSpPr>
-          <p:cNvPr id="13" name="Rectangle 12">
-            <a:extLst>
-              <a:ext uri="{FF2B5EF4-FFF2-40B4-BE49-F238E27FC236}">
-                <a16:creationId xmlns:a16="http://schemas.microsoft.com/office/drawing/2014/main" id="{0F1A2A33-B3F0-40EE-B97A-F5A3A8FD0257}"/>
-              </a:ext>
-            </a:extLst>
-          </p:cNvPr>
-          <p:cNvSpPr/>
-          <p:nvPr/>
-        </p:nvSpPr>
-        <p:spPr>
-          <a:xfrm>
-            <a:off x="276226" y="2792886"/>
-            <a:ext cx="11639548" cy="533643"/>
-          </a:xfrm>
-          <a:prstGeom prst="rect">
-            <a:avLst/>
-          </a:prstGeom>
-        </p:spPr>
-        <p:style>
-          <a:lnRef idx="1">
-            <a:schemeClr val="accent4"/>
-          </a:lnRef>
-          <a:fillRef idx="2">
-            <a:schemeClr val="accent4"/>
-          </a:fillRef>
-          <a:effectRef idx="1">
-            <a:schemeClr val="accent4"/>
-          </a:effectRef>
-          <a:fontRef idx="minor">
-            <a:schemeClr val="dk1"/>
-          </a:fontRef>
-        </p:style>
-        <p:txBody>
-          <a:bodyPr rtlCol="0" anchor="ctr"/>
-          <a:lstStyle/>
-          <a:p>
-            <a:pPr algn="ctr"/>
-            <a:r>
-              <a:rPr lang="en-US" dirty="0"/>
-              <a:t>Talking points are : Models we have built and scores that are recorded</a:t>
+              <a:t>Objective is to put a document through our “Is It Real News” Engine (which consists of a number of trained models), and the Engine will give back an “Is It Real News” Score.</a:t>
             </a:r>
           </a:p>
         </p:txBody>
@@ -8474,7 +7596,7 @@
         <p:spPr>
           <a:xfrm>
             <a:off x="0" y="89284"/>
-            <a:ext cx="12192000" cy="923330"/>
+            <a:ext cx="12192000" cy="830997"/>
           </a:xfrm>
           <a:prstGeom prst="rect">
             <a:avLst/>
@@ -8489,13 +7611,13 @@
           <a:p>
             <a:pPr algn="ctr"/>
             <a:r>
-              <a:rPr lang="en-US" sz="5400" dirty="0">
+              <a:rPr lang="en-US" sz="4800" dirty="0">
                 <a:solidFill>
                   <a:srgbClr val="FF0000"/>
                 </a:solidFill>
                 <a:latin typeface="GNUTypewriter" panose="02000503000000000000" pitchFamily="2" charset="-52"/>
               </a:rPr>
-              <a:t>Decision Tree</a:t>
+              <a:t>Composite Model</a:t>
             </a:r>
           </a:p>
         </p:txBody>
@@ -8547,53 +7669,6 @@
           </a:extLst>
         </p:spPr>
       </p:pic>
-      <p:sp>
-        <p:nvSpPr>
-          <p:cNvPr id="11" name="Rectangle 10">
-            <a:extLst>
-              <a:ext uri="{FF2B5EF4-FFF2-40B4-BE49-F238E27FC236}">
-                <a16:creationId xmlns:a16="http://schemas.microsoft.com/office/drawing/2014/main" id="{23F4C713-8003-4A57-AC47-6A7EB2D88777}"/>
-              </a:ext>
-            </a:extLst>
-          </p:cNvPr>
-          <p:cNvSpPr/>
-          <p:nvPr/>
-        </p:nvSpPr>
-        <p:spPr>
-          <a:xfrm>
-            <a:off x="10622222" y="6209596"/>
-            <a:ext cx="1457660" cy="533643"/>
-          </a:xfrm>
-          <a:prstGeom prst="rect">
-            <a:avLst/>
-          </a:prstGeom>
-        </p:spPr>
-        <p:style>
-          <a:lnRef idx="1">
-            <a:schemeClr val="accent4"/>
-          </a:lnRef>
-          <a:fillRef idx="2">
-            <a:schemeClr val="accent4"/>
-          </a:fillRef>
-          <a:effectRef idx="1">
-            <a:schemeClr val="accent4"/>
-          </a:effectRef>
-          <a:fontRef idx="minor">
-            <a:schemeClr val="dk1"/>
-          </a:fontRef>
-        </p:style>
-        <p:txBody>
-          <a:bodyPr rtlCol="0" anchor="ctr"/>
-          <a:lstStyle/>
-          <a:p>
-            <a:pPr algn="ctr"/>
-            <a:r>
-              <a:rPr lang="en-US" dirty="0"/>
-              <a:t>Michael draft</a:t>
-            </a:r>
-          </a:p>
-        </p:txBody>
-      </p:sp>
       <p:pic>
         <p:nvPicPr>
           <p:cNvPr id="3" name="Picture 2">
@@ -8624,53 +7699,6 @@
           </a:prstGeom>
         </p:spPr>
       </p:pic>
-      <p:sp>
-        <p:nvSpPr>
-          <p:cNvPr id="12" name="Rectangle 11">
-            <a:extLst>
-              <a:ext uri="{FF2B5EF4-FFF2-40B4-BE49-F238E27FC236}">
-                <a16:creationId xmlns:a16="http://schemas.microsoft.com/office/drawing/2014/main" id="{C3CFD49D-CEB6-4C25-B987-4CAD41E12D33}"/>
-              </a:ext>
-            </a:extLst>
-          </p:cNvPr>
-          <p:cNvSpPr/>
-          <p:nvPr/>
-        </p:nvSpPr>
-        <p:spPr>
-          <a:xfrm>
-            <a:off x="276226" y="2792886"/>
-            <a:ext cx="11639548" cy="533643"/>
-          </a:xfrm>
-          <a:prstGeom prst="rect">
-            <a:avLst/>
-          </a:prstGeom>
-        </p:spPr>
-        <p:style>
-          <a:lnRef idx="1">
-            <a:schemeClr val="accent4"/>
-          </a:lnRef>
-          <a:fillRef idx="2">
-            <a:schemeClr val="accent4"/>
-          </a:fillRef>
-          <a:effectRef idx="1">
-            <a:schemeClr val="accent4"/>
-          </a:effectRef>
-          <a:fontRef idx="minor">
-            <a:schemeClr val="dk1"/>
-          </a:fontRef>
-        </p:style>
-        <p:txBody>
-          <a:bodyPr rtlCol="0" anchor="ctr"/>
-          <a:lstStyle/>
-          <a:p>
-            <a:pPr algn="ctr"/>
-            <a:r>
-              <a:rPr lang="en-US" dirty="0"/>
-              <a:t>Talking points are : Decision tree for final scoring / labeling</a:t>
-            </a:r>
-          </a:p>
-        </p:txBody>
-      </p:sp>
     </p:spTree>
     <p:extLst>
       <p:ext uri="{BB962C8B-B14F-4D97-AF65-F5344CB8AC3E}">
@@ -8763,7 +7791,7 @@
         <p:spPr>
           <a:xfrm>
             <a:off x="0" y="89284"/>
-            <a:ext cx="12192000" cy="923330"/>
+            <a:ext cx="12192000" cy="830997"/>
           </a:xfrm>
           <a:prstGeom prst="rect">
             <a:avLst/>
@@ -8778,7 +7806,7 @@
           <a:p>
             <a:pPr algn="ctr"/>
             <a:r>
-              <a:rPr lang="en-US" sz="5400" dirty="0">
+              <a:rPr lang="en-US" sz="4800" dirty="0">
                 <a:solidFill>
                   <a:srgbClr val="FF0000"/>
                 </a:solidFill>
@@ -8864,8 +7892,8 @@
         </p:blipFill>
         <p:spPr>
           <a:xfrm>
-            <a:off x="276226" y="1238435"/>
-            <a:ext cx="3849594" cy="3573262"/>
+            <a:off x="1569945" y="1304413"/>
+            <a:ext cx="3880568" cy="3602013"/>
           </a:xfrm>
           <a:prstGeom prst="rect">
             <a:avLst/>
@@ -8886,7 +7914,7 @@
         </p:nvSpPr>
         <p:spPr>
           <a:xfrm>
-            <a:off x="0" y="994070"/>
+            <a:off x="1513926" y="924704"/>
             <a:ext cx="3998670" cy="307777"/>
           </a:xfrm>
           <a:prstGeom prst="rect">
@@ -8901,6 +7929,15 @@
           <a:lstStyle/>
           <a:p>
             <a:pPr algn="ctr"/>
+            <a:r>
+              <a:rPr lang="en-US" sz="1400" b="1" u="sng" dirty="0">
+                <a:solidFill>
+                  <a:srgbClr val="FF0000"/>
+                </a:solidFill>
+                <a:latin typeface="GNUTypewriter" panose="02000503000000000000" pitchFamily="2" charset="-52"/>
+              </a:rPr>
+              <a:t>Several27’s </a:t>
+            </a:r>
             <a:r>
               <a:rPr lang="en-US" sz="1400" b="1" u="sng" dirty="0" err="1">
                 <a:solidFill>
@@ -8908,7 +7945,7 @@
                 </a:solidFill>
                 <a:latin typeface="GNUTypewriter" panose="02000503000000000000" pitchFamily="2" charset="-52"/>
               </a:rPr>
-              <a:t>Github</a:t>
+              <a:t>FakeNewsCorpus</a:t>
             </a:r>
             <a:r>
               <a:rPr lang="en-US" sz="1400" b="1" u="sng" dirty="0">
@@ -8917,7 +7954,7 @@
                 </a:solidFill>
                 <a:latin typeface="GNUTypewriter" panose="02000503000000000000" pitchFamily="2" charset="-52"/>
               </a:rPr>
-              <a:t> several27/FakeNewsCorpus</a:t>
+              <a:t> Dataset</a:t>
             </a:r>
           </a:p>
         </p:txBody>
@@ -8936,7 +7973,7 @@
         </p:nvSpPr>
         <p:spPr>
           <a:xfrm>
-            <a:off x="4509854" y="1242532"/>
+            <a:off x="5952761" y="1273506"/>
             <a:ext cx="3289996" cy="3195252"/>
           </a:xfrm>
           <a:prstGeom prst="dodecagon">
@@ -8996,8 +8033,8 @@
         </p:blipFill>
         <p:spPr>
           <a:xfrm>
-            <a:off x="3897974" y="4893795"/>
-            <a:ext cx="5103864" cy="1940270"/>
+            <a:off x="4230055" y="5230382"/>
+            <a:ext cx="3849594" cy="1463450"/>
           </a:xfrm>
           <a:prstGeom prst="rect">
             <a:avLst/>
@@ -9018,7 +8055,7 @@
         </p:nvSpPr>
         <p:spPr>
           <a:xfrm>
-            <a:off x="5527593" y="5556153"/>
+            <a:off x="4091942" y="4879101"/>
             <a:ext cx="4125820" cy="307777"/>
           </a:xfrm>
           <a:prstGeom prst="rect">
@@ -9058,70 +8095,8 @@
                 </a:solidFill>
                 <a:latin typeface="GNUTypewriter" panose="02000503000000000000" pitchFamily="2" charset="-52"/>
               </a:rPr>
-              <a:t> … Pants On Fire</a:t>
-            </a:r>
-          </a:p>
-        </p:txBody>
-      </p:sp>
-      <p:pic>
-        <p:nvPicPr>
-          <p:cNvPr id="13" name="Picture 12">
-            <a:extLst>
-              <a:ext uri="{FF2B5EF4-FFF2-40B4-BE49-F238E27FC236}">
-                <a16:creationId xmlns:a16="http://schemas.microsoft.com/office/drawing/2014/main" id="{64994FA3-4D66-4EC8-A283-B1A980847544}"/>
-              </a:ext>
-            </a:extLst>
-          </p:cNvPr>
-          <p:cNvPicPr>
-            <a:picLocks noChangeAspect="1"/>
-          </p:cNvPicPr>
-          <p:nvPr/>
-        </p:nvPicPr>
-        <p:blipFill>
-          <a:blip r:embed="rId6"/>
-          <a:stretch>
-            <a:fillRect/>
-          </a:stretch>
-        </p:blipFill>
-        <p:spPr>
-          <a:xfrm>
-            <a:off x="8573159" y="1368129"/>
-            <a:ext cx="2787586" cy="3815456"/>
-          </a:xfrm>
-          <a:prstGeom prst="rect">
-            <a:avLst/>
-          </a:prstGeom>
-        </p:spPr>
-      </p:pic>
-      <p:sp>
-        <p:nvSpPr>
-          <p:cNvPr id="12" name="TextBox 11">
-            <a:extLst>
-              <a:ext uri="{FF2B5EF4-FFF2-40B4-BE49-F238E27FC236}">
-                <a16:creationId xmlns:a16="http://schemas.microsoft.com/office/drawing/2014/main" id="{13AC19FA-9B0C-4270-9CB6-B4F0AF2B063D}"/>
-              </a:ext>
-            </a:extLst>
-          </p:cNvPr>
-          <p:cNvSpPr txBox="1"/>
-          <p:nvPr/>
-        </p:nvSpPr>
-        <p:spPr>
-          <a:xfrm>
-            <a:off x="8164499" y="1060352"/>
-            <a:ext cx="2251152" cy="307777"/>
-          </a:xfrm>
-          <a:prstGeom prst="rect">
-            <a:avLst/>
-          </a:prstGeom>
-          <a:noFill/>
-        </p:spPr>
-        <p:txBody>
-          <a:bodyPr wrap="square" rtlCol="0">
-            <a:spAutoFit/>
-          </a:bodyPr>
-          <a:lstStyle/>
-          <a:p>
-            <a:pPr algn="ctr"/>
+              <a:t> … Pants On Fire (</a:t>
+            </a:r>
             <a:r>
               <a:rPr lang="en-US" sz="1400" b="1" u="sng" dirty="0" err="1">
                 <a:solidFill>
@@ -9129,14 +8104,96 @@
                 </a:solidFill>
                 <a:latin typeface="GNUTypewriter" panose="02000503000000000000" pitchFamily="2" charset="-52"/>
               </a:rPr>
-              <a:t>AllTheNews.db</a:t>
-            </a:r>
-            <a:endParaRPr lang="en-US" sz="1400" b="1" u="sng" dirty="0">
-              <a:solidFill>
-                <a:srgbClr val="FF0000"/>
-              </a:solidFill>
-              <a:latin typeface="GNUTypewriter" panose="02000503000000000000" pitchFamily="2" charset="-52"/>
-            </a:endParaRPr>
+              <a:t>Politifact</a:t>
+            </a:r>
+            <a:r>
+              <a:rPr lang="en-US" sz="1400" b="1" u="sng" dirty="0">
+                <a:solidFill>
+                  <a:srgbClr val="FF0000"/>
+                </a:solidFill>
+                <a:latin typeface="GNUTypewriter" panose="02000503000000000000" pitchFamily="2" charset="-52"/>
+              </a:rPr>
+              <a:t>) Dataset</a:t>
+            </a:r>
+          </a:p>
+        </p:txBody>
+      </p:sp>
+      <p:pic>
+        <p:nvPicPr>
+          <p:cNvPr id="13" name="Picture 12">
+            <a:extLst>
+              <a:ext uri="{FF2B5EF4-FFF2-40B4-BE49-F238E27FC236}">
+                <a16:creationId xmlns:a16="http://schemas.microsoft.com/office/drawing/2014/main" id="{64994FA3-4D66-4EC8-A283-B1A980847544}"/>
+              </a:ext>
+            </a:extLst>
+          </p:cNvPr>
+          <p:cNvPicPr>
+            <a:picLocks noChangeAspect="1"/>
+          </p:cNvPicPr>
+          <p:nvPr/>
+        </p:nvPicPr>
+        <p:blipFill rotWithShape="1">
+          <a:blip r:embed="rId6"/>
+          <a:srcRect l="1" t="2983" r="52625"/>
+          <a:stretch/>
+        </p:blipFill>
+        <p:spPr>
+          <a:xfrm>
+            <a:off x="10079453" y="1230100"/>
+            <a:ext cx="1320611" cy="3701648"/>
+          </a:xfrm>
+          <a:prstGeom prst="rect">
+            <a:avLst/>
+          </a:prstGeom>
+        </p:spPr>
+      </p:pic>
+      <p:sp>
+        <p:nvSpPr>
+          <p:cNvPr id="12" name="TextBox 11">
+            <a:extLst>
+              <a:ext uri="{FF2B5EF4-FFF2-40B4-BE49-F238E27FC236}">
+                <a16:creationId xmlns:a16="http://schemas.microsoft.com/office/drawing/2014/main" id="{13AC19FA-9B0C-4270-9CB6-B4F0AF2B063D}"/>
+              </a:ext>
+            </a:extLst>
+          </p:cNvPr>
+          <p:cNvSpPr txBox="1"/>
+          <p:nvPr/>
+        </p:nvSpPr>
+        <p:spPr>
+          <a:xfrm>
+            <a:off x="9614182" y="922323"/>
+            <a:ext cx="2251152" cy="307777"/>
+          </a:xfrm>
+          <a:prstGeom prst="rect">
+            <a:avLst/>
+          </a:prstGeom>
+          <a:noFill/>
+        </p:spPr>
+        <p:txBody>
+          <a:bodyPr wrap="square" rtlCol="0">
+            <a:spAutoFit/>
+          </a:bodyPr>
+          <a:lstStyle/>
+          <a:p>
+            <a:pPr algn="ctr"/>
+            <a:r>
+              <a:rPr lang="en-US" sz="1400" b="1" u="sng" dirty="0" err="1">
+                <a:solidFill>
+                  <a:srgbClr val="FF0000"/>
+                </a:solidFill>
+                <a:latin typeface="GNUTypewriter" panose="02000503000000000000" pitchFamily="2" charset="-52"/>
+              </a:rPr>
+              <a:t>AllTheNews</a:t>
+            </a:r>
+            <a:r>
+              <a:rPr lang="en-US" sz="1400" b="1" u="sng" dirty="0">
+                <a:solidFill>
+                  <a:srgbClr val="FF0000"/>
+                </a:solidFill>
+                <a:latin typeface="GNUTypewriter" panose="02000503000000000000" pitchFamily="2" charset="-52"/>
+              </a:rPr>
+              <a:t> Dataset</a:t>
+            </a:r>
           </a:p>
         </p:txBody>
       </p:sp>
@@ -9154,7 +8211,7 @@
         </p:nvSpPr>
         <p:spPr>
           <a:xfrm>
-            <a:off x="4913970" y="1627618"/>
+            <a:off x="6356877" y="1658592"/>
             <a:ext cx="2481764" cy="2425080"/>
           </a:xfrm>
           <a:prstGeom prst="dodecagon">
@@ -9206,7 +8263,7 @@
         </p:nvSpPr>
         <p:spPr>
           <a:xfrm rot="1722454">
-            <a:off x="4263188" y="3864718"/>
+            <a:off x="5706095" y="3895692"/>
             <a:ext cx="2251152" cy="307777"/>
           </a:xfrm>
           <a:prstGeom prst="rect">
@@ -9242,7 +8299,7 @@
         </p:nvSpPr>
         <p:spPr>
           <a:xfrm rot="18191018">
-            <a:off x="6240993" y="3382483"/>
+            <a:off x="7683900" y="3413457"/>
             <a:ext cx="2251152" cy="307777"/>
           </a:xfrm>
           <a:prstGeom prst="rect">
@@ -9278,7 +8335,7 @@
         </p:nvSpPr>
         <p:spPr>
           <a:xfrm rot="18170168">
-            <a:off x="3794957" y="1962874"/>
+            <a:off x="5237864" y="1993848"/>
             <a:ext cx="2251152" cy="307777"/>
           </a:xfrm>
           <a:prstGeom prst="rect">
@@ -9314,7 +8371,7 @@
         </p:nvSpPr>
         <p:spPr>
           <a:xfrm rot="1722454">
-            <a:off x="5795363" y="1494401"/>
+            <a:off x="7238270" y="1525375"/>
             <a:ext cx="2251152" cy="307777"/>
           </a:xfrm>
           <a:prstGeom prst="rect">
@@ -9350,8 +8407,8 @@
         </p:nvSpPr>
         <p:spPr>
           <a:xfrm>
-            <a:off x="4899129" y="1854505"/>
-            <a:ext cx="2691374" cy="2031325"/>
+            <a:off x="6259633" y="2290313"/>
+            <a:ext cx="2691374" cy="1477328"/>
           </a:xfrm>
           <a:prstGeom prst="rect">
             <a:avLst/>
@@ -9376,10 +8433,19 @@
             </a:r>
           </a:p>
           <a:p>
-            <a:pPr marL="285750" indent="-285750">
-              <a:buFontTx/>
-              <a:buChar char="-"/>
-            </a:pPr>
+            <a:pPr algn="ctr"/>
+            <a:r>
+              <a:rPr lang="en-US" dirty="0">
+                <a:solidFill>
+                  <a:srgbClr val="FF0000"/>
+                </a:solidFill>
+                <a:latin typeface="GNUTypewriter" panose="02000503000000000000" pitchFamily="2" charset="-52"/>
+              </a:rPr>
+              <a:t>Label</a:t>
+            </a:r>
+          </a:p>
+          <a:p>
+            <a:pPr algn="ctr"/>
             <a:r>
               <a:rPr lang="en-US" dirty="0">
                 <a:solidFill>
@@ -9391,10 +8457,7 @@
             </a:r>
           </a:p>
           <a:p>
-            <a:pPr marL="285750" indent="-285750">
-              <a:buFontTx/>
-              <a:buChar char="-"/>
-            </a:pPr>
+            <a:pPr algn="ctr"/>
             <a:r>
               <a:rPr lang="en-US" dirty="0">
                 <a:solidFill>
@@ -9402,122 +8465,341 @@
                 </a:solidFill>
                 <a:latin typeface="GNUTypewriter" panose="02000503000000000000" pitchFamily="2" charset="-52"/>
               </a:rPr>
-              <a:t>Label</a:t>
-            </a:r>
-          </a:p>
-          <a:p>
-            <a:pPr marL="742950" lvl="1" indent="-285750">
-              <a:buFontTx/>
-              <a:buChar char="-"/>
-            </a:pPr>
-            <a:r>
-              <a:rPr lang="en-US" dirty="0">
-                <a:solidFill>
-                  <a:srgbClr val="FF0000"/>
-                </a:solidFill>
+              <a:t>Author</a:t>
+            </a:r>
+          </a:p>
+          <a:p>
+            <a:pPr algn="ctr"/>
+            <a:endParaRPr lang="en-US" dirty="0">
+              <a:solidFill>
+                <a:srgbClr val="FF0000"/>
+              </a:solidFill>
+              <a:latin typeface="GNUTypewriter" panose="02000503000000000000" pitchFamily="2" charset="-52"/>
+            </a:endParaRPr>
+          </a:p>
+        </p:txBody>
+      </p:sp>
+      <p:cxnSp>
+        <p:nvCxnSpPr>
+          <p:cNvPr id="25" name="Straight Arrow Connector 24">
+            <a:extLst>
+              <a:ext uri="{FF2B5EF4-FFF2-40B4-BE49-F238E27FC236}">
+                <a16:creationId xmlns:a16="http://schemas.microsoft.com/office/drawing/2014/main" id="{B7C12E6A-7C1F-4EED-A493-084B766BE969}"/>
+              </a:ext>
+            </a:extLst>
+          </p:cNvPr>
+          <p:cNvCxnSpPr/>
+          <p:nvPr/>
+        </p:nvCxnSpPr>
+        <p:spPr>
+          <a:xfrm>
+            <a:off x="1088328" y="4593591"/>
+            <a:ext cx="465302" cy="0"/>
+          </a:xfrm>
+          <a:prstGeom prst="straightConnector1">
+            <a:avLst/>
+          </a:prstGeom>
+          <a:ln>
+            <a:solidFill>
+              <a:srgbClr val="FF0000"/>
+            </a:solidFill>
+            <a:tailEnd type="triangle"/>
+          </a:ln>
+        </p:spPr>
+        <p:style>
+          <a:lnRef idx="1">
+            <a:schemeClr val="accent1"/>
+          </a:lnRef>
+          <a:fillRef idx="0">
+            <a:schemeClr val="accent1"/>
+          </a:fillRef>
+          <a:effectRef idx="0">
+            <a:schemeClr val="accent1"/>
+          </a:effectRef>
+          <a:fontRef idx="minor">
+            <a:schemeClr val="tx1"/>
+          </a:fontRef>
+        </p:style>
+      </p:cxnSp>
+      <p:cxnSp>
+        <p:nvCxnSpPr>
+          <p:cNvPr id="26" name="Straight Arrow Connector 25">
+            <a:extLst>
+              <a:ext uri="{FF2B5EF4-FFF2-40B4-BE49-F238E27FC236}">
+                <a16:creationId xmlns:a16="http://schemas.microsoft.com/office/drawing/2014/main" id="{BED5F15D-8CE4-4746-89A7-DD6C42373C51}"/>
+              </a:ext>
+            </a:extLst>
+          </p:cNvPr>
+          <p:cNvCxnSpPr>
+            <a:cxnSpLocks/>
+          </p:cNvCxnSpPr>
+          <p:nvPr/>
+        </p:nvCxnSpPr>
+        <p:spPr>
+          <a:xfrm>
+            <a:off x="1352550" y="4183927"/>
+            <a:ext cx="201080" cy="0"/>
+          </a:xfrm>
+          <a:prstGeom prst="straightConnector1">
+            <a:avLst/>
+          </a:prstGeom>
+          <a:ln>
+            <a:solidFill>
+              <a:srgbClr val="FF0000"/>
+            </a:solidFill>
+            <a:tailEnd type="triangle"/>
+          </a:ln>
+        </p:spPr>
+        <p:style>
+          <a:lnRef idx="1">
+            <a:schemeClr val="accent1"/>
+          </a:lnRef>
+          <a:fillRef idx="0">
+            <a:schemeClr val="accent1"/>
+          </a:fillRef>
+          <a:effectRef idx="0">
+            <a:schemeClr val="accent1"/>
+          </a:effectRef>
+          <a:fontRef idx="minor">
+            <a:schemeClr val="tx1"/>
+          </a:fontRef>
+        </p:style>
+      </p:cxnSp>
+      <p:cxnSp>
+        <p:nvCxnSpPr>
+          <p:cNvPr id="27" name="Straight Arrow Connector 26">
+            <a:extLst>
+              <a:ext uri="{FF2B5EF4-FFF2-40B4-BE49-F238E27FC236}">
+                <a16:creationId xmlns:a16="http://schemas.microsoft.com/office/drawing/2014/main" id="{CE9648E3-96D3-4DAB-8C1A-12016C82E50E}"/>
+              </a:ext>
+            </a:extLst>
+          </p:cNvPr>
+          <p:cNvCxnSpPr>
+            <a:cxnSpLocks/>
+            <a:stCxn id="31" idx="3"/>
+          </p:cNvCxnSpPr>
+          <p:nvPr/>
+        </p:nvCxnSpPr>
+        <p:spPr>
+          <a:xfrm>
+            <a:off x="1350626" y="2189660"/>
+            <a:ext cx="194615" cy="15389"/>
+          </a:xfrm>
+          <a:prstGeom prst="straightConnector1">
+            <a:avLst/>
+          </a:prstGeom>
+          <a:ln>
+            <a:solidFill>
+              <a:srgbClr val="FF0000"/>
+            </a:solidFill>
+            <a:tailEnd type="triangle"/>
+          </a:ln>
+        </p:spPr>
+        <p:style>
+          <a:lnRef idx="1">
+            <a:schemeClr val="accent1"/>
+          </a:lnRef>
+          <a:fillRef idx="0">
+            <a:schemeClr val="accent1"/>
+          </a:fillRef>
+          <a:effectRef idx="0">
+            <a:schemeClr val="accent1"/>
+          </a:effectRef>
+          <a:fontRef idx="minor">
+            <a:schemeClr val="tx1"/>
+          </a:fontRef>
+        </p:style>
+      </p:cxnSp>
+      <p:cxnSp>
+        <p:nvCxnSpPr>
+          <p:cNvPr id="28" name="Straight Arrow Connector 27">
+            <a:extLst>
+              <a:ext uri="{FF2B5EF4-FFF2-40B4-BE49-F238E27FC236}">
+                <a16:creationId xmlns:a16="http://schemas.microsoft.com/office/drawing/2014/main" id="{25F3097C-10A4-4731-A54C-28061662A020}"/>
+              </a:ext>
+            </a:extLst>
+          </p:cNvPr>
+          <p:cNvCxnSpPr/>
+          <p:nvPr/>
+        </p:nvCxnSpPr>
+        <p:spPr>
+          <a:xfrm>
+            <a:off x="1082180" y="1698359"/>
+            <a:ext cx="465302" cy="0"/>
+          </a:xfrm>
+          <a:prstGeom prst="straightConnector1">
+            <a:avLst/>
+          </a:prstGeom>
+          <a:ln>
+            <a:solidFill>
+              <a:srgbClr val="FF0000"/>
+            </a:solidFill>
+            <a:tailEnd type="triangle"/>
+          </a:ln>
+        </p:spPr>
+        <p:style>
+          <a:lnRef idx="1">
+            <a:schemeClr val="accent1"/>
+          </a:lnRef>
+          <a:fillRef idx="0">
+            <a:schemeClr val="accent1"/>
+          </a:fillRef>
+          <a:effectRef idx="0">
+            <a:schemeClr val="accent1"/>
+          </a:effectRef>
+          <a:fontRef idx="minor">
+            <a:schemeClr val="tx1"/>
+          </a:fontRef>
+        </p:style>
+      </p:cxnSp>
+      <p:sp>
+        <p:nvSpPr>
+          <p:cNvPr id="29" name="Rectangle 28">
+            <a:extLst>
+              <a:ext uri="{FF2B5EF4-FFF2-40B4-BE49-F238E27FC236}">
+                <a16:creationId xmlns:a16="http://schemas.microsoft.com/office/drawing/2014/main" id="{1324C8A2-96DD-4CE4-B153-67154F6CB85A}"/>
+              </a:ext>
+            </a:extLst>
+          </p:cNvPr>
+          <p:cNvSpPr/>
+          <p:nvPr/>
+        </p:nvSpPr>
+        <p:spPr>
+          <a:xfrm>
+            <a:off x="289629" y="1549685"/>
+            <a:ext cx="665567" cy="276999"/>
+          </a:xfrm>
+          <a:prstGeom prst="rect">
+            <a:avLst/>
+          </a:prstGeom>
+        </p:spPr>
+        <p:txBody>
+          <a:bodyPr wrap="none">
+            <a:spAutoFit/>
+          </a:bodyPr>
+          <a:lstStyle/>
+          <a:p>
+            <a:r>
+              <a:rPr lang="en-US" sz="1200" b="1" dirty="0">
                 <a:latin typeface="GNUTypewriter" panose="02000503000000000000" pitchFamily="2" charset="-52"/>
               </a:rPr>
               <a:t>False</a:t>
             </a:r>
           </a:p>
-          <a:p>
-            <a:pPr marL="742950" lvl="1" indent="-285750">
-              <a:buFontTx/>
-              <a:buChar char="-"/>
-            </a:pPr>
-            <a:r>
-              <a:rPr lang="en-US" dirty="0">
-                <a:solidFill>
-                  <a:srgbClr val="FF0000"/>
-                </a:solidFill>
+        </p:txBody>
+      </p:sp>
+      <p:sp>
+        <p:nvSpPr>
+          <p:cNvPr id="31" name="Rectangle 30">
+            <a:extLst>
+              <a:ext uri="{FF2B5EF4-FFF2-40B4-BE49-F238E27FC236}">
+                <a16:creationId xmlns:a16="http://schemas.microsoft.com/office/drawing/2014/main" id="{3CF603DA-1DF3-4D80-AA34-3ABF0EDE1B68}"/>
+              </a:ext>
+            </a:extLst>
+          </p:cNvPr>
+          <p:cNvSpPr/>
+          <p:nvPr/>
+        </p:nvSpPr>
+        <p:spPr>
+          <a:xfrm>
+            <a:off x="11798" y="2051160"/>
+            <a:ext cx="1338828" cy="276999"/>
+          </a:xfrm>
+          <a:prstGeom prst="rect">
+            <a:avLst/>
+          </a:prstGeom>
+        </p:spPr>
+        <p:txBody>
+          <a:bodyPr wrap="none">
+            <a:spAutoFit/>
+          </a:bodyPr>
+          <a:lstStyle/>
+          <a:p>
+            <a:r>
+              <a:rPr lang="en-US" sz="1200" b="1" dirty="0">
                 <a:latin typeface="GNUTypewriter" panose="02000503000000000000" pitchFamily="2" charset="-52"/>
               </a:rPr>
-              <a:t>Mostly false</a:t>
-            </a:r>
-          </a:p>
-          <a:p>
-            <a:pPr marL="742950" lvl="1" indent="-285750">
-              <a:buFontTx/>
-              <a:buChar char="-"/>
-            </a:pPr>
-            <a:r>
-              <a:rPr lang="en-US" dirty="0">
-                <a:solidFill>
-                  <a:srgbClr val="FF0000"/>
-                </a:solidFill>
+              <a:t>Mostly False</a:t>
+            </a:r>
+          </a:p>
+        </p:txBody>
+      </p:sp>
+      <p:sp>
+        <p:nvSpPr>
+          <p:cNvPr id="32" name="Rectangle 31">
+            <a:extLst>
+              <a:ext uri="{FF2B5EF4-FFF2-40B4-BE49-F238E27FC236}">
+                <a16:creationId xmlns:a16="http://schemas.microsoft.com/office/drawing/2014/main" id="{1D410DEC-4A89-4BBA-B70C-F7AF10297526}"/>
+              </a:ext>
+            </a:extLst>
+          </p:cNvPr>
+          <p:cNvSpPr/>
+          <p:nvPr/>
+        </p:nvSpPr>
+        <p:spPr>
+          <a:xfrm>
+            <a:off x="311809" y="4417435"/>
+            <a:ext cx="569387" cy="276999"/>
+          </a:xfrm>
+          <a:prstGeom prst="rect">
+            <a:avLst/>
+          </a:prstGeom>
+        </p:spPr>
+        <p:txBody>
+          <a:bodyPr wrap="none">
+            <a:spAutoFit/>
+          </a:bodyPr>
+          <a:lstStyle/>
+          <a:p>
+            <a:r>
+              <a:rPr lang="en-US" sz="1200" b="1" dirty="0">
+                <a:latin typeface="GNUTypewriter" panose="02000503000000000000" pitchFamily="2" charset="-52"/>
+              </a:rPr>
+              <a:t>True</a:t>
+            </a:r>
+          </a:p>
+        </p:txBody>
+      </p:sp>
+      <p:sp>
+        <p:nvSpPr>
+          <p:cNvPr id="33" name="Rectangle 32">
+            <a:extLst>
+              <a:ext uri="{FF2B5EF4-FFF2-40B4-BE49-F238E27FC236}">
+                <a16:creationId xmlns:a16="http://schemas.microsoft.com/office/drawing/2014/main" id="{E64E8C0A-4B49-4FE9-A4D7-9D3C180E2746}"/>
+              </a:ext>
+            </a:extLst>
+          </p:cNvPr>
+          <p:cNvSpPr/>
+          <p:nvPr/>
+        </p:nvSpPr>
+        <p:spPr>
+          <a:xfrm>
+            <a:off x="33084" y="4030039"/>
+            <a:ext cx="1242648" cy="276999"/>
+          </a:xfrm>
+          <a:prstGeom prst="rect">
+            <a:avLst/>
+          </a:prstGeom>
+        </p:spPr>
+        <p:txBody>
+          <a:bodyPr wrap="none">
+            <a:spAutoFit/>
+          </a:bodyPr>
+          <a:lstStyle/>
+          <a:p>
+            <a:r>
+              <a:rPr lang="en-US" sz="1200" b="1" dirty="0">
                 <a:latin typeface="GNUTypewriter" panose="02000503000000000000" pitchFamily="2" charset="-52"/>
               </a:rPr>
               <a:t>Mostly True</a:t>
             </a:r>
           </a:p>
-          <a:p>
-            <a:pPr marL="742950" lvl="1" indent="-285750">
-              <a:buFontTx/>
-              <a:buChar char="-"/>
-            </a:pPr>
-            <a:r>
-              <a:rPr lang="en-US" dirty="0">
-                <a:solidFill>
-                  <a:srgbClr val="FF0000"/>
-                </a:solidFill>
-                <a:latin typeface="GNUTypewriter" panose="02000503000000000000" pitchFamily="2" charset="-52"/>
-              </a:rPr>
-              <a:t>True</a:t>
-            </a:r>
-          </a:p>
-        </p:txBody>
-      </p:sp>
-      <p:sp>
-        <p:nvSpPr>
-          <p:cNvPr id="24" name="Rectangle 23">
-            <a:extLst>
-              <a:ext uri="{FF2B5EF4-FFF2-40B4-BE49-F238E27FC236}">
-                <a16:creationId xmlns:a16="http://schemas.microsoft.com/office/drawing/2014/main" id="{E4ED3E50-974C-44A1-B49E-6FD82F396791}"/>
-              </a:ext>
-            </a:extLst>
-          </p:cNvPr>
-          <p:cNvSpPr/>
-          <p:nvPr/>
-        </p:nvSpPr>
-        <p:spPr>
-          <a:xfrm>
-            <a:off x="276226" y="2792886"/>
-            <a:ext cx="11639548" cy="533643"/>
-          </a:xfrm>
-          <a:prstGeom prst="rect">
-            <a:avLst/>
-          </a:prstGeom>
-        </p:spPr>
-        <p:style>
-          <a:lnRef idx="1">
-            <a:schemeClr val="accent4"/>
-          </a:lnRef>
-          <a:fillRef idx="2">
-            <a:schemeClr val="accent4"/>
-          </a:fillRef>
-          <a:effectRef idx="1">
-            <a:schemeClr val="accent4"/>
-          </a:effectRef>
-          <a:fontRef idx="minor">
-            <a:schemeClr val="dk1"/>
-          </a:fontRef>
-        </p:style>
-        <p:txBody>
-          <a:bodyPr rtlCol="0" anchor="ctr"/>
-          <a:lstStyle/>
-          <a:p>
-            <a:pPr algn="ctr"/>
-            <a:r>
-              <a:rPr lang="en-US" dirty="0"/>
-              <a:t>Talking points are : What data we looked at and where we eventually got</a:t>
-            </a:r>
-          </a:p>
         </p:txBody>
       </p:sp>
     </p:spTree>
     <p:extLst>
       <p:ext uri="{BB962C8B-B14F-4D97-AF65-F5344CB8AC3E}">
-        <p14:creationId xmlns:p14="http://schemas.microsoft.com/office/powerpoint/2010/main" val="1898965207"/>
+        <p14:creationId xmlns:p14="http://schemas.microsoft.com/office/powerpoint/2010/main" val="3545110084"/>
       </p:ext>
     </p:extLst>
   </p:cSld>
@@ -9606,7 +8888,7 @@
         <p:spPr>
           <a:xfrm>
             <a:off x="0" y="89284"/>
-            <a:ext cx="12192000" cy="923330"/>
+            <a:ext cx="12192000" cy="830997"/>
           </a:xfrm>
           <a:prstGeom prst="rect">
             <a:avLst/>
@@ -9621,7 +8903,7 @@
           <a:p>
             <a:pPr algn="ctr"/>
             <a:r>
-              <a:rPr lang="en-US" sz="5400" dirty="0">
+              <a:rPr lang="en-US" sz="4800" dirty="0">
                 <a:solidFill>
                   <a:srgbClr val="FF0000"/>
                 </a:solidFill>
@@ -9709,53 +8991,6 @@
           </a:prstGeom>
         </p:spPr>
       </p:pic>
-      <p:sp>
-        <p:nvSpPr>
-          <p:cNvPr id="8" name="Rectangle 7">
-            <a:extLst>
-              <a:ext uri="{FF2B5EF4-FFF2-40B4-BE49-F238E27FC236}">
-                <a16:creationId xmlns:a16="http://schemas.microsoft.com/office/drawing/2014/main" id="{3DEE14F8-FA81-4ABA-8D3D-C074EDCC75AA}"/>
-              </a:ext>
-            </a:extLst>
-          </p:cNvPr>
-          <p:cNvSpPr/>
-          <p:nvPr/>
-        </p:nvSpPr>
-        <p:spPr>
-          <a:xfrm>
-            <a:off x="10622222" y="6209596"/>
-            <a:ext cx="1457660" cy="533643"/>
-          </a:xfrm>
-          <a:prstGeom prst="rect">
-            <a:avLst/>
-          </a:prstGeom>
-        </p:spPr>
-        <p:style>
-          <a:lnRef idx="1">
-            <a:schemeClr val="accent4"/>
-          </a:lnRef>
-          <a:fillRef idx="2">
-            <a:schemeClr val="accent4"/>
-          </a:fillRef>
-          <a:effectRef idx="1">
-            <a:schemeClr val="accent4"/>
-          </a:effectRef>
-          <a:fontRef idx="minor">
-            <a:schemeClr val="dk1"/>
-          </a:fontRef>
-        </p:style>
-        <p:txBody>
-          <a:bodyPr rtlCol="0" anchor="ctr"/>
-          <a:lstStyle/>
-          <a:p>
-            <a:pPr algn="ctr"/>
-            <a:r>
-              <a:rPr lang="en-US" dirty="0"/>
-              <a:t>Rich draft</a:t>
-            </a:r>
-          </a:p>
-        </p:txBody>
-      </p:sp>
       <p:pic>
         <p:nvPicPr>
           <p:cNvPr id="3" name="Picture 2">
@@ -9786,53 +9021,6 @@
           </a:prstGeom>
         </p:spPr>
       </p:pic>
-      <p:sp>
-        <p:nvSpPr>
-          <p:cNvPr id="9" name="Rectangle 8">
-            <a:extLst>
-              <a:ext uri="{FF2B5EF4-FFF2-40B4-BE49-F238E27FC236}">
-                <a16:creationId xmlns:a16="http://schemas.microsoft.com/office/drawing/2014/main" id="{90160E09-C87C-4356-9420-A5964B99C716}"/>
-              </a:ext>
-            </a:extLst>
-          </p:cNvPr>
-          <p:cNvSpPr/>
-          <p:nvPr/>
-        </p:nvSpPr>
-        <p:spPr>
-          <a:xfrm>
-            <a:off x="276226" y="2792886"/>
-            <a:ext cx="11639548" cy="533643"/>
-          </a:xfrm>
-          <a:prstGeom prst="rect">
-            <a:avLst/>
-          </a:prstGeom>
-        </p:spPr>
-        <p:style>
-          <a:lnRef idx="1">
-            <a:schemeClr val="accent4"/>
-          </a:lnRef>
-          <a:fillRef idx="2">
-            <a:schemeClr val="accent4"/>
-          </a:fillRef>
-          <a:effectRef idx="1">
-            <a:schemeClr val="accent4"/>
-          </a:effectRef>
-          <a:fontRef idx="minor">
-            <a:schemeClr val="dk1"/>
-          </a:fontRef>
-        </p:style>
-        <p:txBody>
-          <a:bodyPr rtlCol="0" anchor="ctr"/>
-          <a:lstStyle/>
-          <a:p>
-            <a:pPr algn="ctr"/>
-            <a:r>
-              <a:rPr lang="en-US" dirty="0"/>
-              <a:t>Talking points are : General discussion about vectorization permutations</a:t>
-            </a:r>
-          </a:p>
-        </p:txBody>
-      </p:sp>
     </p:spTree>
     <p:extLst>
       <p:ext uri="{BB962C8B-B14F-4D97-AF65-F5344CB8AC3E}">
@@ -9925,7 +9113,7 @@
         <p:spPr>
           <a:xfrm>
             <a:off x="0" y="89284"/>
-            <a:ext cx="12192000" cy="923330"/>
+            <a:ext cx="12192000" cy="830997"/>
           </a:xfrm>
           <a:prstGeom prst="rect">
             <a:avLst/>
@@ -9940,13 +9128,13 @@
           <a:p>
             <a:pPr algn="ctr"/>
             <a:r>
-              <a:rPr lang="en-US" sz="5400" dirty="0">
+              <a:rPr lang="en-US" sz="4800" dirty="0">
                 <a:solidFill>
                   <a:srgbClr val="FF0000"/>
                 </a:solidFill>
                 <a:latin typeface="GNUTypewriter" panose="02000503000000000000" pitchFamily="2" charset="-52"/>
               </a:rPr>
-              <a:t>Sentiment</a:t>
+              <a:t>Sentiment-Based Classifier</a:t>
             </a:r>
           </a:p>
         </p:txBody>
@@ -10076,10 +9264,10 @@
       </p:cxnSp>
       <p:sp>
         <p:nvSpPr>
-          <p:cNvPr id="12" name="Rectangle 11">
-            <a:extLst>
-              <a:ext uri="{FF2B5EF4-FFF2-40B4-BE49-F238E27FC236}">
-                <a16:creationId xmlns:a16="http://schemas.microsoft.com/office/drawing/2014/main" id="{5A9D69AD-60DB-4C76-96BB-A763073A6EA3}"/>
+          <p:cNvPr id="11" name="Rectangle 10">
+            <a:extLst>
+              <a:ext uri="{FF2B5EF4-FFF2-40B4-BE49-F238E27FC236}">
+                <a16:creationId xmlns:a16="http://schemas.microsoft.com/office/drawing/2014/main" id="{CCFAB08F-4A47-4B95-AA63-59A2F205BEA9}"/>
               </a:ext>
             </a:extLst>
           </p:cNvPr>
@@ -10088,98 +9276,279 @@
         </p:nvSpPr>
         <p:spPr>
           <a:xfrm>
-            <a:off x="10622222" y="6209596"/>
-            <a:ext cx="1457660" cy="533643"/>
+            <a:off x="448945" y="1101898"/>
+            <a:ext cx="5155863" cy="2677656"/>
           </a:xfrm>
           <a:prstGeom prst="rect">
             <a:avLst/>
           </a:prstGeom>
         </p:spPr>
-        <p:style>
-          <a:lnRef idx="1">
-            <a:schemeClr val="accent4"/>
-          </a:lnRef>
-          <a:fillRef idx="2">
-            <a:schemeClr val="accent4"/>
-          </a:fillRef>
-          <a:effectRef idx="1">
-            <a:schemeClr val="accent4"/>
-          </a:effectRef>
-          <a:fontRef idx="minor">
-            <a:schemeClr val="dk1"/>
-          </a:fontRef>
-        </p:style>
-        <p:txBody>
-          <a:bodyPr rtlCol="0" anchor="ctr"/>
+        <p:txBody>
+          <a:bodyPr wrap="square">
+            <a:spAutoFit/>
+          </a:bodyPr>
           <a:lstStyle/>
           <a:p>
-            <a:pPr algn="ctr"/>
-            <a:r>
-              <a:rPr lang="en-US" dirty="0"/>
-              <a:t>Michael draft</a:t>
-            </a:r>
-          </a:p>
-        </p:txBody>
-      </p:sp>
-      <p:sp>
-        <p:nvSpPr>
-          <p:cNvPr id="14" name="Rectangle 13">
-            <a:extLst>
-              <a:ext uri="{FF2B5EF4-FFF2-40B4-BE49-F238E27FC236}">
-                <a16:creationId xmlns:a16="http://schemas.microsoft.com/office/drawing/2014/main" id="{309F4017-EE3F-4AF3-9099-DD9C3B7A4C62}"/>
-              </a:ext>
-            </a:extLst>
-          </p:cNvPr>
-          <p:cNvSpPr/>
-          <p:nvPr/>
-        </p:nvSpPr>
-        <p:spPr>
-          <a:xfrm>
-            <a:off x="276225" y="3595592"/>
-            <a:ext cx="11639548" cy="533643"/>
+            <a:r>
+              <a:rPr lang="en-US" sz="1400" dirty="0">
+                <a:latin typeface="GNUTypewriter" panose="02000503000000000000" pitchFamily="2" charset="-52"/>
+              </a:rPr>
+              <a:t>Used AFINN lexicon; assigns word sentiment -5 to 5</a:t>
+            </a:r>
+          </a:p>
+          <a:p>
+            <a:endParaRPr lang="en-US" sz="1400" dirty="0">
+              <a:latin typeface="GNUTypewriter" panose="02000503000000000000" pitchFamily="2" charset="-52"/>
+            </a:endParaRPr>
+          </a:p>
+          <a:p>
+            <a:r>
+              <a:rPr lang="en-US" sz="1400" dirty="0" err="1">
+                <a:latin typeface="GNUTypewriter" panose="02000503000000000000" pitchFamily="2" charset="-52"/>
+              </a:rPr>
+              <a:t>XGBoost</a:t>
+            </a:r>
+            <a:r>
+              <a:rPr lang="en-US" sz="1400" dirty="0">
+                <a:latin typeface="GNUTypewriter" panose="02000503000000000000" pitchFamily="2" charset="-52"/>
+              </a:rPr>
+              <a:t> outperformed </a:t>
+            </a:r>
+            <a:r>
+              <a:rPr lang="en-US" sz="1400" dirty="0" err="1">
+                <a:latin typeface="GNUTypewriter" panose="02000503000000000000" pitchFamily="2" charset="-52"/>
+              </a:rPr>
+              <a:t>RandomForest</a:t>
+            </a:r>
+            <a:r>
+              <a:rPr lang="en-US" sz="1400" dirty="0">
+                <a:latin typeface="GNUTypewriter" panose="02000503000000000000" pitchFamily="2" charset="-52"/>
+              </a:rPr>
+              <a:t> and SVM</a:t>
+            </a:r>
+          </a:p>
+          <a:p>
+            <a:endParaRPr lang="en-US" sz="1400" dirty="0">
+              <a:latin typeface="GNUTypewriter" panose="02000503000000000000" pitchFamily="2" charset="-52"/>
+            </a:endParaRPr>
+          </a:p>
+          <a:p>
+            <a:r>
+              <a:rPr lang="en-US" sz="1400" dirty="0">
+                <a:latin typeface="GNUTypewriter" panose="02000503000000000000" pitchFamily="2" charset="-52"/>
+              </a:rPr>
+              <a:t>77% accuracy classifying very fake vs. very reliable</a:t>
+            </a:r>
+          </a:p>
+          <a:p>
+            <a:endParaRPr lang="en-US" sz="1400" dirty="0">
+              <a:latin typeface="GNUTypewriter" panose="02000503000000000000" pitchFamily="2" charset="-52"/>
+            </a:endParaRPr>
+          </a:p>
+          <a:p>
+            <a:r>
+              <a:rPr lang="en-US" sz="1400" dirty="0">
+                <a:latin typeface="GNUTypewriter" panose="02000503000000000000" pitchFamily="2" charset="-52"/>
+              </a:rPr>
+              <a:t>64.23% accuracy classifying nuanced data (four labels included equally, binary discretized: </a:t>
+            </a:r>
+            <a:r>
+              <a:rPr lang="en-US" sz="1400" i="1" dirty="0">
+                <a:latin typeface="GNUTypewriter" panose="02000503000000000000" pitchFamily="2" charset="-52"/>
+              </a:rPr>
+              <a:t>Fake </a:t>
+            </a:r>
+            <a:r>
+              <a:rPr lang="en-US" sz="1400" dirty="0">
+                <a:latin typeface="GNUTypewriter" panose="02000503000000000000" pitchFamily="2" charset="-52"/>
+              </a:rPr>
+              <a:t>and </a:t>
+            </a:r>
+            <a:r>
+              <a:rPr lang="en-US" sz="1400" i="1" dirty="0">
+                <a:latin typeface="GNUTypewriter" panose="02000503000000000000" pitchFamily="2" charset="-52"/>
+              </a:rPr>
+              <a:t>Bias </a:t>
+            </a:r>
+            <a:r>
+              <a:rPr lang="en-US" sz="1400" dirty="0">
+                <a:latin typeface="GNUTypewriter" panose="02000503000000000000" pitchFamily="2" charset="-52"/>
+              </a:rPr>
+              <a:t>as FALSE, </a:t>
+            </a:r>
+            <a:r>
+              <a:rPr lang="en-US" sz="1400" i="1" dirty="0">
+                <a:latin typeface="GNUTypewriter" panose="02000503000000000000" pitchFamily="2" charset="-52"/>
+              </a:rPr>
+              <a:t>Political</a:t>
+            </a:r>
+            <a:r>
+              <a:rPr lang="en-US" sz="1400" dirty="0">
+                <a:latin typeface="GNUTypewriter" panose="02000503000000000000" pitchFamily="2" charset="-52"/>
+              </a:rPr>
+              <a:t> and </a:t>
+            </a:r>
+            <a:r>
+              <a:rPr lang="en-US" sz="1400" i="1" dirty="0">
+                <a:latin typeface="GNUTypewriter" panose="02000503000000000000" pitchFamily="2" charset="-52"/>
+              </a:rPr>
+              <a:t>Reliable</a:t>
+            </a:r>
+            <a:r>
+              <a:rPr lang="en-US" sz="1400" dirty="0">
+                <a:latin typeface="GNUTypewriter" panose="02000503000000000000" pitchFamily="2" charset="-52"/>
+              </a:rPr>
+              <a:t> as TRUE)</a:t>
+            </a:r>
+          </a:p>
+        </p:txBody>
+      </p:sp>
+      <p:pic>
+        <p:nvPicPr>
+          <p:cNvPr id="26" name="Picture 25">
+            <a:extLst>
+              <a:ext uri="{FF2B5EF4-FFF2-40B4-BE49-F238E27FC236}">
+                <a16:creationId xmlns:a16="http://schemas.microsoft.com/office/drawing/2014/main" id="{DC0CE693-DCFC-49F8-982A-8FA6C4851F4F}"/>
+              </a:ext>
+            </a:extLst>
+          </p:cNvPr>
+          <p:cNvPicPr>
+            <a:picLocks noChangeAspect="1"/>
+          </p:cNvPicPr>
+          <p:nvPr/>
+        </p:nvPicPr>
+        <p:blipFill rotWithShape="1">
+          <a:blip r:embed="rId4">
+            <a:extLst>
+              <a:ext uri="{28A0092B-C50C-407E-A947-70E740481C1C}">
+                <a14:useLocalDpi xmlns:a14="http://schemas.microsoft.com/office/drawing/2010/main" val="0"/>
+              </a:ext>
+            </a:extLst>
+          </a:blip>
+          <a:srcRect r="16055"/>
+          <a:stretch/>
+        </p:blipFill>
+        <p:spPr>
+          <a:xfrm>
+            <a:off x="68586" y="4224651"/>
+            <a:ext cx="2810296" cy="2351536"/>
           </a:xfrm>
           <a:prstGeom prst="rect">
             <a:avLst/>
           </a:prstGeom>
         </p:spPr>
-        <p:style>
-          <a:lnRef idx="1">
-            <a:schemeClr val="accent4"/>
-          </a:lnRef>
-          <a:fillRef idx="2">
-            <a:schemeClr val="accent4"/>
-          </a:fillRef>
-          <a:effectRef idx="1">
-            <a:schemeClr val="accent4"/>
-          </a:effectRef>
-          <a:fontRef idx="minor">
-            <a:schemeClr val="dk1"/>
-          </a:fontRef>
-        </p:style>
-        <p:txBody>
-          <a:bodyPr rtlCol="0" anchor="ctr"/>
-          <a:lstStyle/>
-          <a:p>
-            <a:pPr algn="ctr"/>
-            <a:r>
-              <a:rPr lang="en-US" dirty="0"/>
-              <a:t>Michael: You need to describe what you have been doing and put charts </a:t>
-            </a:r>
-            <a:r>
-              <a:rPr lang="en-US" dirty="0" err="1"/>
-              <a:t>etc</a:t>
-            </a:r>
-            <a:r>
-              <a:rPr lang="en-US" dirty="0"/>
-              <a:t> here</a:t>
-            </a:r>
-          </a:p>
-        </p:txBody>
-      </p:sp>
+      </p:pic>
+      <p:pic>
+        <p:nvPicPr>
+          <p:cNvPr id="28" name="Picture 27">
+            <a:extLst>
+              <a:ext uri="{FF2B5EF4-FFF2-40B4-BE49-F238E27FC236}">
+                <a16:creationId xmlns:a16="http://schemas.microsoft.com/office/drawing/2014/main" id="{AA9BACFF-3343-4B87-9DC7-DC20A62C9912}"/>
+              </a:ext>
+            </a:extLst>
+          </p:cNvPr>
+          <p:cNvPicPr>
+            <a:picLocks noChangeAspect="1"/>
+          </p:cNvPicPr>
+          <p:nvPr/>
+        </p:nvPicPr>
+        <p:blipFill rotWithShape="1">
+          <a:blip r:embed="rId5">
+            <a:extLst>
+              <a:ext uri="{28A0092B-C50C-407E-A947-70E740481C1C}">
+                <a14:useLocalDpi xmlns:a14="http://schemas.microsoft.com/office/drawing/2010/main" val="0"/>
+              </a:ext>
+            </a:extLst>
+          </a:blip>
+          <a:srcRect r="16338"/>
+          <a:stretch/>
+        </p:blipFill>
+        <p:spPr>
+          <a:xfrm>
+            <a:off x="3003265" y="4169555"/>
+            <a:ext cx="2926290" cy="2456877"/>
+          </a:xfrm>
+          <a:prstGeom prst="rect">
+            <a:avLst/>
+          </a:prstGeom>
+        </p:spPr>
+      </p:pic>
+      <p:pic>
+        <p:nvPicPr>
+          <p:cNvPr id="30" name="Picture 29">
+            <a:extLst>
+              <a:ext uri="{FF2B5EF4-FFF2-40B4-BE49-F238E27FC236}">
+                <a16:creationId xmlns:a16="http://schemas.microsoft.com/office/drawing/2014/main" id="{03092114-5D2D-4779-A4EA-77B0F9BBC168}"/>
+              </a:ext>
+            </a:extLst>
+          </p:cNvPr>
+          <p:cNvPicPr>
+            <a:picLocks noChangeAspect="1"/>
+          </p:cNvPicPr>
+          <p:nvPr/>
+        </p:nvPicPr>
+        <p:blipFill>
+          <a:blip r:embed="rId6">
+            <a:extLst>
+              <a:ext uri="{28A0092B-C50C-407E-A947-70E740481C1C}">
+                <a14:useLocalDpi xmlns:a14="http://schemas.microsoft.com/office/drawing/2010/main" val="0"/>
+              </a:ext>
+            </a:extLst>
+          </a:blip>
+          <a:stretch>
+            <a:fillRect/>
+          </a:stretch>
+        </p:blipFill>
+        <p:spPr>
+          <a:xfrm>
+            <a:off x="6633639" y="1095392"/>
+            <a:ext cx="4297960" cy="2591829"/>
+          </a:xfrm>
+          <a:prstGeom prst="rect">
+            <a:avLst/>
+          </a:prstGeom>
+        </p:spPr>
+      </p:pic>
+      <p:pic>
+        <p:nvPicPr>
+          <p:cNvPr id="32" name="Picture 31">
+            <a:extLst>
+              <a:ext uri="{FF2B5EF4-FFF2-40B4-BE49-F238E27FC236}">
+                <a16:creationId xmlns:a16="http://schemas.microsoft.com/office/drawing/2014/main" id="{C7FFF2D3-F7DA-44CB-9159-E2FEC729E9EB}"/>
+              </a:ext>
+            </a:extLst>
+          </p:cNvPr>
+          <p:cNvPicPr>
+            <a:picLocks noChangeAspect="1"/>
+          </p:cNvPicPr>
+          <p:nvPr/>
+        </p:nvPicPr>
+        <p:blipFill>
+          <a:blip r:embed="rId7">
+            <a:extLst>
+              <a:ext uri="{28A0092B-C50C-407E-A947-70E740481C1C}">
+                <a14:useLocalDpi xmlns:a14="http://schemas.microsoft.com/office/drawing/2010/main" val="0"/>
+              </a:ext>
+            </a:extLst>
+          </a:blip>
+          <a:stretch>
+            <a:fillRect/>
+          </a:stretch>
+        </p:blipFill>
+        <p:spPr>
+          <a:xfrm>
+            <a:off x="6157519" y="4718756"/>
+            <a:ext cx="6034481" cy="1358474"/>
+          </a:xfrm>
+          <a:prstGeom prst="rect">
+            <a:avLst/>
+          </a:prstGeom>
+        </p:spPr>
+      </p:pic>
     </p:spTree>
     <p:extLst>
       <p:ext uri="{BB962C8B-B14F-4D97-AF65-F5344CB8AC3E}">
-        <p14:creationId xmlns:p14="http://schemas.microsoft.com/office/powerpoint/2010/main" val="393648617"/>
+        <p14:creationId xmlns:p14="http://schemas.microsoft.com/office/powerpoint/2010/main" val="846924997"/>
       </p:ext>
     </p:extLst>
   </p:cSld>
@@ -10268,7 +9637,7 @@
         <p:spPr>
           <a:xfrm>
             <a:off x="0" y="89284"/>
-            <a:ext cx="12192000" cy="923330"/>
+            <a:ext cx="12192000" cy="830997"/>
           </a:xfrm>
           <a:prstGeom prst="rect">
             <a:avLst/>
@@ -10283,13 +9652,13 @@
           <a:p>
             <a:pPr algn="ctr"/>
             <a:r>
-              <a:rPr lang="en-US" sz="5400" dirty="0">
+              <a:rPr lang="en-US" sz="4800" dirty="0">
                 <a:solidFill>
                   <a:srgbClr val="FF0000"/>
                 </a:solidFill>
                 <a:latin typeface="GNUTypewriter" panose="02000503000000000000" pitchFamily="2" charset="-52"/>
               </a:rPr>
-              <a:t>Veracity Classification</a:t>
+              <a:t>Veracity Classifier</a:t>
             </a:r>
           </a:p>
         </p:txBody>
@@ -10419,10 +9788,10 @@
       </p:cxnSp>
       <p:pic>
         <p:nvPicPr>
-          <p:cNvPr id="2" name="Picture 1">
-            <a:extLst>
-              <a:ext uri="{FF2B5EF4-FFF2-40B4-BE49-F238E27FC236}">
-                <a16:creationId xmlns:a16="http://schemas.microsoft.com/office/drawing/2014/main" id="{0F05245A-9689-4454-A21B-F3DBD08C606F}"/>
+          <p:cNvPr id="3" name="Picture 2">
+            <a:extLst>
+              <a:ext uri="{FF2B5EF4-FFF2-40B4-BE49-F238E27FC236}">
+                <a16:creationId xmlns:a16="http://schemas.microsoft.com/office/drawing/2014/main" id="{60ACE32A-5959-4D94-BEC7-5BA9702544CB}"/>
               </a:ext>
             </a:extLst>
           </p:cNvPr>
@@ -10439,20 +9808,175 @@
         </p:blipFill>
         <p:spPr>
           <a:xfrm>
-            <a:off x="7012978" y="1012614"/>
-            <a:ext cx="4048124" cy="2680597"/>
+            <a:off x="676274" y="3958282"/>
+            <a:ext cx="4314815" cy="2810391"/>
           </a:xfrm>
           <a:prstGeom prst="rect">
             <a:avLst/>
           </a:prstGeom>
         </p:spPr>
       </p:pic>
+      <p:sp>
+        <p:nvSpPr>
+          <p:cNvPr id="5" name="TextBox 4">
+            <a:extLst>
+              <a:ext uri="{FF2B5EF4-FFF2-40B4-BE49-F238E27FC236}">
+                <a16:creationId xmlns:a16="http://schemas.microsoft.com/office/drawing/2014/main" id="{301347A0-7B3F-4B51-B50E-0FBBFEDE903D}"/>
+              </a:ext>
+            </a:extLst>
+          </p:cNvPr>
+          <p:cNvSpPr txBox="1"/>
+          <p:nvPr/>
+        </p:nvSpPr>
+        <p:spPr>
+          <a:xfrm>
+            <a:off x="257174" y="927122"/>
+            <a:ext cx="5629273" cy="2492990"/>
+          </a:xfrm>
+          <a:prstGeom prst="rect">
+            <a:avLst/>
+          </a:prstGeom>
+          <a:noFill/>
+        </p:spPr>
+        <p:txBody>
+          <a:bodyPr wrap="square" rtlCol="0">
+            <a:spAutoFit/>
+          </a:bodyPr>
+          <a:lstStyle/>
+          <a:p>
+            <a:r>
+              <a:rPr lang="en-US" sz="1200" dirty="0">
+                <a:latin typeface="GNUTypewriter" panose="02000503000000000000" pitchFamily="2" charset="-52"/>
+              </a:rPr>
+              <a:t>Classify documents by Veracity: False, Mostly False, Mostly True, True</a:t>
+            </a:r>
+          </a:p>
+          <a:p>
+            <a:endParaRPr lang="en-US" sz="1200" dirty="0">
+              <a:latin typeface="GNUTypewriter" panose="02000503000000000000" pitchFamily="2" charset="-52"/>
+            </a:endParaRPr>
+          </a:p>
+          <a:p>
+            <a:r>
+              <a:rPr lang="en-US" sz="1200" dirty="0">
+                <a:latin typeface="GNUTypewriter" panose="02000503000000000000" pitchFamily="2" charset="-52"/>
+              </a:rPr>
+              <a:t>11 Rules-based iterations of the Vectorizer process were run using the input documents as described. For each Vectorized set, 3 classifiers were trained and applied to 3 test sets:</a:t>
+            </a:r>
+          </a:p>
+          <a:p>
+            <a:pPr marL="285750" indent="-285750">
+              <a:buFontTx/>
+              <a:buChar char="-"/>
+            </a:pPr>
+            <a:r>
+              <a:rPr lang="en-US" sz="1200" dirty="0">
+                <a:latin typeface="GNUTypewriter" panose="02000503000000000000" pitchFamily="2" charset="-52"/>
+              </a:rPr>
+              <a:t>Multinomial NB</a:t>
+            </a:r>
+          </a:p>
+          <a:p>
+            <a:pPr marL="285750" indent="-285750">
+              <a:buFontTx/>
+              <a:buChar char="-"/>
+            </a:pPr>
+            <a:r>
+              <a:rPr lang="en-US" sz="1200" dirty="0">
+                <a:latin typeface="GNUTypewriter" panose="02000503000000000000" pitchFamily="2" charset="-52"/>
+              </a:rPr>
+              <a:t>Linear SVC</a:t>
+            </a:r>
+          </a:p>
+          <a:p>
+            <a:pPr marL="285750" indent="-285750">
+              <a:buFontTx/>
+              <a:buChar char="-"/>
+            </a:pPr>
+            <a:r>
+              <a:rPr lang="en-US" sz="1200" dirty="0">
+                <a:latin typeface="GNUTypewriter" panose="02000503000000000000" pitchFamily="2" charset="-52"/>
+              </a:rPr>
+              <a:t>Random Forest</a:t>
+            </a:r>
+          </a:p>
+          <a:p>
+            <a:r>
+              <a:rPr lang="en-US" sz="1200" dirty="0">
+                <a:latin typeface="GNUTypewriter" panose="02000503000000000000" pitchFamily="2" charset="-52"/>
+              </a:rPr>
+              <a:t>The fourth model, SVC with </a:t>
+            </a:r>
+            <a:r>
+              <a:rPr lang="en-US" sz="1200" dirty="0" err="1">
+                <a:latin typeface="GNUTypewriter" panose="02000503000000000000" pitchFamily="2" charset="-52"/>
+              </a:rPr>
+              <a:t>rbf</a:t>
+            </a:r>
+            <a:r>
+              <a:rPr lang="en-US" sz="1200" dirty="0">
+                <a:latin typeface="GNUTypewriter" panose="02000503000000000000" pitchFamily="2" charset="-52"/>
+              </a:rPr>
+              <a:t> kernel was too slow)</a:t>
+            </a:r>
+          </a:p>
+          <a:p>
+            <a:endParaRPr lang="en-US" sz="1200" dirty="0">
+              <a:latin typeface="GNUTypewriter" panose="02000503000000000000" pitchFamily="2" charset="-52"/>
+            </a:endParaRPr>
+          </a:p>
+          <a:p>
+            <a:r>
+              <a:rPr lang="en-US" sz="1200" dirty="0">
+                <a:latin typeface="GNUTypewriter" panose="02000503000000000000" pitchFamily="2" charset="-52"/>
+              </a:rPr>
+              <a:t>Model chosen is the one with the highest accuracy</a:t>
+            </a:r>
+          </a:p>
+        </p:txBody>
+      </p:sp>
+      <p:sp>
+        <p:nvSpPr>
+          <p:cNvPr id="14" name="TextBox 13">
+            <a:extLst>
+              <a:ext uri="{FF2B5EF4-FFF2-40B4-BE49-F238E27FC236}">
+                <a16:creationId xmlns:a16="http://schemas.microsoft.com/office/drawing/2014/main" id="{C052FE78-522A-49DD-A840-B5D441351100}"/>
+              </a:ext>
+            </a:extLst>
+          </p:cNvPr>
+          <p:cNvSpPr txBox="1"/>
+          <p:nvPr/>
+        </p:nvSpPr>
+        <p:spPr>
+          <a:xfrm>
+            <a:off x="-272192" y="6660951"/>
+            <a:ext cx="1457658" cy="215444"/>
+          </a:xfrm>
+          <a:prstGeom prst="rect">
+            <a:avLst/>
+          </a:prstGeom>
+          <a:noFill/>
+        </p:spPr>
+        <p:txBody>
+          <a:bodyPr wrap="square" rtlCol="0">
+            <a:spAutoFit/>
+          </a:bodyPr>
+          <a:lstStyle/>
+          <a:p>
+            <a:pPr algn="ctr"/>
+            <a:r>
+              <a:rPr lang="en-US" sz="800" b="1" u="sng" dirty="0"/>
+              <a:t>20191203 21:47:32</a:t>
+            </a:r>
+          </a:p>
+        </p:txBody>
+      </p:sp>
       <p:pic>
         <p:nvPicPr>
-          <p:cNvPr id="3" name="Picture 2">
-            <a:extLst>
-              <a:ext uri="{FF2B5EF4-FFF2-40B4-BE49-F238E27FC236}">
-                <a16:creationId xmlns:a16="http://schemas.microsoft.com/office/drawing/2014/main" id="{60ACE32A-5959-4D94-BEC7-5BA9702544CB}"/>
+          <p:cNvPr id="7" name="Picture 6">
+            <a:extLst>
+              <a:ext uri="{FF2B5EF4-FFF2-40B4-BE49-F238E27FC236}">
+                <a16:creationId xmlns:a16="http://schemas.microsoft.com/office/drawing/2014/main" id="{25491A25-71B7-40A4-B4A1-5A7ABE1CBD20}"/>
               </a:ext>
             </a:extLst>
           </p:cNvPr>
@@ -10469,8 +9993,8 @@
         </p:blipFill>
         <p:spPr>
           <a:xfrm>
-            <a:off x="676274" y="3958282"/>
-            <a:ext cx="4314815" cy="2810391"/>
+            <a:off x="7071770" y="1083080"/>
+            <a:ext cx="3998184" cy="2606455"/>
           </a:xfrm>
           <a:prstGeom prst="rect">
             <a:avLst/>
@@ -10479,10 +10003,10 @@
       </p:pic>
       <p:sp>
         <p:nvSpPr>
-          <p:cNvPr id="5" name="TextBox 4">
-            <a:extLst>
-              <a:ext uri="{FF2B5EF4-FFF2-40B4-BE49-F238E27FC236}">
-                <a16:creationId xmlns:a16="http://schemas.microsoft.com/office/drawing/2014/main" id="{301347A0-7B3F-4B51-B50E-0FBBFEDE903D}"/>
+          <p:cNvPr id="16" name="TextBox 15">
+            <a:extLst>
+              <a:ext uri="{FF2B5EF4-FFF2-40B4-BE49-F238E27FC236}">
+                <a16:creationId xmlns:a16="http://schemas.microsoft.com/office/drawing/2014/main" id="{8D773D0F-4859-45B6-9D76-7A1750A527DA}"/>
               </a:ext>
             </a:extLst>
           </p:cNvPr>
@@ -10491,8 +10015,8 @@
         </p:nvSpPr>
         <p:spPr>
           <a:xfrm>
-            <a:off x="257174" y="927122"/>
-            <a:ext cx="5629273" cy="2462213"/>
+            <a:off x="7386638" y="3966162"/>
+            <a:ext cx="3238500" cy="307777"/>
           </a:xfrm>
           <a:prstGeom prst="rect">
             <a:avLst/>
@@ -10505,267 +10029,44 @@
           </a:bodyPr>
           <a:lstStyle/>
           <a:p>
-            <a:r>
-              <a:rPr lang="en-US" sz="1400" dirty="0"/>
-              <a:t>Classify documents by Veracity: False, Mostly False, Mostly True, True</a:t>
-            </a:r>
-          </a:p>
-          <a:p>
-            <a:endParaRPr lang="en-US" sz="1400" dirty="0"/>
-          </a:p>
-          <a:p>
-            <a:r>
-              <a:rPr lang="en-US" sz="1400" dirty="0"/>
-              <a:t>11 Rules-based iterations of the Vectorizer process were run using the input documents as described. For each Vectorized set, 3 classifiers were trained and applied to 3 test sets:</a:t>
-            </a:r>
-          </a:p>
-          <a:p>
-            <a:pPr marL="285750" indent="-285750">
-              <a:buFontTx/>
-              <a:buChar char="-"/>
-            </a:pPr>
-            <a:r>
-              <a:rPr lang="en-US" sz="1400" dirty="0"/>
-              <a:t>Multinomial NB</a:t>
-            </a:r>
-          </a:p>
-          <a:p>
-            <a:pPr marL="285750" indent="-285750">
-              <a:buFontTx/>
-              <a:buChar char="-"/>
-            </a:pPr>
-            <a:r>
-              <a:rPr lang="en-US" sz="1400" dirty="0"/>
-              <a:t>Linear SVC</a:t>
-            </a:r>
-          </a:p>
-          <a:p>
-            <a:pPr marL="285750" indent="-285750">
-              <a:buFontTx/>
-              <a:buChar char="-"/>
-            </a:pPr>
-            <a:r>
-              <a:rPr lang="en-US" sz="1400" dirty="0"/>
-              <a:t>Random Forest</a:t>
-            </a:r>
-          </a:p>
-          <a:p>
-            <a:r>
-              <a:rPr lang="en-US" sz="1400" dirty="0"/>
-              <a:t>The fourth model, SVC with </a:t>
-            </a:r>
-            <a:r>
-              <a:rPr lang="en-US" sz="1400" dirty="0" err="1"/>
-              <a:t>rbf</a:t>
-            </a:r>
-            <a:r>
-              <a:rPr lang="en-US" sz="1400" dirty="0"/>
-              <a:t> kernel was too slow)</a:t>
-            </a:r>
-          </a:p>
-          <a:p>
-            <a:endParaRPr lang="en-US" sz="1400" dirty="0"/>
-          </a:p>
-          <a:p>
-            <a:r>
-              <a:rPr lang="en-US" sz="1400" dirty="0"/>
-              <a:t>Model chosen is the one with the highest accuracy</a:t>
-            </a:r>
-          </a:p>
-        </p:txBody>
-      </p:sp>
-      <p:sp>
-        <p:nvSpPr>
-          <p:cNvPr id="11" name="TextBox 10">
-            <a:extLst>
-              <a:ext uri="{FF2B5EF4-FFF2-40B4-BE49-F238E27FC236}">
-                <a16:creationId xmlns:a16="http://schemas.microsoft.com/office/drawing/2014/main" id="{E4E43602-6928-4470-A3D3-EDAE7422AF4F}"/>
-              </a:ext>
-            </a:extLst>
-          </p:cNvPr>
-          <p:cNvSpPr txBox="1"/>
-          <p:nvPr/>
-        </p:nvSpPr>
-        <p:spPr>
-          <a:xfrm>
-            <a:off x="6286502" y="3976737"/>
-            <a:ext cx="5629273" cy="1600438"/>
+            <a:pPr algn="ctr"/>
+            <a:r>
+              <a:rPr lang="en-US" sz="1400" b="1" u="sng" dirty="0"/>
+              <a:t>Confusion Matrix and Classification</a:t>
+            </a:r>
+          </a:p>
+        </p:txBody>
+      </p:sp>
+      <p:pic>
+        <p:nvPicPr>
+          <p:cNvPr id="8" name="Picture 7">
+            <a:extLst>
+              <a:ext uri="{FF2B5EF4-FFF2-40B4-BE49-F238E27FC236}">
+                <a16:creationId xmlns:a16="http://schemas.microsoft.com/office/drawing/2014/main" id="{5009077F-D51B-4D2E-AC83-94427B274CD9}"/>
+              </a:ext>
+            </a:extLst>
+          </p:cNvPr>
+          <p:cNvPicPr>
+            <a:picLocks noChangeAspect="1"/>
+          </p:cNvPicPr>
+          <p:nvPr/>
+        </p:nvPicPr>
+        <p:blipFill>
+          <a:blip r:embed="rId6"/>
+          <a:stretch>
+            <a:fillRect/>
+          </a:stretch>
+        </p:blipFill>
+        <p:spPr>
+          <a:xfrm>
+            <a:off x="7024291" y="4273939"/>
+            <a:ext cx="4391521" cy="2529517"/>
           </a:xfrm>
           <a:prstGeom prst="rect">
             <a:avLst/>
           </a:prstGeom>
-          <a:noFill/>
-        </p:spPr>
-        <p:txBody>
-          <a:bodyPr wrap="square" rtlCol="0">
-            <a:spAutoFit/>
-          </a:bodyPr>
-          <a:lstStyle/>
-          <a:p>
-            <a:r>
-              <a:rPr lang="en-US" sz="1400" dirty="0"/>
-              <a:t>For Vectorization iteration 10, with model RF, accuracy is 89%</a:t>
-            </a:r>
-          </a:p>
-          <a:p>
-            <a:endParaRPr lang="en-US" sz="1400" dirty="0"/>
-          </a:p>
-          <a:p>
-            <a:r>
-              <a:rPr lang="en-US" sz="1400" dirty="0"/>
-              <a:t>Confusion Matrix is:</a:t>
-            </a:r>
-          </a:p>
-          <a:p>
-            <a:endParaRPr lang="en-US" sz="1400" dirty="0"/>
-          </a:p>
-          <a:p>
-            <a:r>
-              <a:rPr lang="en-US" sz="1400" dirty="0"/>
-              <a:t>Confidence Matrix is:</a:t>
-            </a:r>
-          </a:p>
-          <a:p>
-            <a:endParaRPr lang="en-US" sz="1400" dirty="0"/>
-          </a:p>
-          <a:p>
-            <a:r>
-              <a:rPr lang="en-US" sz="1400" dirty="0"/>
-              <a:t>Accuracy is</a:t>
-            </a:r>
-          </a:p>
-        </p:txBody>
-      </p:sp>
-      <p:sp>
-        <p:nvSpPr>
-          <p:cNvPr id="12" name="Rectangle 11">
-            <a:extLst>
-              <a:ext uri="{FF2B5EF4-FFF2-40B4-BE49-F238E27FC236}">
-                <a16:creationId xmlns:a16="http://schemas.microsoft.com/office/drawing/2014/main" id="{5A9D69AD-60DB-4C76-96BB-A763073A6EA3}"/>
-              </a:ext>
-            </a:extLst>
-          </p:cNvPr>
-          <p:cNvSpPr/>
-          <p:nvPr/>
-        </p:nvSpPr>
-        <p:spPr>
-          <a:xfrm>
-            <a:off x="10622222" y="6209596"/>
-            <a:ext cx="1457660" cy="533643"/>
-          </a:xfrm>
-          <a:prstGeom prst="rect">
-            <a:avLst/>
-          </a:prstGeom>
-        </p:spPr>
-        <p:style>
-          <a:lnRef idx="1">
-            <a:schemeClr val="accent4"/>
-          </a:lnRef>
-          <a:fillRef idx="2">
-            <a:schemeClr val="accent4"/>
-          </a:fillRef>
-          <a:effectRef idx="1">
-            <a:schemeClr val="accent4"/>
-          </a:effectRef>
-          <a:fontRef idx="minor">
-            <a:schemeClr val="dk1"/>
-          </a:fontRef>
-        </p:style>
-        <p:txBody>
-          <a:bodyPr rtlCol="0" anchor="ctr"/>
-          <a:lstStyle/>
-          <a:p>
-            <a:pPr algn="ctr"/>
-            <a:r>
-              <a:rPr lang="en-US" dirty="0"/>
-              <a:t>Rich draft</a:t>
-            </a:r>
-          </a:p>
-        </p:txBody>
-      </p:sp>
-      <p:sp>
-        <p:nvSpPr>
-          <p:cNvPr id="14" name="TextBox 13">
-            <a:extLst>
-              <a:ext uri="{FF2B5EF4-FFF2-40B4-BE49-F238E27FC236}">
-                <a16:creationId xmlns:a16="http://schemas.microsoft.com/office/drawing/2014/main" id="{C052FE78-522A-49DD-A840-B5D441351100}"/>
-              </a:ext>
-            </a:extLst>
-          </p:cNvPr>
-          <p:cNvSpPr txBox="1"/>
-          <p:nvPr/>
-        </p:nvSpPr>
-        <p:spPr>
-          <a:xfrm>
-            <a:off x="-272192" y="6660951"/>
-            <a:ext cx="1457658" cy="215444"/>
-          </a:xfrm>
-          <a:prstGeom prst="rect">
-            <a:avLst/>
-          </a:prstGeom>
-          <a:noFill/>
-        </p:spPr>
-        <p:txBody>
-          <a:bodyPr wrap="square" rtlCol="0">
-            <a:spAutoFit/>
-          </a:bodyPr>
-          <a:lstStyle/>
-          <a:p>
-            <a:pPr algn="ctr"/>
-            <a:r>
-              <a:rPr lang="en-US" sz="800" b="1" u="sng" dirty="0"/>
-              <a:t>20191203 21:47:32</a:t>
-            </a:r>
-          </a:p>
-        </p:txBody>
-      </p:sp>
-      <p:sp>
-        <p:nvSpPr>
-          <p:cNvPr id="15" name="Rectangle 14">
-            <a:extLst>
-              <a:ext uri="{FF2B5EF4-FFF2-40B4-BE49-F238E27FC236}">
-                <a16:creationId xmlns:a16="http://schemas.microsoft.com/office/drawing/2014/main" id="{6E8C165F-FCE6-4DDB-8452-6E71952E40FF}"/>
-              </a:ext>
-            </a:extLst>
-          </p:cNvPr>
-          <p:cNvSpPr/>
-          <p:nvPr/>
-        </p:nvSpPr>
-        <p:spPr>
-          <a:xfrm>
-            <a:off x="276226" y="2792886"/>
-            <a:ext cx="11639548" cy="533643"/>
-          </a:xfrm>
-          <a:prstGeom prst="rect">
-            <a:avLst/>
-          </a:prstGeom>
-        </p:spPr>
-        <p:style>
-          <a:lnRef idx="1">
-            <a:schemeClr val="accent4"/>
-          </a:lnRef>
-          <a:fillRef idx="2">
-            <a:schemeClr val="accent4"/>
-          </a:fillRef>
-          <a:effectRef idx="1">
-            <a:schemeClr val="accent4"/>
-          </a:effectRef>
-          <a:fontRef idx="minor">
-            <a:schemeClr val="dk1"/>
-          </a:fontRef>
-        </p:style>
-        <p:txBody>
-          <a:bodyPr rtlCol="0" anchor="ctr"/>
-          <a:lstStyle/>
-          <a:p>
-            <a:pPr algn="ctr"/>
-            <a:r>
-              <a:rPr lang="en-US" dirty="0"/>
-              <a:t>Talking points are : multiple models run for classification</a:t>
-            </a:r>
-          </a:p>
-        </p:txBody>
-      </p:sp>
+        </p:spPr>
+      </p:pic>
     </p:spTree>
     <p:extLst>
       <p:ext uri="{BB962C8B-B14F-4D97-AF65-F5344CB8AC3E}">
@@ -10858,7 +10159,7 @@
         <p:spPr>
           <a:xfrm>
             <a:off x="0" y="89284"/>
-            <a:ext cx="12192000" cy="923330"/>
+            <a:ext cx="12192000" cy="830997"/>
           </a:xfrm>
           <a:prstGeom prst="rect">
             <a:avLst/>
@@ -10873,13 +10174,13 @@
           <a:p>
             <a:pPr algn="ctr"/>
             <a:r>
-              <a:rPr lang="en-US" sz="5400" dirty="0">
+              <a:rPr lang="en-US" sz="4800" dirty="0">
                 <a:solidFill>
                   <a:srgbClr val="FF0000"/>
                 </a:solidFill>
                 <a:latin typeface="GNUTypewriter" panose="02000503000000000000" pitchFamily="2" charset="-52"/>
               </a:rPr>
-              <a:t>True or False Prediction</a:t>
+              <a:t>Binary Classifier</a:t>
             </a:r>
           </a:p>
         </p:txBody>
@@ -10941,6 +10242,7 @@
             </a:extLst>
           </p:cNvPr>
           <p:cNvCxnSpPr>
+            <a:cxnSpLocks/>
             <a:stCxn id="6" idx="0"/>
           </p:cNvCxnSpPr>
           <p:nvPr/>
@@ -11112,7 +10414,7 @@
         <p:spPr>
           <a:xfrm>
             <a:off x="257174" y="927122"/>
-            <a:ext cx="5629273" cy="2677656"/>
+            <a:ext cx="5629273" cy="2492990"/>
           </a:xfrm>
           <a:prstGeom prst="rect">
             <a:avLst/>
@@ -11126,13 +10428,17 @@
           <a:lstStyle/>
           <a:p>
             <a:r>
-              <a:rPr lang="en-US" sz="1400" dirty="0"/>
+              <a:rPr lang="en-US" sz="1200" dirty="0">
+                <a:latin typeface="GNUTypewriter" panose="02000503000000000000" pitchFamily="2" charset="-52"/>
+              </a:rPr>
               <a:t>Label documents by Binary Veracity: True or False. Veracity was derived from classification scheme where True was set for documents that were either True or Mostly True and False was set for documents that were False or Mostly False.</a:t>
             </a:r>
           </a:p>
           <a:p>
             <a:r>
-              <a:rPr lang="en-US" sz="1400" dirty="0"/>
+              <a:rPr lang="en-US" sz="1200" dirty="0">
+                <a:latin typeface="GNUTypewriter" panose="02000503000000000000" pitchFamily="2" charset="-52"/>
+              </a:rPr>
               <a:t>11 Rules-based iterations of the Vectorizer process were run using the input documents as described. 3 prediction models were run using the vectorized set</a:t>
             </a:r>
           </a:p>
@@ -11142,7 +10448,9 @@
               <a:buChar char="-"/>
             </a:pPr>
             <a:r>
-              <a:rPr lang="en-US" sz="1400" dirty="0"/>
+              <a:rPr lang="en-US" sz="1200" dirty="0">
+                <a:latin typeface="GNUTypewriter" panose="02000503000000000000" pitchFamily="2" charset="-52"/>
+              </a:rPr>
               <a:t>Multinomial NB</a:t>
             </a:r>
           </a:p>
@@ -11152,7 +10460,9 @@
               <a:buChar char="-"/>
             </a:pPr>
             <a:r>
-              <a:rPr lang="en-US" sz="1400" dirty="0"/>
+              <a:rPr lang="en-US" sz="1200" dirty="0">
+                <a:latin typeface="GNUTypewriter" panose="02000503000000000000" pitchFamily="2" charset="-52"/>
+              </a:rPr>
               <a:t>Linear SVC</a:t>
             </a:r>
           </a:p>
@@ -11162,16 +10472,22 @@
               <a:buChar char="-"/>
             </a:pPr>
             <a:r>
-              <a:rPr lang="en-US" sz="1400" dirty="0"/>
+              <a:rPr lang="en-US" sz="1200" dirty="0">
+                <a:latin typeface="GNUTypewriter" panose="02000503000000000000" pitchFamily="2" charset="-52"/>
+              </a:rPr>
               <a:t>Random Forest</a:t>
             </a:r>
           </a:p>
           <a:p>
-            <a:endParaRPr lang="en-US" sz="1400" dirty="0"/>
-          </a:p>
-          <a:p>
-            <a:r>
-              <a:rPr lang="en-US" sz="1400" dirty="0"/>
+            <a:endParaRPr lang="en-US" sz="1200" dirty="0">
+              <a:latin typeface="GNUTypewriter" panose="02000503000000000000" pitchFamily="2" charset="-52"/>
+            </a:endParaRPr>
+          </a:p>
+          <a:p>
+            <a:r>
+              <a:rPr lang="en-US" sz="1200" dirty="0">
+                <a:latin typeface="GNUTypewriter" panose="02000503000000000000" pitchFamily="2" charset="-52"/>
+              </a:rPr>
               <a:t>Model accurate model chosen is the iteration 9 RF.</a:t>
             </a:r>
           </a:p>
@@ -11215,53 +10531,6 @@
       </p:sp>
       <p:sp>
         <p:nvSpPr>
-          <p:cNvPr id="14" name="Rectangle 13">
-            <a:extLst>
-              <a:ext uri="{FF2B5EF4-FFF2-40B4-BE49-F238E27FC236}">
-                <a16:creationId xmlns:a16="http://schemas.microsoft.com/office/drawing/2014/main" id="{ED9BB299-1AAC-4702-92C8-FF2CE720EC85}"/>
-              </a:ext>
-            </a:extLst>
-          </p:cNvPr>
-          <p:cNvSpPr/>
-          <p:nvPr/>
-        </p:nvSpPr>
-        <p:spPr>
-          <a:xfrm>
-            <a:off x="10622222" y="6209596"/>
-            <a:ext cx="1457660" cy="533643"/>
-          </a:xfrm>
-          <a:prstGeom prst="rect">
-            <a:avLst/>
-          </a:prstGeom>
-        </p:spPr>
-        <p:style>
-          <a:lnRef idx="1">
-            <a:schemeClr val="accent4"/>
-          </a:lnRef>
-          <a:fillRef idx="2">
-            <a:schemeClr val="accent4"/>
-          </a:fillRef>
-          <a:effectRef idx="1">
-            <a:schemeClr val="accent4"/>
-          </a:effectRef>
-          <a:fontRef idx="minor">
-            <a:schemeClr val="dk1"/>
-          </a:fontRef>
-        </p:style>
-        <p:txBody>
-          <a:bodyPr rtlCol="0" anchor="ctr"/>
-          <a:lstStyle/>
-          <a:p>
-            <a:pPr algn="ctr"/>
-            <a:r>
-              <a:rPr lang="en-US" dirty="0"/>
-              <a:t>Rich draft</a:t>
-            </a:r>
-          </a:p>
-        </p:txBody>
-      </p:sp>
-      <p:sp>
-        <p:nvSpPr>
           <p:cNvPr id="15" name="TextBox 14">
             <a:extLst>
               <a:ext uri="{FF2B5EF4-FFF2-40B4-BE49-F238E27FC236}">
@@ -11292,53 +10561,6 @@
             <a:r>
               <a:rPr lang="en-US" sz="800" b="1" u="sng" dirty="0"/>
               <a:t>20191203 18:58:34</a:t>
-            </a:r>
-          </a:p>
-        </p:txBody>
-      </p:sp>
-      <p:sp>
-        <p:nvSpPr>
-          <p:cNvPr id="16" name="Rectangle 15">
-            <a:extLst>
-              <a:ext uri="{FF2B5EF4-FFF2-40B4-BE49-F238E27FC236}">
-                <a16:creationId xmlns:a16="http://schemas.microsoft.com/office/drawing/2014/main" id="{3B92F95B-7312-47F3-9153-2CEFDFC78D66}"/>
-              </a:ext>
-            </a:extLst>
-          </p:cNvPr>
-          <p:cNvSpPr/>
-          <p:nvPr/>
-        </p:nvSpPr>
-        <p:spPr>
-          <a:xfrm>
-            <a:off x="276226" y="2792886"/>
-            <a:ext cx="11639548" cy="533643"/>
-          </a:xfrm>
-          <a:prstGeom prst="rect">
-            <a:avLst/>
-          </a:prstGeom>
-        </p:spPr>
-        <p:style>
-          <a:lnRef idx="1">
-            <a:schemeClr val="accent4"/>
-          </a:lnRef>
-          <a:fillRef idx="2">
-            <a:schemeClr val="accent4"/>
-          </a:fillRef>
-          <a:effectRef idx="1">
-            <a:schemeClr val="accent4"/>
-          </a:effectRef>
-          <a:fontRef idx="minor">
-            <a:schemeClr val="dk1"/>
-          </a:fontRef>
-        </p:style>
-        <p:txBody>
-          <a:bodyPr rtlCol="0" anchor="ctr"/>
-          <a:lstStyle/>
-          <a:p>
-            <a:pPr algn="ctr"/>
-            <a:r>
-              <a:rPr lang="en-US" dirty="0"/>
-              <a:t>Talking points are : multiple models run for classification</a:t>
             </a:r>
           </a:p>
         </p:txBody>

--- a/FakeNewsProjectPresentation.pptx
+++ b/FakeNewsProjectPresentation.pptx
@@ -3574,10 +3574,10 @@
       </p:pic>
       <p:pic>
         <p:nvPicPr>
-          <p:cNvPr id="1042" name="Picture 18" descr="Image result for breitbart news">
-            <a:extLst>
-              <a:ext uri="{FF2B5EF4-FFF2-40B4-BE49-F238E27FC236}">
-                <a16:creationId xmlns:a16="http://schemas.microsoft.com/office/drawing/2014/main" id="{3247E1CF-0E2F-4135-9D8A-B127FB87FC92}"/>
+          <p:cNvPr id="1044" name="Picture 20" descr="Image result for fox news logo">
+            <a:extLst>
+              <a:ext uri="{FF2B5EF4-FFF2-40B4-BE49-F238E27FC236}">
+                <a16:creationId xmlns:a16="http://schemas.microsoft.com/office/drawing/2014/main" id="{B675DA06-911B-46AC-AECD-6DCE210B1F8F}"/>
               </a:ext>
             </a:extLst>
           </p:cNvPr>
@@ -3601,8 +3601,8 @@
         </p:blipFill>
         <p:spPr bwMode="auto">
           <a:xfrm>
-            <a:off x="6571244" y="2806617"/>
-            <a:ext cx="1872108" cy="1446295"/>
+            <a:off x="9037294" y="2683194"/>
+            <a:ext cx="2791065" cy="1569718"/>
           </a:xfrm>
           <a:prstGeom prst="rect">
             <a:avLst/>
@@ -3621,10 +3621,40 @@
       </p:pic>
       <p:pic>
         <p:nvPicPr>
-          <p:cNvPr id="1044" name="Picture 20" descr="Image result for fox news logo">
-            <a:extLst>
-              <a:ext uri="{FF2B5EF4-FFF2-40B4-BE49-F238E27FC236}">
-                <a16:creationId xmlns:a16="http://schemas.microsoft.com/office/drawing/2014/main" id="{B675DA06-911B-46AC-AECD-6DCE210B1F8F}"/>
+          <p:cNvPr id="5" name="Picture 4">
+            <a:extLst>
+              <a:ext uri="{FF2B5EF4-FFF2-40B4-BE49-F238E27FC236}">
+                <a16:creationId xmlns:a16="http://schemas.microsoft.com/office/drawing/2014/main" id="{6FEEB97F-D79D-4C21-BCC1-E160E0460982}"/>
+              </a:ext>
+            </a:extLst>
+          </p:cNvPr>
+          <p:cNvPicPr>
+            <a:picLocks noChangeAspect="1"/>
+          </p:cNvPicPr>
+          <p:nvPr/>
+        </p:nvPicPr>
+        <p:blipFill>
+          <a:blip r:embed="rId8"/>
+          <a:stretch>
+            <a:fillRect/>
+          </a:stretch>
+        </p:blipFill>
+        <p:spPr>
+          <a:xfrm>
+            <a:off x="951247" y="1459011"/>
+            <a:ext cx="4405391" cy="977196"/>
+          </a:xfrm>
+          <a:prstGeom prst="rect">
+            <a:avLst/>
+          </a:prstGeom>
+        </p:spPr>
+      </p:pic>
+      <p:pic>
+        <p:nvPicPr>
+          <p:cNvPr id="1048" name="Picture 24" descr="Related image">
+            <a:extLst>
+              <a:ext uri="{FF2B5EF4-FFF2-40B4-BE49-F238E27FC236}">
+                <a16:creationId xmlns:a16="http://schemas.microsoft.com/office/drawing/2014/main" id="{73BD8269-9739-402A-8267-00B608E67196}"/>
               </a:ext>
             </a:extLst>
           </p:cNvPr>
@@ -3634,7 +3664,7 @@
           <p:nvPr/>
         </p:nvPicPr>
         <p:blipFill>
-          <a:blip r:embed="rId8">
+          <a:blip r:embed="rId9">
             <a:extLst>
               <a:ext uri="{28A0092B-C50C-407E-A947-70E740481C1C}">
                 <a14:useLocalDpi xmlns:a14="http://schemas.microsoft.com/office/drawing/2010/main" val="0"/>
@@ -3648,8 +3678,8 @@
         </p:blipFill>
         <p:spPr bwMode="auto">
           <a:xfrm>
-            <a:off x="9037294" y="2683194"/>
-            <a:ext cx="2791065" cy="1569718"/>
+            <a:off x="2699893" y="2727566"/>
+            <a:ext cx="1723295" cy="1723295"/>
           </a:xfrm>
           <a:prstGeom prst="rect">
             <a:avLst/>
@@ -3668,40 +3698,10 @@
       </p:pic>
       <p:pic>
         <p:nvPicPr>
-          <p:cNvPr id="5" name="Picture 4">
-            <a:extLst>
-              <a:ext uri="{FF2B5EF4-FFF2-40B4-BE49-F238E27FC236}">
-                <a16:creationId xmlns:a16="http://schemas.microsoft.com/office/drawing/2014/main" id="{6FEEB97F-D79D-4C21-BCC1-E160E0460982}"/>
-              </a:ext>
-            </a:extLst>
-          </p:cNvPr>
-          <p:cNvPicPr>
-            <a:picLocks noChangeAspect="1"/>
-          </p:cNvPicPr>
-          <p:nvPr/>
-        </p:nvPicPr>
-        <p:blipFill>
-          <a:blip r:embed="rId9"/>
-          <a:stretch>
-            <a:fillRect/>
-          </a:stretch>
-        </p:blipFill>
-        <p:spPr>
-          <a:xfrm>
-            <a:off x="951247" y="1459011"/>
-            <a:ext cx="4405391" cy="977196"/>
-          </a:xfrm>
-          <a:prstGeom prst="rect">
-            <a:avLst/>
-          </a:prstGeom>
-        </p:spPr>
-      </p:pic>
-      <p:pic>
-        <p:nvPicPr>
-          <p:cNvPr id="1048" name="Picture 24" descr="Related image">
-            <a:extLst>
-              <a:ext uri="{FF2B5EF4-FFF2-40B4-BE49-F238E27FC236}">
-                <a16:creationId xmlns:a16="http://schemas.microsoft.com/office/drawing/2014/main" id="{73BD8269-9739-402A-8267-00B608E67196}"/>
+          <p:cNvPr id="1050" name="Picture 26" descr="Image result for financial times logo">
+            <a:extLst>
+              <a:ext uri="{FF2B5EF4-FFF2-40B4-BE49-F238E27FC236}">
+                <a16:creationId xmlns:a16="http://schemas.microsoft.com/office/drawing/2014/main" id="{E31526EA-C9F9-4EFC-A7BD-C71135949AB8}"/>
               </a:ext>
             </a:extLst>
           </p:cNvPr>
@@ -3725,8 +3725,8 @@
         </p:blipFill>
         <p:spPr bwMode="auto">
           <a:xfrm>
-            <a:off x="3633343" y="2727566"/>
-            <a:ext cx="1723295" cy="1723295"/>
+            <a:off x="7008780" y="1057206"/>
+            <a:ext cx="3602070" cy="1724068"/>
           </a:xfrm>
           <a:prstGeom prst="rect">
             <a:avLst/>
@@ -3743,12 +3743,190 @@
           </a:extLst>
         </p:spPr>
       </p:pic>
+      <p:sp>
+        <p:nvSpPr>
+          <p:cNvPr id="6" name="TextBox 5">
+            <a:extLst>
+              <a:ext uri="{FF2B5EF4-FFF2-40B4-BE49-F238E27FC236}">
+                <a16:creationId xmlns:a16="http://schemas.microsoft.com/office/drawing/2014/main" id="{2DEF5A25-43AC-4E4F-B060-29EB4C23EA85}"/>
+              </a:ext>
+            </a:extLst>
+          </p:cNvPr>
+          <p:cNvSpPr txBox="1"/>
+          <p:nvPr/>
+        </p:nvSpPr>
+        <p:spPr>
+          <a:xfrm>
+            <a:off x="0" y="89284"/>
+            <a:ext cx="12192000" cy="830997"/>
+          </a:xfrm>
+          <a:prstGeom prst="rect">
+            <a:avLst/>
+          </a:prstGeom>
+          <a:noFill/>
+        </p:spPr>
+        <p:txBody>
+          <a:bodyPr wrap="square" rtlCol="0">
+            <a:spAutoFit/>
+          </a:bodyPr>
+          <a:lstStyle/>
+          <a:p>
+            <a:pPr algn="ctr"/>
+            <a:r>
+              <a:rPr lang="en-US" sz="4800" dirty="0">
+                <a:solidFill>
+                  <a:srgbClr val="FF0000"/>
+                </a:solidFill>
+                <a:latin typeface="GNUTypewriter" panose="02000503000000000000" pitchFamily="2" charset="-52"/>
+              </a:rPr>
+              <a:t>Is it REAL or FAKE NEWS?</a:t>
+            </a:r>
+          </a:p>
+        </p:txBody>
+      </p:sp>
+      <p:sp>
+        <p:nvSpPr>
+          <p:cNvPr id="13" name="TextBox 12">
+            <a:extLst>
+              <a:ext uri="{FF2B5EF4-FFF2-40B4-BE49-F238E27FC236}">
+                <a16:creationId xmlns:a16="http://schemas.microsoft.com/office/drawing/2014/main" id="{ABCD6938-7F15-4F21-BA5F-FACA56A9C6A6}"/>
+              </a:ext>
+            </a:extLst>
+          </p:cNvPr>
+          <p:cNvSpPr txBox="1"/>
+          <p:nvPr/>
+        </p:nvSpPr>
+        <p:spPr>
+          <a:xfrm>
+            <a:off x="4096665" y="2694087"/>
+            <a:ext cx="3998670" cy="1600438"/>
+          </a:xfrm>
+          <a:prstGeom prst="rect">
+            <a:avLst/>
+          </a:prstGeom>
+          <a:noFill/>
+        </p:spPr>
+        <p:txBody>
+          <a:bodyPr wrap="square" rtlCol="0">
+            <a:spAutoFit/>
+          </a:bodyPr>
+          <a:lstStyle/>
+          <a:p>
+            <a:pPr algn="ctr"/>
+            <a:r>
+              <a:rPr lang="en-US" sz="1400" b="1" u="sng" dirty="0">
+                <a:solidFill>
+                  <a:srgbClr val="FF0000"/>
+                </a:solidFill>
+                <a:latin typeface="GNUTypewriter" panose="02000503000000000000" pitchFamily="2" charset="-52"/>
+              </a:rPr>
+              <a:t>Presented by </a:t>
+            </a:r>
+          </a:p>
+          <a:p>
+            <a:pPr algn="ctr"/>
+            <a:endParaRPr lang="en-US" sz="1400" b="1" u="sng" dirty="0">
+              <a:solidFill>
+                <a:srgbClr val="FF0000"/>
+              </a:solidFill>
+              <a:latin typeface="GNUTypewriter" panose="02000503000000000000" pitchFamily="2" charset="-52"/>
+            </a:endParaRPr>
+          </a:p>
+          <a:p>
+            <a:pPr algn="ctr"/>
+            <a:r>
+              <a:rPr lang="en-US" sz="1400" b="1" u="sng" dirty="0">
+                <a:solidFill>
+                  <a:srgbClr val="FF0000"/>
+                </a:solidFill>
+                <a:latin typeface="GNUTypewriter" panose="02000503000000000000" pitchFamily="2" charset="-52"/>
+              </a:rPr>
+              <a:t>Richard </a:t>
+            </a:r>
+            <a:r>
+              <a:rPr lang="en-US" sz="1400" b="1" u="sng" dirty="0" err="1">
+                <a:solidFill>
+                  <a:srgbClr val="FF0000"/>
+                </a:solidFill>
+                <a:latin typeface="GNUTypewriter" panose="02000503000000000000" pitchFamily="2" charset="-52"/>
+              </a:rPr>
+              <a:t>Dzidzornu</a:t>
+            </a:r>
+            <a:endParaRPr lang="en-US" sz="1400" b="1" u="sng" dirty="0">
+              <a:solidFill>
+                <a:srgbClr val="FF0000"/>
+              </a:solidFill>
+              <a:latin typeface="GNUTypewriter" panose="02000503000000000000" pitchFamily="2" charset="-52"/>
+            </a:endParaRPr>
+          </a:p>
+          <a:p>
+            <a:pPr algn="ctr"/>
+            <a:r>
+              <a:rPr lang="en-US" sz="1400" b="1" u="sng" dirty="0">
+                <a:solidFill>
+                  <a:srgbClr val="FF0000"/>
+                </a:solidFill>
+                <a:latin typeface="GNUTypewriter" panose="02000503000000000000" pitchFamily="2" charset="-52"/>
+              </a:rPr>
+              <a:t>Richard Paterson</a:t>
+            </a:r>
+          </a:p>
+          <a:p>
+            <a:pPr algn="ctr"/>
+            <a:r>
+              <a:rPr lang="en-US" sz="1400" b="1" u="sng" dirty="0">
+                <a:solidFill>
+                  <a:srgbClr val="FF0000"/>
+                </a:solidFill>
+                <a:latin typeface="GNUTypewriter" panose="02000503000000000000" pitchFamily="2" charset="-52"/>
+              </a:rPr>
+              <a:t>Michael </a:t>
+            </a:r>
+            <a:r>
+              <a:rPr lang="en-US" sz="1400" b="1" u="sng" dirty="0" err="1">
+                <a:solidFill>
+                  <a:srgbClr val="FF0000"/>
+                </a:solidFill>
+                <a:latin typeface="GNUTypewriter" panose="02000503000000000000" pitchFamily="2" charset="-52"/>
+              </a:rPr>
+              <a:t>Znidarsic</a:t>
+            </a:r>
+            <a:endParaRPr lang="en-US" sz="1400" b="1" u="sng" dirty="0">
+              <a:solidFill>
+                <a:srgbClr val="FF0000"/>
+              </a:solidFill>
+              <a:latin typeface="GNUTypewriter" panose="02000503000000000000" pitchFamily="2" charset="-52"/>
+            </a:endParaRPr>
+          </a:p>
+          <a:p>
+            <a:pPr algn="ctr"/>
+            <a:endParaRPr lang="en-US" sz="1400" b="1" u="sng" dirty="0">
+              <a:solidFill>
+                <a:srgbClr val="FF0000"/>
+              </a:solidFill>
+              <a:latin typeface="GNUTypewriter" panose="02000503000000000000" pitchFamily="2" charset="-52"/>
+            </a:endParaRPr>
+          </a:p>
+          <a:p>
+            <a:pPr algn="ctr"/>
+            <a:r>
+              <a:rPr lang="en-US" sz="1400" b="1" u="sng" dirty="0">
+                <a:solidFill>
+                  <a:srgbClr val="FF0000"/>
+                </a:solidFill>
+                <a:latin typeface="GNUTypewriter" panose="02000503000000000000" pitchFamily="2" charset="-52"/>
+              </a:rPr>
+              <a:t>12/4/2019</a:t>
+            </a:r>
+          </a:p>
+        </p:txBody>
+      </p:sp>
       <p:pic>
         <p:nvPicPr>
-          <p:cNvPr id="1050" name="Picture 26" descr="Image result for financial times logo">
-            <a:extLst>
-              <a:ext uri="{FF2B5EF4-FFF2-40B4-BE49-F238E27FC236}">
-                <a16:creationId xmlns:a16="http://schemas.microsoft.com/office/drawing/2014/main" id="{E31526EA-C9F9-4EFC-A7BD-C71135949AB8}"/>
+          <p:cNvPr id="1042" name="Picture 18" descr="Image result for breitbart news">
+            <a:extLst>
+              <a:ext uri="{FF2B5EF4-FFF2-40B4-BE49-F238E27FC236}">
+                <a16:creationId xmlns:a16="http://schemas.microsoft.com/office/drawing/2014/main" id="{3247E1CF-0E2F-4135-9D8A-B127FB87FC92}"/>
               </a:ext>
             </a:extLst>
           </p:cNvPr>
@@ -3772,8 +3950,8 @@
         </p:blipFill>
         <p:spPr bwMode="auto">
           <a:xfrm>
-            <a:off x="7008780" y="1057206"/>
-            <a:ext cx="3602070" cy="1724068"/>
+            <a:off x="7533269" y="2806617"/>
+            <a:ext cx="1872108" cy="1446295"/>
           </a:xfrm>
           <a:prstGeom prst="rect">
             <a:avLst/>
@@ -3790,47 +3968,6 @@
           </a:extLst>
         </p:spPr>
       </p:pic>
-      <p:sp>
-        <p:nvSpPr>
-          <p:cNvPr id="6" name="TextBox 5">
-            <a:extLst>
-              <a:ext uri="{FF2B5EF4-FFF2-40B4-BE49-F238E27FC236}">
-                <a16:creationId xmlns:a16="http://schemas.microsoft.com/office/drawing/2014/main" id="{2DEF5A25-43AC-4E4F-B060-29EB4C23EA85}"/>
-              </a:ext>
-            </a:extLst>
-          </p:cNvPr>
-          <p:cNvSpPr txBox="1"/>
-          <p:nvPr/>
-        </p:nvSpPr>
-        <p:spPr>
-          <a:xfrm>
-            <a:off x="0" y="89284"/>
-            <a:ext cx="12192000" cy="830997"/>
-          </a:xfrm>
-          <a:prstGeom prst="rect">
-            <a:avLst/>
-          </a:prstGeom>
-          <a:noFill/>
-        </p:spPr>
-        <p:txBody>
-          <a:bodyPr wrap="square" rtlCol="0">
-            <a:spAutoFit/>
-          </a:bodyPr>
-          <a:lstStyle/>
-          <a:p>
-            <a:pPr algn="ctr"/>
-            <a:r>
-              <a:rPr lang="en-US" sz="4800" dirty="0">
-                <a:solidFill>
-                  <a:srgbClr val="FF0000"/>
-                </a:solidFill>
-                <a:latin typeface="GNUTypewriter" panose="02000503000000000000" pitchFamily="2" charset="-52"/>
-              </a:rPr>
-              <a:t>Is it REAL or FAKE NEWS?</a:t>
-            </a:r>
-          </a:p>
-        </p:txBody>
-      </p:sp>
     </p:spTree>
     <p:extLst>
       <p:ext uri="{BB962C8B-B14F-4D97-AF65-F5344CB8AC3E}">
@@ -7462,7 +7599,7 @@
               <a:rPr lang="en-US" sz="1600" dirty="0">
                 <a:latin typeface="GNUTypewriter" panose="02000503000000000000" pitchFamily="2" charset="-52"/>
               </a:rPr>
-              <a:t>As an example, we tested /Infowars Monday Quarterbacking Political Review containing 800 words, 3 paragraphs, author = unknown). Results are:</a:t>
+              <a:t>As an example, we tested /Infowars Monday Quarterbacking Political Review containing 800 words, 3 paragraphs, author = unknown). Model results are:</a:t>
             </a:r>
           </a:p>
         </p:txBody>
@@ -7499,7 +7636,7 @@
               <a:rPr lang="en-US" sz="1600" dirty="0">
                 <a:latin typeface="GNUTypewriter" panose="02000503000000000000" pitchFamily="2" charset="-52"/>
               </a:rPr>
-              <a:t>Objective is to put a document through our “Is It Real News” Engine (which consists of a number of trained models), and the Engine will give back an “Is It Real News” Score.</a:t>
+              <a:t>Our intention is to put individual documents through our “Is It Real News” Engine (which consists of a number of trained models), and the Engine will give back an “Is It Real News” Score/Prediction.</a:t>
             </a:r>
           </a:p>
         </p:txBody>
